--- a/Capstone 2 Deck.pptx
+++ b/Capstone 2 Deck.pptx
@@ -1,6 +1,6 @@
 
 <file path=ppt/presentation.xml><?xml version="1.0" encoding="utf-8"?>
-<p:presentation xmlns:a="http://schemas.openxmlformats.org/drawingml/2006/main" xmlns:r="http://schemas.openxmlformats.org/officeDocument/2006/relationships" xmlns:mc="http://schemas.openxmlformats.org/markup-compatibility/2006" xmlns:mv="urn:schemas-microsoft-com:mac:vml" xmlns:p="http://schemas.openxmlformats.org/presentationml/2006/main" xmlns:c="http://schemas.openxmlformats.org/drawingml/2006/chart" xmlns:dgm="http://schemas.openxmlformats.org/drawingml/2006/diagram" xmlns:o="urn:schemas-microsoft-com:office:office" xmlns:v="urn:schemas-microsoft-com:vml" xmlns:pvml="urn:schemas-microsoft-com:office:powerpoint" xmlns:com="http://schemas.openxmlformats.org/drawingml/2006/compatibility" xmlns:p14="http://schemas.microsoft.com/office/powerpoint/2010/main" xmlns:p15="http://schemas.microsoft.com/office/powerpoint/2012/main" autoCompressPictures="0" strictFirstAndLastChars="0" saveSubsetFonts="1">
+<p:presentation xmlns:a="http://schemas.openxmlformats.org/drawingml/2006/main" xmlns:r="http://schemas.openxmlformats.org/officeDocument/2006/relationships" xmlns:mc="http://schemas.openxmlformats.org/markup-compatibility/2006" xmlns:mv="urn:schemas-microsoft-com:mac:vml" xmlns:p="http://schemas.openxmlformats.org/presentationml/2006/main" xmlns:c="http://schemas.openxmlformats.org/drawingml/2006/chart" xmlns:dgm="http://schemas.openxmlformats.org/drawingml/2006/diagram" xmlns:o="urn:schemas-microsoft-com:office:office" xmlns:v="urn:schemas-microsoft-com:vml" xmlns:pvml="urn:schemas-microsoft-com:office:powerpoint" xmlns:com="http://schemas.openxmlformats.org/drawingml/2006/compatibility" xmlns:p14="http://schemas.microsoft.com/office/powerpoint/2010/main" xmlns:p15="http://schemas.microsoft.com/office/powerpoint/2012/main" autoCompressPictures="0" embedTrueTypeFonts="1" strictFirstAndLastChars="0" saveSubsetFonts="1">
   <p:sldMasterIdLst>
     <p:sldMasterId id="2147483659" r:id="rId4"/>
   </p:sldMasterIdLst>
@@ -13,9 +13,19 @@
     <p:sldId id="258" r:id="rId8"/>
     <p:sldId id="259" r:id="rId9"/>
     <p:sldId id="260" r:id="rId10"/>
+    <p:sldId id="261" r:id="rId11"/>
   </p:sldIdLst>
   <p:sldSz cy="5143500" cx="9144000"/>
   <p:notesSz cx="6858000" cy="9144000"/>
+  <p:embeddedFontLst>
+    <p:embeddedFont>
+      <p:font typeface="Roboto"/>
+      <p:regular r:id="rId12"/>
+      <p:bold r:id="rId13"/>
+      <p:italic r:id="rId14"/>
+      <p:boldItalic r:id="rId15"/>
+    </p:embeddedFont>
+  </p:embeddedFontLst>
   <p:defaultTextStyle>
     <a:defPPr lvl="0" marR="0" rtl="0" algn="l">
       <a:lnSpc>
@@ -695,7 +705,7 @@
   <p:cSld>
     <p:spTree>
       <p:nvGrpSpPr>
-        <p:cNvPr id="50" name="Shape 50"/>
+        <p:cNvPr id="63" name="Shape 63"/>
         <p:cNvGrpSpPr/>
         <p:nvPr/>
       </p:nvGrpSpPr>
@@ -709,7 +719,7 @@
       </p:grpSpPr>
       <p:sp>
         <p:nvSpPr>
-          <p:cNvPr id="51" name="Google Shape;51;p:notes"/>
+          <p:cNvPr id="64" name="Google Shape;64;p:notes"/>
           <p:cNvSpPr/>
           <p:nvPr>
             <p:ph idx="2" type="sldImg"/>
@@ -744,7 +754,7 @@
       </p:sp>
       <p:sp>
         <p:nvSpPr>
-          <p:cNvPr id="52" name="Google Shape;52;p:notes"/>
+          <p:cNvPr id="65" name="Google Shape;65;p:notes"/>
           <p:cNvSpPr txBox="1"/>
           <p:nvPr>
             <p:ph idx="1" type="body"/>
@@ -794,7 +804,7 @@
   <p:cSld>
     <p:spTree>
       <p:nvGrpSpPr>
-        <p:cNvPr id="55" name="Shape 55"/>
+        <p:cNvPr id="68" name="Shape 68"/>
         <p:cNvGrpSpPr/>
         <p:nvPr/>
       </p:nvGrpSpPr>
@@ -808,7 +818,7 @@
       </p:grpSpPr>
       <p:sp>
         <p:nvSpPr>
-          <p:cNvPr id="56" name="Google Shape;56;g8381ce48f8_0_1:notes"/>
+          <p:cNvPr id="69" name="Google Shape;69;g8381ce48f8_0_1:notes"/>
           <p:cNvSpPr/>
           <p:nvPr>
             <p:ph idx="2" type="sldImg"/>
@@ -843,7 +853,7 @@
       </p:sp>
       <p:sp>
         <p:nvSpPr>
-          <p:cNvPr id="57" name="Google Shape;57;g8381ce48f8_0_1:notes"/>
+          <p:cNvPr id="70" name="Google Shape;70;g8381ce48f8_0_1:notes"/>
           <p:cNvSpPr txBox="1"/>
           <p:nvPr>
             <p:ph idx="1" type="body"/>
@@ -893,7 +903,7 @@
   <p:cSld>
     <p:spTree>
       <p:nvGrpSpPr>
-        <p:cNvPr id="60" name="Shape 60"/>
+        <p:cNvPr id="73" name="Shape 73"/>
         <p:cNvGrpSpPr/>
         <p:nvPr/>
       </p:nvGrpSpPr>
@@ -907,7 +917,7 @@
       </p:grpSpPr>
       <p:sp>
         <p:nvSpPr>
-          <p:cNvPr id="61" name="Google Shape;61;g8381ce48f8_0_7:notes"/>
+          <p:cNvPr id="74" name="Google Shape;74;g8381ce48f8_0_7:notes"/>
           <p:cNvSpPr/>
           <p:nvPr>
             <p:ph idx="2" type="sldImg"/>
@@ -942,7 +952,7 @@
       </p:sp>
       <p:sp>
         <p:nvSpPr>
-          <p:cNvPr id="62" name="Google Shape;62;g8381ce48f8_0_7:notes"/>
+          <p:cNvPr id="75" name="Google Shape;75;g8381ce48f8_0_7:notes"/>
           <p:cNvSpPr txBox="1"/>
           <p:nvPr>
             <p:ph idx="1" type="body"/>
@@ -992,7 +1002,7 @@
   <p:cSld>
     <p:spTree>
       <p:nvGrpSpPr>
-        <p:cNvPr id="67" name="Shape 67"/>
+        <p:cNvPr id="80" name="Shape 80"/>
         <p:cNvGrpSpPr/>
         <p:nvPr/>
       </p:nvGrpSpPr>
@@ -1006,7 +1016,7 @@
       </p:grpSpPr>
       <p:sp>
         <p:nvSpPr>
-          <p:cNvPr id="68" name="Google Shape;68;g8381ce48f8_1_2:notes"/>
+          <p:cNvPr id="81" name="Google Shape;81;g8381ce48f8_1_2:notes"/>
           <p:cNvSpPr/>
           <p:nvPr>
             <p:ph idx="2" type="sldImg"/>
@@ -1041,7 +1051,7 @@
       </p:sp>
       <p:sp>
         <p:nvSpPr>
-          <p:cNvPr id="69" name="Google Shape;69;g8381ce48f8_1_2:notes"/>
+          <p:cNvPr id="82" name="Google Shape;82;g8381ce48f8_1_2:notes"/>
           <p:cNvSpPr txBox="1"/>
           <p:nvPr>
             <p:ph idx="1" type="body"/>
@@ -1091,7 +1101,7 @@
   <p:cSld>
     <p:spTree>
       <p:nvGrpSpPr>
-        <p:cNvPr id="73" name="Shape 73"/>
+        <p:cNvPr id="86" name="Shape 86"/>
         <p:cNvGrpSpPr/>
         <p:nvPr/>
       </p:nvGrpSpPr>
@@ -1105,7 +1115,7 @@
       </p:grpSpPr>
       <p:sp>
         <p:nvSpPr>
-          <p:cNvPr id="74" name="Google Shape;74;g8381ce48f8_1_7:notes"/>
+          <p:cNvPr id="87" name="Google Shape;87;g8381ce48f8_1_7:notes"/>
           <p:cNvSpPr/>
           <p:nvPr>
             <p:ph idx="2" type="sldImg"/>
@@ -1140,7 +1150,106 @@
       </p:sp>
       <p:sp>
         <p:nvSpPr>
-          <p:cNvPr id="75" name="Google Shape;75;g8381ce48f8_1_7:notes"/>
+          <p:cNvPr id="88" name="Google Shape;88;g8381ce48f8_1_7:notes"/>
+          <p:cNvSpPr txBox="1"/>
+          <p:nvPr>
+            <p:ph idx="1" type="body"/>
+          </p:nvPr>
+        </p:nvSpPr>
+        <p:spPr>
+          <a:xfrm>
+            <a:off x="685800" y="4343400"/>
+            <a:ext cx="5486400" cy="4114800"/>
+          </a:xfrm>
+          <a:prstGeom prst="rect">
+            <a:avLst/>
+          </a:prstGeom>
+        </p:spPr>
+        <p:txBody>
+          <a:bodyPr anchorCtr="0" anchor="t" bIns="91425" lIns="91425" spcFirstLastPara="1" rIns="91425" wrap="square" tIns="91425">
+            <a:noAutofit/>
+          </a:bodyPr>
+          <a:lstStyle/>
+          <a:p>
+            <a:pPr indent="0" lvl="0" marL="0" rtl="0" algn="l">
+              <a:spcBef>
+                <a:spcPts val="0"/>
+              </a:spcBef>
+              <a:spcAft>
+                <a:spcPts val="0"/>
+              </a:spcAft>
+              <a:buNone/>
+            </a:pPr>
+            <a:r>
+              <a:t/>
+            </a:r>
+            <a:endParaRPr/>
+          </a:p>
+        </p:txBody>
+      </p:sp>
+    </p:spTree>
+  </p:cSld>
+  <p:clrMapOvr>
+    <a:masterClrMapping/>
+  </p:clrMapOvr>
+</p:notes>
+</file>
+
+<file path=ppt/notesSlides/notesSlide6.xml><?xml version="1.0" encoding="utf-8"?>
+<p:notes xmlns:a="http://schemas.openxmlformats.org/drawingml/2006/main" xmlns:r="http://schemas.openxmlformats.org/officeDocument/2006/relationships" xmlns:mc="http://schemas.openxmlformats.org/markup-compatibility/2006" xmlns:mv="urn:schemas-microsoft-com:mac:vml" xmlns:p="http://schemas.openxmlformats.org/presentationml/2006/main" xmlns:c="http://schemas.openxmlformats.org/drawingml/2006/chart" xmlns:dgm="http://schemas.openxmlformats.org/drawingml/2006/diagram" xmlns:o="urn:schemas-microsoft-com:office:office" xmlns:v="urn:schemas-microsoft-com:vml" xmlns:pvml="urn:schemas-microsoft-com:office:powerpoint" xmlns:com="http://schemas.openxmlformats.org/drawingml/2006/compatibility" xmlns:p14="http://schemas.microsoft.com/office/powerpoint/2010/main" xmlns:p15="http://schemas.microsoft.com/office/powerpoint/2012/main" showMasterPhAnim="0" showMasterSp="0">
+  <p:cSld>
+    <p:spTree>
+      <p:nvGrpSpPr>
+        <p:cNvPr id="92" name="Shape 92"/>
+        <p:cNvGrpSpPr/>
+        <p:nvPr/>
+      </p:nvGrpSpPr>
+      <p:grpSpPr>
+        <a:xfrm>
+          <a:off x="0" y="0"/>
+          <a:ext cx="0" cy="0"/>
+          <a:chOff x="0" y="0"/>
+          <a:chExt cx="0" cy="0"/>
+        </a:xfrm>
+      </p:grpSpPr>
+      <p:sp>
+        <p:nvSpPr>
+          <p:cNvPr id="93" name="Google Shape;93;g83a838e1b2_0_352:notes"/>
+          <p:cNvSpPr/>
+          <p:nvPr>
+            <p:ph idx="2" type="sldImg"/>
+          </p:nvPr>
+        </p:nvSpPr>
+        <p:spPr>
+          <a:xfrm>
+            <a:off x="381300" y="685800"/>
+            <a:ext cx="6096000" cy="3429000"/>
+          </a:xfrm>
+          <a:custGeom>
+            <a:rect b="b" l="l" r="r" t="t"/>
+            <a:pathLst>
+              <a:path extrusionOk="0" h="120000" w="120000">
+                <a:moveTo>
+                  <a:pt x="0" y="0"/>
+                </a:moveTo>
+                <a:lnTo>
+                  <a:pt x="120000" y="0"/>
+                </a:lnTo>
+                <a:lnTo>
+                  <a:pt x="120000" y="120000"/>
+                </a:lnTo>
+                <a:lnTo>
+                  <a:pt x="0" y="120000"/>
+                </a:lnTo>
+                <a:close/>
+              </a:path>
+            </a:pathLst>
+          </a:custGeom>
+        </p:spPr>
+      </p:sp>
+      <p:sp>
+        <p:nvSpPr>
+          <p:cNvPr id="94" name="Google Shape;94;g83a838e1b2_0_352:notes"/>
           <p:cNvSpPr txBox="1"/>
           <p:nvPr>
             <p:ph idx="1" type="body"/>
@@ -1205,6 +1314,96 @@
       <p:sp>
         <p:nvSpPr>
           <p:cNvPr id="10" name="Google Shape;10;p2"/>
+          <p:cNvSpPr/>
+          <p:nvPr/>
+        </p:nvSpPr>
+        <p:spPr>
+          <a:xfrm flipH="1">
+            <a:off x="8246400" y="4245925"/>
+            <a:ext cx="897600" cy="897600"/>
+          </a:xfrm>
+          <a:prstGeom prst="rtTriangle">
+            <a:avLst/>
+          </a:prstGeom>
+          <a:solidFill>
+            <a:schemeClr val="lt1"/>
+          </a:solidFill>
+          <a:ln>
+            <a:noFill/>
+          </a:ln>
+        </p:spPr>
+        <p:txBody>
+          <a:bodyPr anchorCtr="0" anchor="ctr" bIns="91425" lIns="91425" spcFirstLastPara="1" rIns="91425" wrap="square" tIns="91425">
+            <a:noAutofit/>
+          </a:bodyPr>
+          <a:lstStyle/>
+          <a:p>
+            <a:pPr indent="0" lvl="0" marL="0" rtl="0" algn="l">
+              <a:spcBef>
+                <a:spcPts val="0"/>
+              </a:spcBef>
+              <a:spcAft>
+                <a:spcPts val="0"/>
+              </a:spcAft>
+              <a:buNone/>
+            </a:pPr>
+            <a:r>
+              <a:t/>
+            </a:r>
+            <a:endParaRPr/>
+          </a:p>
+        </p:txBody>
+      </p:sp>
+      <p:sp>
+        <p:nvSpPr>
+          <p:cNvPr id="11" name="Google Shape;11;p2"/>
+          <p:cNvSpPr/>
+          <p:nvPr/>
+        </p:nvSpPr>
+        <p:spPr>
+          <a:xfrm flipH="1">
+            <a:off x="8246400" y="4245875"/>
+            <a:ext cx="897600" cy="897600"/>
+          </a:xfrm>
+          <a:prstGeom prst="round1Rect">
+            <a:avLst>
+              <a:gd fmla="val 16667" name="adj"/>
+            </a:avLst>
+          </a:prstGeom>
+          <a:solidFill>
+            <a:schemeClr val="lt1">
+              <a:alpha val="68080"/>
+            </a:schemeClr>
+          </a:solidFill>
+          <a:ln>
+            <a:noFill/>
+          </a:ln>
+        </p:spPr>
+        <p:txBody>
+          <a:bodyPr anchorCtr="0" anchor="ctr" bIns="91425" lIns="91425" spcFirstLastPara="1" rIns="91425" wrap="square" tIns="91425">
+            <a:noAutofit/>
+          </a:bodyPr>
+          <a:lstStyle/>
+          <a:p>
+            <a:pPr indent="0" lvl="0" marL="0" rtl="0" algn="l">
+              <a:spcBef>
+                <a:spcPts val="0"/>
+              </a:spcBef>
+              <a:spcAft>
+                <a:spcPts val="0"/>
+              </a:spcAft>
+              <a:buNone/>
+            </a:pPr>
+            <a:r>
+              <a:t/>
+            </a:r>
+            <a:endParaRPr/>
+          </a:p>
+        </p:txBody>
+      </p:sp>
+      <p:sp>
+        <p:nvSpPr>
+          <p:cNvPr id="12" name="Google Shape;12;p2"/>
           <p:cNvSpPr txBox="1"/>
           <p:nvPr>
             <p:ph type="ctrTitle"/>
@@ -1212,8 +1411,8 @@
         </p:nvSpPr>
         <p:spPr>
           <a:xfrm>
-            <a:off x="311708" y="744575"/>
-            <a:ext cx="8520600" cy="2052600"/>
+            <a:off x="390525" y="1819275"/>
+            <a:ext cx="8222100" cy="933600"/>
           </a:xfrm>
           <a:prstGeom prst="rect">
             <a:avLst/>
@@ -1224,104 +1423,104 @@
             <a:noAutofit/>
           </a:bodyPr>
           <a:lstStyle>
-            <a:lvl1pPr lvl="0" algn="ctr">
-              <a:spcBef>
-                <a:spcPts val="0"/>
-              </a:spcBef>
-              <a:spcAft>
-                <a:spcPts val="0"/>
-              </a:spcAft>
-              <a:buSzPts val="5200"/>
-              <a:buNone/>
-              <a:defRPr sz="5200"/>
+            <a:lvl1pPr lvl="0">
+              <a:spcBef>
+                <a:spcPts val="0"/>
+              </a:spcBef>
+              <a:spcAft>
+                <a:spcPts val="0"/>
+              </a:spcAft>
+              <a:buSzPts val="4800"/>
+              <a:buNone/>
+              <a:defRPr sz="4800"/>
             </a:lvl1pPr>
-            <a:lvl2pPr lvl="1" algn="ctr">
-              <a:spcBef>
-                <a:spcPts val="0"/>
-              </a:spcBef>
-              <a:spcAft>
-                <a:spcPts val="0"/>
-              </a:spcAft>
-              <a:buSzPts val="5200"/>
-              <a:buNone/>
-              <a:defRPr sz="5200"/>
+            <a:lvl2pPr lvl="1">
+              <a:spcBef>
+                <a:spcPts val="0"/>
+              </a:spcBef>
+              <a:spcAft>
+                <a:spcPts val="0"/>
+              </a:spcAft>
+              <a:buSzPts val="4800"/>
+              <a:buNone/>
+              <a:defRPr sz="4800"/>
             </a:lvl2pPr>
-            <a:lvl3pPr lvl="2" algn="ctr">
-              <a:spcBef>
-                <a:spcPts val="0"/>
-              </a:spcBef>
-              <a:spcAft>
-                <a:spcPts val="0"/>
-              </a:spcAft>
-              <a:buSzPts val="5200"/>
-              <a:buNone/>
-              <a:defRPr sz="5200"/>
+            <a:lvl3pPr lvl="2">
+              <a:spcBef>
+                <a:spcPts val="0"/>
+              </a:spcBef>
+              <a:spcAft>
+                <a:spcPts val="0"/>
+              </a:spcAft>
+              <a:buSzPts val="4800"/>
+              <a:buNone/>
+              <a:defRPr sz="4800"/>
             </a:lvl3pPr>
-            <a:lvl4pPr lvl="3" algn="ctr">
-              <a:spcBef>
-                <a:spcPts val="0"/>
-              </a:spcBef>
-              <a:spcAft>
-                <a:spcPts val="0"/>
-              </a:spcAft>
-              <a:buSzPts val="5200"/>
-              <a:buNone/>
-              <a:defRPr sz="5200"/>
+            <a:lvl4pPr lvl="3">
+              <a:spcBef>
+                <a:spcPts val="0"/>
+              </a:spcBef>
+              <a:spcAft>
+                <a:spcPts val="0"/>
+              </a:spcAft>
+              <a:buSzPts val="4800"/>
+              <a:buNone/>
+              <a:defRPr sz="4800"/>
             </a:lvl4pPr>
-            <a:lvl5pPr lvl="4" algn="ctr">
-              <a:spcBef>
-                <a:spcPts val="0"/>
-              </a:spcBef>
-              <a:spcAft>
-                <a:spcPts val="0"/>
-              </a:spcAft>
-              <a:buSzPts val="5200"/>
-              <a:buNone/>
-              <a:defRPr sz="5200"/>
+            <a:lvl5pPr lvl="4">
+              <a:spcBef>
+                <a:spcPts val="0"/>
+              </a:spcBef>
+              <a:spcAft>
+                <a:spcPts val="0"/>
+              </a:spcAft>
+              <a:buSzPts val="4800"/>
+              <a:buNone/>
+              <a:defRPr sz="4800"/>
             </a:lvl5pPr>
-            <a:lvl6pPr lvl="5" algn="ctr">
-              <a:spcBef>
-                <a:spcPts val="0"/>
-              </a:spcBef>
-              <a:spcAft>
-                <a:spcPts val="0"/>
-              </a:spcAft>
-              <a:buSzPts val="5200"/>
-              <a:buNone/>
-              <a:defRPr sz="5200"/>
+            <a:lvl6pPr lvl="5">
+              <a:spcBef>
+                <a:spcPts val="0"/>
+              </a:spcBef>
+              <a:spcAft>
+                <a:spcPts val="0"/>
+              </a:spcAft>
+              <a:buSzPts val="4800"/>
+              <a:buNone/>
+              <a:defRPr sz="4800"/>
             </a:lvl6pPr>
-            <a:lvl7pPr lvl="6" algn="ctr">
-              <a:spcBef>
-                <a:spcPts val="0"/>
-              </a:spcBef>
-              <a:spcAft>
-                <a:spcPts val="0"/>
-              </a:spcAft>
-              <a:buSzPts val="5200"/>
-              <a:buNone/>
-              <a:defRPr sz="5200"/>
+            <a:lvl7pPr lvl="6">
+              <a:spcBef>
+                <a:spcPts val="0"/>
+              </a:spcBef>
+              <a:spcAft>
+                <a:spcPts val="0"/>
+              </a:spcAft>
+              <a:buSzPts val="4800"/>
+              <a:buNone/>
+              <a:defRPr sz="4800"/>
             </a:lvl7pPr>
-            <a:lvl8pPr lvl="7" algn="ctr">
-              <a:spcBef>
-                <a:spcPts val="0"/>
-              </a:spcBef>
-              <a:spcAft>
-                <a:spcPts val="0"/>
-              </a:spcAft>
-              <a:buSzPts val="5200"/>
-              <a:buNone/>
-              <a:defRPr sz="5200"/>
+            <a:lvl8pPr lvl="7">
+              <a:spcBef>
+                <a:spcPts val="0"/>
+              </a:spcBef>
+              <a:spcAft>
+                <a:spcPts val="0"/>
+              </a:spcAft>
+              <a:buSzPts val="4800"/>
+              <a:buNone/>
+              <a:defRPr sz="4800"/>
             </a:lvl8pPr>
-            <a:lvl9pPr lvl="8" algn="ctr">
-              <a:spcBef>
-                <a:spcPts val="0"/>
-              </a:spcBef>
-              <a:spcAft>
-                <a:spcPts val="0"/>
-              </a:spcAft>
-              <a:buSzPts val="5200"/>
-              <a:buNone/>
-              <a:defRPr sz="5200"/>
+            <a:lvl9pPr lvl="8">
+              <a:spcBef>
+                <a:spcPts val="0"/>
+              </a:spcBef>
+              <a:spcAft>
+                <a:spcPts val="0"/>
+              </a:spcAft>
+              <a:buSzPts val="4800"/>
+              <a:buNone/>
+              <a:defRPr sz="4800"/>
             </a:lvl9pPr>
           </a:lstStyle>
           <a:p/>
@@ -1329,7 +1528,7 @@
       </p:sp>
       <p:sp>
         <p:nvSpPr>
-          <p:cNvPr id="11" name="Google Shape;11;p2"/>
+          <p:cNvPr id="13" name="Google Shape;13;p2"/>
           <p:cNvSpPr txBox="1"/>
           <p:nvPr>
             <p:ph idx="1" type="subTitle"/>
@@ -1337,8 +1536,8 @@
         </p:nvSpPr>
         <p:spPr>
           <a:xfrm>
-            <a:off x="311700" y="2834125"/>
-            <a:ext cx="8520600" cy="792600"/>
+            <a:off x="390525" y="2789130"/>
+            <a:ext cx="8222100" cy="432900"/>
           </a:xfrm>
           <a:prstGeom prst="rect">
             <a:avLst/>
@@ -1349,7 +1548,7 @@
             <a:noAutofit/>
           </a:bodyPr>
           <a:lstStyle>
-            <a:lvl1pPr lvl="0" algn="ctr">
+            <a:lvl1pPr lvl="0">
               <a:lnSpc>
                 <a:spcPct val="100000"/>
               </a:lnSpc>
@@ -1359,11 +1558,18 @@
               <a:spcAft>
                 <a:spcPts val="0"/>
               </a:spcAft>
-              <a:buSzPts val="2800"/>
-              <a:buNone/>
-              <a:defRPr sz="2800"/>
+              <a:buClr>
+                <a:schemeClr val="lt1"/>
+              </a:buClr>
+              <a:buSzPts val="1800"/>
+              <a:buNone/>
+              <a:defRPr>
+                <a:solidFill>
+                  <a:schemeClr val="lt1"/>
+                </a:solidFill>
+              </a:defRPr>
             </a:lvl1pPr>
-            <a:lvl2pPr lvl="1" algn="ctr">
+            <a:lvl2pPr lvl="1">
               <a:lnSpc>
                 <a:spcPct val="100000"/>
               </a:lnSpc>
@@ -1373,11 +1579,18 @@
               <a:spcAft>
                 <a:spcPts val="0"/>
               </a:spcAft>
-              <a:buSzPts val="2800"/>
-              <a:buNone/>
-              <a:defRPr sz="2800"/>
+              <a:buClr>
+                <a:schemeClr val="lt1"/>
+              </a:buClr>
+              <a:buSzPts val="1800"/>
+              <a:buNone/>
+              <a:defRPr sz="1800">
+                <a:solidFill>
+                  <a:schemeClr val="lt1"/>
+                </a:solidFill>
+              </a:defRPr>
             </a:lvl2pPr>
-            <a:lvl3pPr lvl="2" algn="ctr">
+            <a:lvl3pPr lvl="2">
               <a:lnSpc>
                 <a:spcPct val="100000"/>
               </a:lnSpc>
@@ -1387,11 +1600,18 @@
               <a:spcAft>
                 <a:spcPts val="0"/>
               </a:spcAft>
-              <a:buSzPts val="2800"/>
-              <a:buNone/>
-              <a:defRPr sz="2800"/>
+              <a:buClr>
+                <a:schemeClr val="lt1"/>
+              </a:buClr>
+              <a:buSzPts val="1800"/>
+              <a:buNone/>
+              <a:defRPr sz="1800">
+                <a:solidFill>
+                  <a:schemeClr val="lt1"/>
+                </a:solidFill>
+              </a:defRPr>
             </a:lvl3pPr>
-            <a:lvl4pPr lvl="3" algn="ctr">
+            <a:lvl4pPr lvl="3">
               <a:lnSpc>
                 <a:spcPct val="100000"/>
               </a:lnSpc>
@@ -1401,11 +1621,18 @@
               <a:spcAft>
                 <a:spcPts val="0"/>
               </a:spcAft>
-              <a:buSzPts val="2800"/>
-              <a:buNone/>
-              <a:defRPr sz="2800"/>
+              <a:buClr>
+                <a:schemeClr val="lt1"/>
+              </a:buClr>
+              <a:buSzPts val="1800"/>
+              <a:buNone/>
+              <a:defRPr sz="1800">
+                <a:solidFill>
+                  <a:schemeClr val="lt1"/>
+                </a:solidFill>
+              </a:defRPr>
             </a:lvl4pPr>
-            <a:lvl5pPr lvl="4" algn="ctr">
+            <a:lvl5pPr lvl="4">
               <a:lnSpc>
                 <a:spcPct val="100000"/>
               </a:lnSpc>
@@ -1415,11 +1642,18 @@
               <a:spcAft>
                 <a:spcPts val="0"/>
               </a:spcAft>
-              <a:buSzPts val="2800"/>
-              <a:buNone/>
-              <a:defRPr sz="2800"/>
+              <a:buClr>
+                <a:schemeClr val="lt1"/>
+              </a:buClr>
+              <a:buSzPts val="1800"/>
+              <a:buNone/>
+              <a:defRPr sz="1800">
+                <a:solidFill>
+                  <a:schemeClr val="lt1"/>
+                </a:solidFill>
+              </a:defRPr>
             </a:lvl5pPr>
-            <a:lvl6pPr lvl="5" algn="ctr">
+            <a:lvl6pPr lvl="5">
               <a:lnSpc>
                 <a:spcPct val="100000"/>
               </a:lnSpc>
@@ -1429,11 +1663,18 @@
               <a:spcAft>
                 <a:spcPts val="0"/>
               </a:spcAft>
-              <a:buSzPts val="2800"/>
-              <a:buNone/>
-              <a:defRPr sz="2800"/>
+              <a:buClr>
+                <a:schemeClr val="lt1"/>
+              </a:buClr>
+              <a:buSzPts val="1800"/>
+              <a:buNone/>
+              <a:defRPr sz="1800">
+                <a:solidFill>
+                  <a:schemeClr val="lt1"/>
+                </a:solidFill>
+              </a:defRPr>
             </a:lvl6pPr>
-            <a:lvl7pPr lvl="6" algn="ctr">
+            <a:lvl7pPr lvl="6">
               <a:lnSpc>
                 <a:spcPct val="100000"/>
               </a:lnSpc>
@@ -1443,11 +1684,18 @@
               <a:spcAft>
                 <a:spcPts val="0"/>
               </a:spcAft>
-              <a:buSzPts val="2800"/>
-              <a:buNone/>
-              <a:defRPr sz="2800"/>
+              <a:buClr>
+                <a:schemeClr val="lt1"/>
+              </a:buClr>
+              <a:buSzPts val="1800"/>
+              <a:buNone/>
+              <a:defRPr sz="1800">
+                <a:solidFill>
+                  <a:schemeClr val="lt1"/>
+                </a:solidFill>
+              </a:defRPr>
             </a:lvl7pPr>
-            <a:lvl8pPr lvl="7" algn="ctr">
+            <a:lvl8pPr lvl="7">
               <a:lnSpc>
                 <a:spcPct val="100000"/>
               </a:lnSpc>
@@ -1457,11 +1705,18 @@
               <a:spcAft>
                 <a:spcPts val="0"/>
               </a:spcAft>
-              <a:buSzPts val="2800"/>
-              <a:buNone/>
-              <a:defRPr sz="2800"/>
+              <a:buClr>
+                <a:schemeClr val="lt1"/>
+              </a:buClr>
+              <a:buSzPts val="1800"/>
+              <a:buNone/>
+              <a:defRPr sz="1800">
+                <a:solidFill>
+                  <a:schemeClr val="lt1"/>
+                </a:solidFill>
+              </a:defRPr>
             </a:lvl8pPr>
-            <a:lvl9pPr lvl="8" algn="ctr">
+            <a:lvl9pPr lvl="8">
               <a:lnSpc>
                 <a:spcPct val="100000"/>
               </a:lnSpc>
@@ -1471,9 +1726,16 @@
               <a:spcAft>
                 <a:spcPts val="0"/>
               </a:spcAft>
-              <a:buSzPts val="2800"/>
-              <a:buNone/>
-              <a:defRPr sz="2800"/>
+              <a:buClr>
+                <a:schemeClr val="lt1"/>
+              </a:buClr>
+              <a:buSzPts val="1800"/>
+              <a:buNone/>
+              <a:defRPr sz="1800">
+                <a:solidFill>
+                  <a:schemeClr val="lt1"/>
+                </a:solidFill>
+              </a:defRPr>
             </a:lvl9pPr>
           </a:lstStyle>
           <a:p/>
@@ -1481,7 +1743,7 @@
       </p:sp>
       <p:sp>
         <p:nvSpPr>
-          <p:cNvPr id="12" name="Google Shape;12;p2"/>
+          <p:cNvPr id="14" name="Google Shape;14;p2"/>
           <p:cNvSpPr txBox="1"/>
           <p:nvPr>
             <p:ph idx="12" type="sldNum"/>
@@ -1489,7 +1751,7 @@
         </p:nvSpPr>
         <p:spPr>
           <a:xfrm>
-            <a:off x="8472458" y="4663217"/>
+            <a:off x="8523541" y="4695623"/>
             <a:ext cx="548700" cy="393600"/>
           </a:xfrm>
           <a:prstGeom prst="rect">
@@ -1567,9 +1829,16 @@
 <file path=ppt/slideLayouts/slideLayout10.xml><?xml version="1.0" encoding="utf-8"?>
 <p:sldLayout xmlns:a="http://schemas.openxmlformats.org/drawingml/2006/main" xmlns:r="http://schemas.openxmlformats.org/officeDocument/2006/relationships" xmlns:mc="http://schemas.openxmlformats.org/markup-compatibility/2006" xmlns:mv="urn:schemas-microsoft-com:mac:vml" xmlns:p="http://schemas.openxmlformats.org/presentationml/2006/main" xmlns:c="http://schemas.openxmlformats.org/drawingml/2006/chart" xmlns:dgm="http://schemas.openxmlformats.org/drawingml/2006/diagram" xmlns:o="urn:schemas-microsoft-com:office:office" xmlns:v="urn:schemas-microsoft-com:vml" xmlns:pvml="urn:schemas-microsoft-com:office:powerpoint" xmlns:com="http://schemas.openxmlformats.org/drawingml/2006/compatibility" xmlns:p14="http://schemas.microsoft.com/office/powerpoint/2010/main" xmlns:p15="http://schemas.microsoft.com/office/powerpoint/2012/main" matchingName="Big number">
   <p:cSld name="BIG_NUMBER">
+    <p:bg>
+      <p:bgPr>
+        <a:solidFill>
+          <a:schemeClr val="accent4"/>
+        </a:solidFill>
+      </p:bgPr>
+    </p:bg>
     <p:spTree>
       <p:nvGrpSpPr>
-        <p:cNvPr id="44" name="Shape 44"/>
+        <p:cNvPr id="57" name="Shape 57"/>
         <p:cNvGrpSpPr/>
         <p:nvPr/>
       </p:nvGrpSpPr>
@@ -1583,7 +1852,7 @@
       </p:grpSpPr>
       <p:sp>
         <p:nvSpPr>
-          <p:cNvPr id="45" name="Google Shape;45;p11"/>
+          <p:cNvPr id="58" name="Google Shape;58;p11"/>
           <p:cNvSpPr txBox="1"/>
           <p:nvPr>
             <p:ph hasCustomPrompt="1" type="title"/>
@@ -1591,8 +1860,8 @@
         </p:nvSpPr>
         <p:spPr>
           <a:xfrm>
-            <a:off x="311700" y="1106125"/>
-            <a:ext cx="8520600" cy="1963500"/>
+            <a:off x="475500" y="1258525"/>
+            <a:ext cx="8222100" cy="1963500"/>
           </a:xfrm>
           <a:prstGeom prst="rect">
             <a:avLst/>
@@ -1610,9 +1879,16 @@
               <a:spcAft>
                 <a:spcPts val="0"/>
               </a:spcAft>
+              <a:buClr>
+                <a:schemeClr val="dk2"/>
+              </a:buClr>
               <a:buSzPts val="12000"/>
               <a:buNone/>
-              <a:defRPr sz="12000"/>
+              <a:defRPr sz="12000">
+                <a:solidFill>
+                  <a:schemeClr val="dk2"/>
+                </a:solidFill>
+              </a:defRPr>
             </a:lvl1pPr>
             <a:lvl2pPr lvl="1" algn="ctr">
               <a:spcBef>
@@ -1621,9 +1897,16 @@
               <a:spcAft>
                 <a:spcPts val="0"/>
               </a:spcAft>
+              <a:buClr>
+                <a:schemeClr val="dk2"/>
+              </a:buClr>
               <a:buSzPts val="12000"/>
               <a:buNone/>
-              <a:defRPr sz="12000"/>
+              <a:defRPr sz="12000">
+                <a:solidFill>
+                  <a:schemeClr val="dk2"/>
+                </a:solidFill>
+              </a:defRPr>
             </a:lvl2pPr>
             <a:lvl3pPr lvl="2" algn="ctr">
               <a:spcBef>
@@ -1632,9 +1915,16 @@
               <a:spcAft>
                 <a:spcPts val="0"/>
               </a:spcAft>
+              <a:buClr>
+                <a:schemeClr val="dk2"/>
+              </a:buClr>
               <a:buSzPts val="12000"/>
               <a:buNone/>
-              <a:defRPr sz="12000"/>
+              <a:defRPr sz="12000">
+                <a:solidFill>
+                  <a:schemeClr val="dk2"/>
+                </a:solidFill>
+              </a:defRPr>
             </a:lvl3pPr>
             <a:lvl4pPr lvl="3" algn="ctr">
               <a:spcBef>
@@ -1643,9 +1933,16 @@
               <a:spcAft>
                 <a:spcPts val="0"/>
               </a:spcAft>
+              <a:buClr>
+                <a:schemeClr val="dk2"/>
+              </a:buClr>
               <a:buSzPts val="12000"/>
               <a:buNone/>
-              <a:defRPr sz="12000"/>
+              <a:defRPr sz="12000">
+                <a:solidFill>
+                  <a:schemeClr val="dk2"/>
+                </a:solidFill>
+              </a:defRPr>
             </a:lvl4pPr>
             <a:lvl5pPr lvl="4" algn="ctr">
               <a:spcBef>
@@ -1654,9 +1951,16 @@
               <a:spcAft>
                 <a:spcPts val="0"/>
               </a:spcAft>
+              <a:buClr>
+                <a:schemeClr val="dk2"/>
+              </a:buClr>
               <a:buSzPts val="12000"/>
               <a:buNone/>
-              <a:defRPr sz="12000"/>
+              <a:defRPr sz="12000">
+                <a:solidFill>
+                  <a:schemeClr val="dk2"/>
+                </a:solidFill>
+              </a:defRPr>
             </a:lvl5pPr>
             <a:lvl6pPr lvl="5" algn="ctr">
               <a:spcBef>
@@ -1665,9 +1969,16 @@
               <a:spcAft>
                 <a:spcPts val="0"/>
               </a:spcAft>
+              <a:buClr>
+                <a:schemeClr val="dk2"/>
+              </a:buClr>
               <a:buSzPts val="12000"/>
               <a:buNone/>
-              <a:defRPr sz="12000"/>
+              <a:defRPr sz="12000">
+                <a:solidFill>
+                  <a:schemeClr val="dk2"/>
+                </a:solidFill>
+              </a:defRPr>
             </a:lvl6pPr>
             <a:lvl7pPr lvl="6" algn="ctr">
               <a:spcBef>
@@ -1676,9 +1987,16 @@
               <a:spcAft>
                 <a:spcPts val="0"/>
               </a:spcAft>
+              <a:buClr>
+                <a:schemeClr val="dk2"/>
+              </a:buClr>
               <a:buSzPts val="12000"/>
               <a:buNone/>
-              <a:defRPr sz="12000"/>
+              <a:defRPr sz="12000">
+                <a:solidFill>
+                  <a:schemeClr val="dk2"/>
+                </a:solidFill>
+              </a:defRPr>
             </a:lvl7pPr>
             <a:lvl8pPr lvl="7" algn="ctr">
               <a:spcBef>
@@ -1687,9 +2005,16 @@
               <a:spcAft>
                 <a:spcPts val="0"/>
               </a:spcAft>
+              <a:buClr>
+                <a:schemeClr val="dk2"/>
+              </a:buClr>
               <a:buSzPts val="12000"/>
               <a:buNone/>
-              <a:defRPr sz="12000"/>
+              <a:defRPr sz="12000">
+                <a:solidFill>
+                  <a:schemeClr val="dk2"/>
+                </a:solidFill>
+              </a:defRPr>
             </a:lvl8pPr>
             <a:lvl9pPr lvl="8" algn="ctr">
               <a:spcBef>
@@ -1698,9 +2023,16 @@
               <a:spcAft>
                 <a:spcPts val="0"/>
               </a:spcAft>
+              <a:buClr>
+                <a:schemeClr val="dk2"/>
+              </a:buClr>
               <a:buSzPts val="12000"/>
               <a:buNone/>
-              <a:defRPr sz="12000"/>
+              <a:defRPr sz="12000">
+                <a:solidFill>
+                  <a:schemeClr val="dk2"/>
+                </a:solidFill>
+              </a:defRPr>
             </a:lvl9pPr>
           </a:lstStyle>
           <a:p>
@@ -1712,7 +2044,7 @@
       </p:sp>
       <p:sp>
         <p:nvSpPr>
-          <p:cNvPr id="46" name="Google Shape;46;p11"/>
+          <p:cNvPr id="59" name="Google Shape;59;p11"/>
           <p:cNvSpPr txBox="1"/>
           <p:nvPr>
             <p:ph idx="1" type="body"/>
@@ -1720,8 +2052,8 @@
         </p:nvSpPr>
         <p:spPr>
           <a:xfrm>
-            <a:off x="311700" y="3152225"/>
-            <a:ext cx="8520600" cy="1300800"/>
+            <a:off x="475500" y="3304625"/>
+            <a:ext cx="8222100" cy="1300800"/>
           </a:xfrm>
           <a:prstGeom prst="rect">
             <a:avLst/>
@@ -1837,7 +2169,7 @@
       </p:sp>
       <p:sp>
         <p:nvSpPr>
-          <p:cNvPr id="47" name="Google Shape;47;p11"/>
+          <p:cNvPr id="60" name="Google Shape;60;p11"/>
           <p:cNvSpPr txBox="1"/>
           <p:nvPr>
             <p:ph idx="12" type="sldNum"/>
@@ -1845,7 +2177,7 @@
         </p:nvSpPr>
         <p:spPr>
           <a:xfrm>
-            <a:off x="8472458" y="4663217"/>
+            <a:off x="8523541" y="4695623"/>
             <a:ext cx="548700" cy="393600"/>
           </a:xfrm>
           <a:prstGeom prst="rect">
@@ -1923,9 +2255,16 @@
 <file path=ppt/slideLayouts/slideLayout11.xml><?xml version="1.0" encoding="utf-8"?>
 <p:sldLayout xmlns:a="http://schemas.openxmlformats.org/drawingml/2006/main" xmlns:r="http://schemas.openxmlformats.org/officeDocument/2006/relationships" xmlns:mc="http://schemas.openxmlformats.org/markup-compatibility/2006" xmlns:mv="urn:schemas-microsoft-com:mac:vml" xmlns:p="http://schemas.openxmlformats.org/presentationml/2006/main" xmlns:c="http://schemas.openxmlformats.org/drawingml/2006/chart" xmlns:dgm="http://schemas.openxmlformats.org/drawingml/2006/diagram" xmlns:o="urn:schemas-microsoft-com:office:office" xmlns:v="urn:schemas-microsoft-com:vml" xmlns:pvml="urn:schemas-microsoft-com:office:powerpoint" xmlns:com="http://schemas.openxmlformats.org/drawingml/2006/compatibility" xmlns:p14="http://schemas.microsoft.com/office/powerpoint/2010/main" xmlns:p15="http://schemas.microsoft.com/office/powerpoint/2012/main" matchingName="Blank" type="blank">
   <p:cSld name="BLANK">
+    <p:bg>
+      <p:bgPr>
+        <a:solidFill>
+          <a:schemeClr val="accent4"/>
+        </a:solidFill>
+      </p:bgPr>
+    </p:bg>
     <p:spTree>
       <p:nvGrpSpPr>
-        <p:cNvPr id="48" name="Shape 48"/>
+        <p:cNvPr id="61" name="Shape 61"/>
         <p:cNvGrpSpPr/>
         <p:nvPr/>
       </p:nvGrpSpPr>
@@ -1939,7 +2278,7 @@
       </p:grpSpPr>
       <p:sp>
         <p:nvSpPr>
-          <p:cNvPr id="49" name="Google Shape;49;p12"/>
+          <p:cNvPr id="62" name="Google Shape;62;p12"/>
           <p:cNvSpPr txBox="1"/>
           <p:nvPr>
             <p:ph idx="12" type="sldNum"/>
@@ -1947,7 +2286,7 @@
         </p:nvSpPr>
         <p:spPr>
           <a:xfrm>
-            <a:off x="8472458" y="4663217"/>
+            <a:off x="8523541" y="4695623"/>
             <a:ext cx="548700" cy="393600"/>
           </a:xfrm>
           <a:prstGeom prst="rect">
@@ -2027,7 +2366,7 @@
   <p:cSld name="SECTION_HEADER">
     <p:spTree>
       <p:nvGrpSpPr>
-        <p:cNvPr id="13" name="Shape 13"/>
+        <p:cNvPr id="15" name="Shape 15"/>
         <p:cNvGrpSpPr/>
         <p:nvPr/>
       </p:nvGrpSpPr>
@@ -2041,7 +2380,7 @@
       </p:grpSpPr>
       <p:sp>
         <p:nvSpPr>
-          <p:cNvPr id="14" name="Google Shape;14;p3"/>
+          <p:cNvPr id="16" name="Google Shape;16;p3"/>
           <p:cNvSpPr txBox="1"/>
           <p:nvPr>
             <p:ph type="title"/>
@@ -2049,8 +2388,8 @@
         </p:nvSpPr>
         <p:spPr>
           <a:xfrm>
-            <a:off x="311700" y="2150850"/>
-            <a:ext cx="8520600" cy="841800"/>
+            <a:off x="460950" y="2065350"/>
+            <a:ext cx="8222100" cy="1012800"/>
           </a:xfrm>
           <a:prstGeom prst="rect">
             <a:avLst/>
@@ -2061,104 +2400,104 @@
             <a:noAutofit/>
           </a:bodyPr>
           <a:lstStyle>
-            <a:lvl1pPr lvl="0" algn="ctr">
-              <a:spcBef>
-                <a:spcPts val="0"/>
-              </a:spcBef>
-              <a:spcAft>
-                <a:spcPts val="0"/>
-              </a:spcAft>
-              <a:buSzPts val="3600"/>
-              <a:buNone/>
-              <a:defRPr sz="3600"/>
+            <a:lvl1pPr lvl="0">
+              <a:spcBef>
+                <a:spcPts val="0"/>
+              </a:spcBef>
+              <a:spcAft>
+                <a:spcPts val="0"/>
+              </a:spcAft>
+              <a:buSzPts val="4200"/>
+              <a:buNone/>
+              <a:defRPr sz="4200"/>
             </a:lvl1pPr>
-            <a:lvl2pPr lvl="1" algn="ctr">
-              <a:spcBef>
-                <a:spcPts val="0"/>
-              </a:spcBef>
-              <a:spcAft>
-                <a:spcPts val="0"/>
-              </a:spcAft>
-              <a:buSzPts val="3600"/>
-              <a:buNone/>
-              <a:defRPr sz="3600"/>
+            <a:lvl2pPr lvl="1">
+              <a:spcBef>
+                <a:spcPts val="0"/>
+              </a:spcBef>
+              <a:spcAft>
+                <a:spcPts val="0"/>
+              </a:spcAft>
+              <a:buSzPts val="4200"/>
+              <a:buNone/>
+              <a:defRPr sz="4200"/>
             </a:lvl2pPr>
-            <a:lvl3pPr lvl="2" algn="ctr">
-              <a:spcBef>
-                <a:spcPts val="0"/>
-              </a:spcBef>
-              <a:spcAft>
-                <a:spcPts val="0"/>
-              </a:spcAft>
-              <a:buSzPts val="3600"/>
-              <a:buNone/>
-              <a:defRPr sz="3600"/>
+            <a:lvl3pPr lvl="2">
+              <a:spcBef>
+                <a:spcPts val="0"/>
+              </a:spcBef>
+              <a:spcAft>
+                <a:spcPts val="0"/>
+              </a:spcAft>
+              <a:buSzPts val="4200"/>
+              <a:buNone/>
+              <a:defRPr sz="4200"/>
             </a:lvl3pPr>
-            <a:lvl4pPr lvl="3" algn="ctr">
-              <a:spcBef>
-                <a:spcPts val="0"/>
-              </a:spcBef>
-              <a:spcAft>
-                <a:spcPts val="0"/>
-              </a:spcAft>
-              <a:buSzPts val="3600"/>
-              <a:buNone/>
-              <a:defRPr sz="3600"/>
+            <a:lvl4pPr lvl="3">
+              <a:spcBef>
+                <a:spcPts val="0"/>
+              </a:spcBef>
+              <a:spcAft>
+                <a:spcPts val="0"/>
+              </a:spcAft>
+              <a:buSzPts val="4200"/>
+              <a:buNone/>
+              <a:defRPr sz="4200"/>
             </a:lvl4pPr>
-            <a:lvl5pPr lvl="4" algn="ctr">
-              <a:spcBef>
-                <a:spcPts val="0"/>
-              </a:spcBef>
-              <a:spcAft>
-                <a:spcPts val="0"/>
-              </a:spcAft>
-              <a:buSzPts val="3600"/>
-              <a:buNone/>
-              <a:defRPr sz="3600"/>
+            <a:lvl5pPr lvl="4">
+              <a:spcBef>
+                <a:spcPts val="0"/>
+              </a:spcBef>
+              <a:spcAft>
+                <a:spcPts val="0"/>
+              </a:spcAft>
+              <a:buSzPts val="4200"/>
+              <a:buNone/>
+              <a:defRPr sz="4200"/>
             </a:lvl5pPr>
-            <a:lvl6pPr lvl="5" algn="ctr">
-              <a:spcBef>
-                <a:spcPts val="0"/>
-              </a:spcBef>
-              <a:spcAft>
-                <a:spcPts val="0"/>
-              </a:spcAft>
-              <a:buSzPts val="3600"/>
-              <a:buNone/>
-              <a:defRPr sz="3600"/>
+            <a:lvl6pPr lvl="5">
+              <a:spcBef>
+                <a:spcPts val="0"/>
+              </a:spcBef>
+              <a:spcAft>
+                <a:spcPts val="0"/>
+              </a:spcAft>
+              <a:buSzPts val="4200"/>
+              <a:buNone/>
+              <a:defRPr sz="4200"/>
             </a:lvl6pPr>
-            <a:lvl7pPr lvl="6" algn="ctr">
-              <a:spcBef>
-                <a:spcPts val="0"/>
-              </a:spcBef>
-              <a:spcAft>
-                <a:spcPts val="0"/>
-              </a:spcAft>
-              <a:buSzPts val="3600"/>
-              <a:buNone/>
-              <a:defRPr sz="3600"/>
+            <a:lvl7pPr lvl="6">
+              <a:spcBef>
+                <a:spcPts val="0"/>
+              </a:spcBef>
+              <a:spcAft>
+                <a:spcPts val="0"/>
+              </a:spcAft>
+              <a:buSzPts val="4200"/>
+              <a:buNone/>
+              <a:defRPr sz="4200"/>
             </a:lvl7pPr>
-            <a:lvl8pPr lvl="7" algn="ctr">
-              <a:spcBef>
-                <a:spcPts val="0"/>
-              </a:spcBef>
-              <a:spcAft>
-                <a:spcPts val="0"/>
-              </a:spcAft>
-              <a:buSzPts val="3600"/>
-              <a:buNone/>
-              <a:defRPr sz="3600"/>
+            <a:lvl8pPr lvl="7">
+              <a:spcBef>
+                <a:spcPts val="0"/>
+              </a:spcBef>
+              <a:spcAft>
+                <a:spcPts val="0"/>
+              </a:spcAft>
+              <a:buSzPts val="4200"/>
+              <a:buNone/>
+              <a:defRPr sz="4200"/>
             </a:lvl8pPr>
-            <a:lvl9pPr lvl="8" algn="ctr">
-              <a:spcBef>
-                <a:spcPts val="0"/>
-              </a:spcBef>
-              <a:spcAft>
-                <a:spcPts val="0"/>
-              </a:spcAft>
-              <a:buSzPts val="3600"/>
-              <a:buNone/>
-              <a:defRPr sz="3600"/>
+            <a:lvl9pPr lvl="8">
+              <a:spcBef>
+                <a:spcPts val="0"/>
+              </a:spcBef>
+              <a:spcAft>
+                <a:spcPts val="0"/>
+              </a:spcAft>
+              <a:buSzPts val="4200"/>
+              <a:buNone/>
+              <a:defRPr sz="4200"/>
             </a:lvl9pPr>
           </a:lstStyle>
           <a:p/>
@@ -2166,7 +2505,7 @@
       </p:sp>
       <p:sp>
         <p:nvSpPr>
-          <p:cNvPr id="15" name="Google Shape;15;p3"/>
+          <p:cNvPr id="17" name="Google Shape;17;p3"/>
           <p:cNvSpPr txBox="1"/>
           <p:nvPr>
             <p:ph idx="12" type="sldNum"/>
@@ -2174,7 +2513,7 @@
         </p:nvSpPr>
         <p:spPr>
           <a:xfrm>
-            <a:off x="8472458" y="4663217"/>
+            <a:off x="8523541" y="4695623"/>
             <a:ext cx="548700" cy="393600"/>
           </a:xfrm>
           <a:prstGeom prst="rect">
@@ -2188,39 +2527,75 @@
           <a:lstStyle>
             <a:lvl1pPr lvl="0">
               <a:buNone/>
-              <a:defRPr/>
+              <a:defRPr>
+                <a:solidFill>
+                  <a:schemeClr val="lt1"/>
+                </a:solidFill>
+              </a:defRPr>
             </a:lvl1pPr>
             <a:lvl2pPr lvl="1">
               <a:buNone/>
-              <a:defRPr/>
+              <a:defRPr>
+                <a:solidFill>
+                  <a:schemeClr val="lt1"/>
+                </a:solidFill>
+              </a:defRPr>
             </a:lvl2pPr>
             <a:lvl3pPr lvl="2">
               <a:buNone/>
-              <a:defRPr/>
+              <a:defRPr>
+                <a:solidFill>
+                  <a:schemeClr val="lt1"/>
+                </a:solidFill>
+              </a:defRPr>
             </a:lvl3pPr>
             <a:lvl4pPr lvl="3">
               <a:buNone/>
-              <a:defRPr/>
+              <a:defRPr>
+                <a:solidFill>
+                  <a:schemeClr val="lt1"/>
+                </a:solidFill>
+              </a:defRPr>
             </a:lvl4pPr>
             <a:lvl5pPr lvl="4">
               <a:buNone/>
-              <a:defRPr/>
+              <a:defRPr>
+                <a:solidFill>
+                  <a:schemeClr val="lt1"/>
+                </a:solidFill>
+              </a:defRPr>
             </a:lvl5pPr>
             <a:lvl6pPr lvl="5">
               <a:buNone/>
-              <a:defRPr/>
+              <a:defRPr>
+                <a:solidFill>
+                  <a:schemeClr val="lt1"/>
+                </a:solidFill>
+              </a:defRPr>
             </a:lvl6pPr>
             <a:lvl7pPr lvl="6">
               <a:buNone/>
-              <a:defRPr/>
+              <a:defRPr>
+                <a:solidFill>
+                  <a:schemeClr val="lt1"/>
+                </a:solidFill>
+              </a:defRPr>
             </a:lvl7pPr>
             <a:lvl8pPr lvl="7">
               <a:buNone/>
-              <a:defRPr/>
+              <a:defRPr>
+                <a:solidFill>
+                  <a:schemeClr val="lt1"/>
+                </a:solidFill>
+              </a:defRPr>
             </a:lvl8pPr>
             <a:lvl9pPr lvl="8">
               <a:buNone/>
-              <a:defRPr/>
+              <a:defRPr>
+                <a:solidFill>
+                  <a:schemeClr val="lt1"/>
+                </a:solidFill>
+              </a:defRPr>
             </a:lvl9pPr>
           </a:lstStyle>
           <a:p>
@@ -2254,7 +2629,7 @@
   <p:cSld name="TITLE_AND_BODY">
     <p:spTree>
       <p:nvGrpSpPr>
-        <p:cNvPr id="16" name="Shape 16"/>
+        <p:cNvPr id="18" name="Shape 18"/>
         <p:cNvGrpSpPr/>
         <p:nvPr/>
       </p:nvGrpSpPr>
@@ -2268,7 +2643,107 @@
       </p:grpSpPr>
       <p:sp>
         <p:nvSpPr>
-          <p:cNvPr id="17" name="Google Shape;17;p4"/>
+          <p:cNvPr id="19" name="Google Shape;19;p4"/>
+          <p:cNvSpPr/>
+          <p:nvPr/>
+        </p:nvSpPr>
+        <p:spPr>
+          <a:xfrm flipH="1" rot="10800000">
+            <a:off x="0" y="1686000"/>
+            <a:ext cx="9144000" cy="3457500"/>
+          </a:xfrm>
+          <a:prstGeom prst="rect">
+            <a:avLst/>
+          </a:prstGeom>
+          <a:solidFill>
+            <a:schemeClr val="accent4"/>
+          </a:solidFill>
+          <a:ln>
+            <a:noFill/>
+          </a:ln>
+        </p:spPr>
+        <p:txBody>
+          <a:bodyPr anchorCtr="0" anchor="ctr" bIns="91425" lIns="91425" spcFirstLastPara="1" rIns="91425" wrap="square" tIns="91425">
+            <a:noAutofit/>
+          </a:bodyPr>
+          <a:lstStyle/>
+          <a:p>
+            <a:pPr indent="0" lvl="0" marL="0" rtl="0" algn="l">
+              <a:spcBef>
+                <a:spcPts val="0"/>
+              </a:spcBef>
+              <a:spcAft>
+                <a:spcPts val="0"/>
+              </a:spcAft>
+              <a:buNone/>
+            </a:pPr>
+            <a:r>
+              <a:t/>
+            </a:r>
+            <a:endParaRPr/>
+          </a:p>
+        </p:txBody>
+      </p:sp>
+      <p:sp>
+        <p:nvSpPr>
+          <p:cNvPr id="20" name="Google Shape;20;p4"/>
+          <p:cNvSpPr/>
+          <p:nvPr/>
+        </p:nvSpPr>
+        <p:spPr>
+          <a:xfrm>
+            <a:off x="0" y="1686000"/>
+            <a:ext cx="9144000" cy="108600"/>
+          </a:xfrm>
+          <a:prstGeom prst="rect">
+            <a:avLst/>
+          </a:prstGeom>
+          <a:gradFill>
+            <a:gsLst>
+              <a:gs pos="0">
+                <a:srgbClr val="F9F9F9"/>
+              </a:gs>
+              <a:gs pos="36000">
+                <a:srgbClr val="F9F9F9"/>
+              </a:gs>
+              <a:gs pos="80000">
+                <a:srgbClr val="DEDEDE"/>
+              </a:gs>
+              <a:gs pos="100000">
+                <a:srgbClr val="999999"/>
+              </a:gs>
+            </a:gsLst>
+            <a:lin ang="16200038" scaled="0"/>
+          </a:gradFill>
+          <a:ln>
+            <a:noFill/>
+          </a:ln>
+        </p:spPr>
+        <p:txBody>
+          <a:bodyPr anchorCtr="0" anchor="ctr" bIns="91425" lIns="91425" spcFirstLastPara="1" rIns="91425" wrap="square" tIns="91425">
+            <a:noAutofit/>
+          </a:bodyPr>
+          <a:lstStyle/>
+          <a:p>
+            <a:pPr indent="0" lvl="0" marL="0" rtl="0" algn="l">
+              <a:spcBef>
+                <a:spcPts val="0"/>
+              </a:spcBef>
+              <a:spcAft>
+                <a:spcPts val="0"/>
+              </a:spcAft>
+              <a:buNone/>
+            </a:pPr>
+            <a:r>
+              <a:t/>
+            </a:r>
+            <a:endParaRPr/>
+          </a:p>
+        </p:txBody>
+      </p:sp>
+      <p:sp>
+        <p:nvSpPr>
+          <p:cNvPr id="21" name="Google Shape;21;p4"/>
           <p:cNvSpPr txBox="1"/>
           <p:nvPr>
             <p:ph type="title"/>
@@ -2276,15 +2751,15 @@
         </p:nvSpPr>
         <p:spPr>
           <a:xfrm>
-            <a:off x="311700" y="445025"/>
-            <a:ext cx="8520600" cy="572700"/>
+            <a:off x="471900" y="738725"/>
+            <a:ext cx="8222100" cy="767700"/>
           </a:xfrm>
           <a:prstGeom prst="rect">
             <a:avLst/>
           </a:prstGeom>
         </p:spPr>
         <p:txBody>
-          <a:bodyPr anchorCtr="0" anchor="t" bIns="91425" lIns="91425" spcFirstLastPara="1" rIns="91425" wrap="square" tIns="91425">
+          <a:bodyPr anchorCtr="0" anchor="b" bIns="91425" lIns="91425" spcFirstLastPara="1" rIns="91425" wrap="square" tIns="91425">
             <a:noAutofit/>
           </a:bodyPr>
           <a:lstStyle>
@@ -2295,7 +2770,7 @@
               <a:spcAft>
                 <a:spcPts val="0"/>
               </a:spcAft>
-              <a:buSzPts val="2800"/>
+              <a:buSzPts val="3200"/>
               <a:buNone/>
               <a:defRPr/>
             </a:lvl1pPr>
@@ -2306,7 +2781,7 @@
               <a:spcAft>
                 <a:spcPts val="0"/>
               </a:spcAft>
-              <a:buSzPts val="2800"/>
+              <a:buSzPts val="3200"/>
               <a:buNone/>
               <a:defRPr/>
             </a:lvl2pPr>
@@ -2317,7 +2792,7 @@
               <a:spcAft>
                 <a:spcPts val="0"/>
               </a:spcAft>
-              <a:buSzPts val="2800"/>
+              <a:buSzPts val="3200"/>
               <a:buNone/>
               <a:defRPr/>
             </a:lvl3pPr>
@@ -2328,7 +2803,7 @@
               <a:spcAft>
                 <a:spcPts val="0"/>
               </a:spcAft>
-              <a:buSzPts val="2800"/>
+              <a:buSzPts val="3200"/>
               <a:buNone/>
               <a:defRPr/>
             </a:lvl4pPr>
@@ -2339,7 +2814,7 @@
               <a:spcAft>
                 <a:spcPts val="0"/>
               </a:spcAft>
-              <a:buSzPts val="2800"/>
+              <a:buSzPts val="3200"/>
               <a:buNone/>
               <a:defRPr/>
             </a:lvl5pPr>
@@ -2350,7 +2825,7 @@
               <a:spcAft>
                 <a:spcPts val="0"/>
               </a:spcAft>
-              <a:buSzPts val="2800"/>
+              <a:buSzPts val="3200"/>
               <a:buNone/>
               <a:defRPr/>
             </a:lvl6pPr>
@@ -2361,7 +2836,7 @@
               <a:spcAft>
                 <a:spcPts val="0"/>
               </a:spcAft>
-              <a:buSzPts val="2800"/>
+              <a:buSzPts val="3200"/>
               <a:buNone/>
               <a:defRPr/>
             </a:lvl7pPr>
@@ -2372,7 +2847,7 @@
               <a:spcAft>
                 <a:spcPts val="0"/>
               </a:spcAft>
-              <a:buSzPts val="2800"/>
+              <a:buSzPts val="3200"/>
               <a:buNone/>
               <a:defRPr/>
             </a:lvl8pPr>
@@ -2383,7 +2858,7 @@
               <a:spcAft>
                 <a:spcPts val="0"/>
               </a:spcAft>
-              <a:buSzPts val="2800"/>
+              <a:buSzPts val="3200"/>
               <a:buNone/>
               <a:defRPr/>
             </a:lvl9pPr>
@@ -2393,7 +2868,7 @@
       </p:sp>
       <p:sp>
         <p:nvSpPr>
-          <p:cNvPr id="18" name="Google Shape;18;p4"/>
+          <p:cNvPr id="22" name="Google Shape;22;p4"/>
           <p:cNvSpPr txBox="1"/>
           <p:nvPr>
             <p:ph idx="1" type="body"/>
@@ -2401,8 +2876,8 @@
         </p:nvSpPr>
         <p:spPr>
           <a:xfrm>
-            <a:off x="311700" y="1152475"/>
-            <a:ext cx="8520600" cy="3416400"/>
+            <a:off x="471900" y="1919075"/>
+            <a:ext cx="8222100" cy="2710200"/>
           </a:xfrm>
           <a:prstGeom prst="rect">
             <a:avLst/>
@@ -2518,7 +2993,7 @@
       </p:sp>
       <p:sp>
         <p:nvSpPr>
-          <p:cNvPr id="19" name="Google Shape;19;p4"/>
+          <p:cNvPr id="23" name="Google Shape;23;p4"/>
           <p:cNvSpPr txBox="1"/>
           <p:nvPr>
             <p:ph idx="12" type="sldNum"/>
@@ -2526,7 +3001,7 @@
         </p:nvSpPr>
         <p:spPr>
           <a:xfrm>
-            <a:off x="8472458" y="4663217"/>
+            <a:off x="8523541" y="4695623"/>
             <a:ext cx="548700" cy="393600"/>
           </a:xfrm>
           <a:prstGeom prst="rect">
@@ -2606,7 +3081,7 @@
   <p:cSld name="TITLE_AND_TWO_COLUMNS">
     <p:spTree>
       <p:nvGrpSpPr>
-        <p:cNvPr id="20" name="Shape 20"/>
+        <p:cNvPr id="24" name="Shape 24"/>
         <p:cNvGrpSpPr/>
         <p:nvPr/>
       </p:nvGrpSpPr>
@@ -2620,7 +3095,107 @@
       </p:grpSpPr>
       <p:sp>
         <p:nvSpPr>
-          <p:cNvPr id="21" name="Google Shape;21;p5"/>
+          <p:cNvPr id="25" name="Google Shape;25;p5"/>
+          <p:cNvSpPr/>
+          <p:nvPr/>
+        </p:nvSpPr>
+        <p:spPr>
+          <a:xfrm flipH="1" rot="10800000">
+            <a:off x="0" y="1686000"/>
+            <a:ext cx="9144000" cy="3457500"/>
+          </a:xfrm>
+          <a:prstGeom prst="rect">
+            <a:avLst/>
+          </a:prstGeom>
+          <a:solidFill>
+            <a:schemeClr val="accent4"/>
+          </a:solidFill>
+          <a:ln>
+            <a:noFill/>
+          </a:ln>
+        </p:spPr>
+        <p:txBody>
+          <a:bodyPr anchorCtr="0" anchor="ctr" bIns="91425" lIns="91425" spcFirstLastPara="1" rIns="91425" wrap="square" tIns="91425">
+            <a:noAutofit/>
+          </a:bodyPr>
+          <a:lstStyle/>
+          <a:p>
+            <a:pPr indent="0" lvl="0" marL="0" rtl="0" algn="l">
+              <a:spcBef>
+                <a:spcPts val="0"/>
+              </a:spcBef>
+              <a:spcAft>
+                <a:spcPts val="0"/>
+              </a:spcAft>
+              <a:buNone/>
+            </a:pPr>
+            <a:r>
+              <a:t/>
+            </a:r>
+            <a:endParaRPr/>
+          </a:p>
+        </p:txBody>
+      </p:sp>
+      <p:sp>
+        <p:nvSpPr>
+          <p:cNvPr id="26" name="Google Shape;26;p5"/>
+          <p:cNvSpPr/>
+          <p:nvPr/>
+        </p:nvSpPr>
+        <p:spPr>
+          <a:xfrm>
+            <a:off x="0" y="1686000"/>
+            <a:ext cx="9144000" cy="108600"/>
+          </a:xfrm>
+          <a:prstGeom prst="rect">
+            <a:avLst/>
+          </a:prstGeom>
+          <a:gradFill>
+            <a:gsLst>
+              <a:gs pos="0">
+                <a:srgbClr val="F9F9F9"/>
+              </a:gs>
+              <a:gs pos="36000">
+                <a:srgbClr val="F9F9F9"/>
+              </a:gs>
+              <a:gs pos="80000">
+                <a:srgbClr val="DEDEDE"/>
+              </a:gs>
+              <a:gs pos="100000">
+                <a:srgbClr val="999999"/>
+              </a:gs>
+            </a:gsLst>
+            <a:lin ang="16200038" scaled="0"/>
+          </a:gradFill>
+          <a:ln>
+            <a:noFill/>
+          </a:ln>
+        </p:spPr>
+        <p:txBody>
+          <a:bodyPr anchorCtr="0" anchor="ctr" bIns="91425" lIns="91425" spcFirstLastPara="1" rIns="91425" wrap="square" tIns="91425">
+            <a:noAutofit/>
+          </a:bodyPr>
+          <a:lstStyle/>
+          <a:p>
+            <a:pPr indent="0" lvl="0" marL="0" rtl="0" algn="l">
+              <a:spcBef>
+                <a:spcPts val="0"/>
+              </a:spcBef>
+              <a:spcAft>
+                <a:spcPts val="0"/>
+              </a:spcAft>
+              <a:buNone/>
+            </a:pPr>
+            <a:r>
+              <a:t/>
+            </a:r>
+            <a:endParaRPr/>
+          </a:p>
+        </p:txBody>
+      </p:sp>
+      <p:sp>
+        <p:nvSpPr>
+          <p:cNvPr id="27" name="Google Shape;27;p5"/>
           <p:cNvSpPr txBox="1"/>
           <p:nvPr>
             <p:ph type="title"/>
@@ -2628,15 +3203,15 @@
         </p:nvSpPr>
         <p:spPr>
           <a:xfrm>
-            <a:off x="311700" y="445025"/>
-            <a:ext cx="8520600" cy="572700"/>
+            <a:off x="471900" y="738725"/>
+            <a:ext cx="8222100" cy="767700"/>
           </a:xfrm>
           <a:prstGeom prst="rect">
             <a:avLst/>
           </a:prstGeom>
         </p:spPr>
         <p:txBody>
-          <a:bodyPr anchorCtr="0" anchor="t" bIns="91425" lIns="91425" spcFirstLastPara="1" rIns="91425" wrap="square" tIns="91425">
+          <a:bodyPr anchorCtr="0" anchor="b" bIns="91425" lIns="91425" spcFirstLastPara="1" rIns="91425" wrap="square" tIns="91425">
             <a:noAutofit/>
           </a:bodyPr>
           <a:lstStyle>
@@ -2647,7 +3222,7 @@
               <a:spcAft>
                 <a:spcPts val="0"/>
               </a:spcAft>
-              <a:buSzPts val="2800"/>
+              <a:buSzPts val="3200"/>
               <a:buNone/>
               <a:defRPr/>
             </a:lvl1pPr>
@@ -2658,7 +3233,7 @@
               <a:spcAft>
                 <a:spcPts val="0"/>
               </a:spcAft>
-              <a:buSzPts val="2800"/>
+              <a:buSzPts val="3200"/>
               <a:buNone/>
               <a:defRPr/>
             </a:lvl2pPr>
@@ -2669,7 +3244,7 @@
               <a:spcAft>
                 <a:spcPts val="0"/>
               </a:spcAft>
-              <a:buSzPts val="2800"/>
+              <a:buSzPts val="3200"/>
               <a:buNone/>
               <a:defRPr/>
             </a:lvl3pPr>
@@ -2680,7 +3255,7 @@
               <a:spcAft>
                 <a:spcPts val="0"/>
               </a:spcAft>
-              <a:buSzPts val="2800"/>
+              <a:buSzPts val="3200"/>
               <a:buNone/>
               <a:defRPr/>
             </a:lvl4pPr>
@@ -2691,7 +3266,7 @@
               <a:spcAft>
                 <a:spcPts val="0"/>
               </a:spcAft>
-              <a:buSzPts val="2800"/>
+              <a:buSzPts val="3200"/>
               <a:buNone/>
               <a:defRPr/>
             </a:lvl5pPr>
@@ -2702,7 +3277,7 @@
               <a:spcAft>
                 <a:spcPts val="0"/>
               </a:spcAft>
-              <a:buSzPts val="2800"/>
+              <a:buSzPts val="3200"/>
               <a:buNone/>
               <a:defRPr/>
             </a:lvl6pPr>
@@ -2713,7 +3288,7 @@
               <a:spcAft>
                 <a:spcPts val="0"/>
               </a:spcAft>
-              <a:buSzPts val="2800"/>
+              <a:buSzPts val="3200"/>
               <a:buNone/>
               <a:defRPr/>
             </a:lvl7pPr>
@@ -2724,7 +3299,7 @@
               <a:spcAft>
                 <a:spcPts val="0"/>
               </a:spcAft>
-              <a:buSzPts val="2800"/>
+              <a:buSzPts val="3200"/>
               <a:buNone/>
               <a:defRPr/>
             </a:lvl8pPr>
@@ -2735,7 +3310,7 @@
               <a:spcAft>
                 <a:spcPts val="0"/>
               </a:spcAft>
-              <a:buSzPts val="2800"/>
+              <a:buSzPts val="3200"/>
               <a:buNone/>
               <a:defRPr/>
             </a:lvl9pPr>
@@ -2745,7 +3320,7 @@
       </p:sp>
       <p:sp>
         <p:nvSpPr>
-          <p:cNvPr id="22" name="Google Shape;22;p5"/>
+          <p:cNvPr id="28" name="Google Shape;28;p5"/>
           <p:cNvSpPr txBox="1"/>
           <p:nvPr>
             <p:ph idx="1" type="body"/>
@@ -2753,8 +3328,8 @@
         </p:nvSpPr>
         <p:spPr>
           <a:xfrm>
-            <a:off x="311700" y="1152475"/>
-            <a:ext cx="3999900" cy="3416400"/>
+            <a:off x="471900" y="1919075"/>
+            <a:ext cx="3999900" cy="2710200"/>
           </a:xfrm>
           <a:prstGeom prst="rect">
             <a:avLst/>
@@ -2870,7 +3445,7 @@
       </p:sp>
       <p:sp>
         <p:nvSpPr>
-          <p:cNvPr id="23" name="Google Shape;23;p5"/>
+          <p:cNvPr id="29" name="Google Shape;29;p5"/>
           <p:cNvSpPr txBox="1"/>
           <p:nvPr>
             <p:ph idx="2" type="body"/>
@@ -2878,8 +3453,8 @@
         </p:nvSpPr>
         <p:spPr>
           <a:xfrm>
-            <a:off x="4832400" y="1152475"/>
-            <a:ext cx="3999900" cy="3416400"/>
+            <a:off x="4694250" y="1919075"/>
+            <a:ext cx="3999900" cy="2710200"/>
           </a:xfrm>
           <a:prstGeom prst="rect">
             <a:avLst/>
@@ -2995,7 +3570,7 @@
       </p:sp>
       <p:sp>
         <p:nvSpPr>
-          <p:cNvPr id="24" name="Google Shape;24;p5"/>
+          <p:cNvPr id="30" name="Google Shape;30;p5"/>
           <p:cNvSpPr txBox="1"/>
           <p:nvPr>
             <p:ph idx="12" type="sldNum"/>
@@ -3003,7 +3578,7 @@
         </p:nvSpPr>
         <p:spPr>
           <a:xfrm>
-            <a:off x="8472458" y="4663217"/>
+            <a:off x="8523541" y="4695623"/>
             <a:ext cx="548700" cy="393600"/>
           </a:xfrm>
           <a:prstGeom prst="rect">
@@ -3083,7 +3658,7 @@
   <p:cSld name="TITLE_ONLY">
     <p:spTree>
       <p:nvGrpSpPr>
-        <p:cNvPr id="25" name="Shape 25"/>
+        <p:cNvPr id="31" name="Shape 31"/>
         <p:cNvGrpSpPr/>
         <p:nvPr/>
       </p:nvGrpSpPr>
@@ -3097,7 +3672,107 @@
       </p:grpSpPr>
       <p:sp>
         <p:nvSpPr>
-          <p:cNvPr id="26" name="Google Shape;26;p6"/>
+          <p:cNvPr id="32" name="Google Shape;32;p6"/>
+          <p:cNvSpPr/>
+          <p:nvPr/>
+        </p:nvSpPr>
+        <p:spPr>
+          <a:xfrm flipH="1" rot="10800000">
+            <a:off x="0" y="656400"/>
+            <a:ext cx="9144000" cy="4487100"/>
+          </a:xfrm>
+          <a:prstGeom prst="rect">
+            <a:avLst/>
+          </a:prstGeom>
+          <a:solidFill>
+            <a:schemeClr val="accent4"/>
+          </a:solidFill>
+          <a:ln>
+            <a:noFill/>
+          </a:ln>
+        </p:spPr>
+        <p:txBody>
+          <a:bodyPr anchorCtr="0" anchor="ctr" bIns="91425" lIns="91425" spcFirstLastPara="1" rIns="91425" wrap="square" tIns="91425">
+            <a:noAutofit/>
+          </a:bodyPr>
+          <a:lstStyle/>
+          <a:p>
+            <a:pPr indent="0" lvl="0" marL="0" rtl="0" algn="l">
+              <a:spcBef>
+                <a:spcPts val="0"/>
+              </a:spcBef>
+              <a:spcAft>
+                <a:spcPts val="0"/>
+              </a:spcAft>
+              <a:buNone/>
+            </a:pPr>
+            <a:r>
+              <a:t/>
+            </a:r>
+            <a:endParaRPr/>
+          </a:p>
+        </p:txBody>
+      </p:sp>
+      <p:sp>
+        <p:nvSpPr>
+          <p:cNvPr id="33" name="Google Shape;33;p6"/>
+          <p:cNvSpPr/>
+          <p:nvPr/>
+        </p:nvSpPr>
+        <p:spPr>
+          <a:xfrm>
+            <a:off x="0" y="656350"/>
+            <a:ext cx="9144000" cy="108600"/>
+          </a:xfrm>
+          <a:prstGeom prst="rect">
+            <a:avLst/>
+          </a:prstGeom>
+          <a:gradFill>
+            <a:gsLst>
+              <a:gs pos="0">
+                <a:srgbClr val="F9F9F9"/>
+              </a:gs>
+              <a:gs pos="36000">
+                <a:srgbClr val="F9F9F9"/>
+              </a:gs>
+              <a:gs pos="80000">
+                <a:srgbClr val="DEDEDE"/>
+              </a:gs>
+              <a:gs pos="100000">
+                <a:srgbClr val="999999"/>
+              </a:gs>
+            </a:gsLst>
+            <a:lin ang="16200038" scaled="0"/>
+          </a:gradFill>
+          <a:ln>
+            <a:noFill/>
+          </a:ln>
+        </p:spPr>
+        <p:txBody>
+          <a:bodyPr anchorCtr="0" anchor="ctr" bIns="91425" lIns="91425" spcFirstLastPara="1" rIns="91425" wrap="square" tIns="91425">
+            <a:noAutofit/>
+          </a:bodyPr>
+          <a:lstStyle/>
+          <a:p>
+            <a:pPr indent="0" lvl="0" marL="0" rtl="0" algn="l">
+              <a:spcBef>
+                <a:spcPts val="0"/>
+              </a:spcBef>
+              <a:spcAft>
+                <a:spcPts val="0"/>
+              </a:spcAft>
+              <a:buNone/>
+            </a:pPr>
+            <a:r>
+              <a:t/>
+            </a:r>
+            <a:endParaRPr/>
+          </a:p>
+        </p:txBody>
+      </p:sp>
+      <p:sp>
+        <p:nvSpPr>
+          <p:cNvPr id="34" name="Google Shape;34;p6"/>
           <p:cNvSpPr txBox="1"/>
           <p:nvPr>
             <p:ph type="title"/>
@@ -3105,15 +3780,15 @@
         </p:nvSpPr>
         <p:spPr>
           <a:xfrm>
-            <a:off x="311700" y="445025"/>
-            <a:ext cx="8520600" cy="572700"/>
+            <a:off x="98250" y="16350"/>
+            <a:ext cx="8826600" cy="602700"/>
           </a:xfrm>
           <a:prstGeom prst="rect">
             <a:avLst/>
           </a:prstGeom>
         </p:spPr>
         <p:txBody>
-          <a:bodyPr anchorCtr="0" anchor="t" bIns="91425" lIns="91425" spcFirstLastPara="1" rIns="91425" wrap="square" tIns="91425">
+          <a:bodyPr anchorCtr="0" anchor="ctr" bIns="91425" lIns="91425" spcFirstLastPara="1" rIns="91425" wrap="square" tIns="91425">
             <a:noAutofit/>
           </a:bodyPr>
           <a:lstStyle>
@@ -3124,9 +3799,9 @@
               <a:spcAft>
                 <a:spcPts val="0"/>
               </a:spcAft>
-              <a:buSzPts val="2800"/>
-              <a:buNone/>
-              <a:defRPr/>
+              <a:buSzPts val="1800"/>
+              <a:buNone/>
+              <a:defRPr sz="1800"/>
             </a:lvl1pPr>
             <a:lvl2pPr lvl="1">
               <a:spcBef>
@@ -3135,9 +3810,9 @@
               <a:spcAft>
                 <a:spcPts val="0"/>
               </a:spcAft>
-              <a:buSzPts val="2800"/>
-              <a:buNone/>
-              <a:defRPr/>
+              <a:buSzPts val="1800"/>
+              <a:buNone/>
+              <a:defRPr sz="1800"/>
             </a:lvl2pPr>
             <a:lvl3pPr lvl="2">
               <a:spcBef>
@@ -3146,9 +3821,9 @@
               <a:spcAft>
                 <a:spcPts val="0"/>
               </a:spcAft>
-              <a:buSzPts val="2800"/>
-              <a:buNone/>
-              <a:defRPr/>
+              <a:buSzPts val="1800"/>
+              <a:buNone/>
+              <a:defRPr sz="1800"/>
             </a:lvl3pPr>
             <a:lvl4pPr lvl="3">
               <a:spcBef>
@@ -3157,9 +3832,9 @@
               <a:spcAft>
                 <a:spcPts val="0"/>
               </a:spcAft>
-              <a:buSzPts val="2800"/>
-              <a:buNone/>
-              <a:defRPr/>
+              <a:buSzPts val="1800"/>
+              <a:buNone/>
+              <a:defRPr sz="1800"/>
             </a:lvl4pPr>
             <a:lvl5pPr lvl="4">
               <a:spcBef>
@@ -3168,9 +3843,9 @@
               <a:spcAft>
                 <a:spcPts val="0"/>
               </a:spcAft>
-              <a:buSzPts val="2800"/>
-              <a:buNone/>
-              <a:defRPr/>
+              <a:buSzPts val="1800"/>
+              <a:buNone/>
+              <a:defRPr sz="1800"/>
             </a:lvl5pPr>
             <a:lvl6pPr lvl="5">
               <a:spcBef>
@@ -3179,9 +3854,9 @@
               <a:spcAft>
                 <a:spcPts val="0"/>
               </a:spcAft>
-              <a:buSzPts val="2800"/>
-              <a:buNone/>
-              <a:defRPr/>
+              <a:buSzPts val="1800"/>
+              <a:buNone/>
+              <a:defRPr sz="1800"/>
             </a:lvl6pPr>
             <a:lvl7pPr lvl="6">
               <a:spcBef>
@@ -3190,9 +3865,9 @@
               <a:spcAft>
                 <a:spcPts val="0"/>
               </a:spcAft>
-              <a:buSzPts val="2800"/>
-              <a:buNone/>
-              <a:defRPr/>
+              <a:buSzPts val="1800"/>
+              <a:buNone/>
+              <a:defRPr sz="1800"/>
             </a:lvl7pPr>
             <a:lvl8pPr lvl="7">
               <a:spcBef>
@@ -3201,9 +3876,9 @@
               <a:spcAft>
                 <a:spcPts val="0"/>
               </a:spcAft>
-              <a:buSzPts val="2800"/>
-              <a:buNone/>
-              <a:defRPr/>
+              <a:buSzPts val="1800"/>
+              <a:buNone/>
+              <a:defRPr sz="1800"/>
             </a:lvl8pPr>
             <a:lvl9pPr lvl="8">
               <a:spcBef>
@@ -3212,9 +3887,9 @@
               <a:spcAft>
                 <a:spcPts val="0"/>
               </a:spcAft>
-              <a:buSzPts val="2800"/>
-              <a:buNone/>
-              <a:defRPr/>
+              <a:buSzPts val="1800"/>
+              <a:buNone/>
+              <a:defRPr sz="1800"/>
             </a:lvl9pPr>
           </a:lstStyle>
           <a:p/>
@@ -3222,7 +3897,7 @@
       </p:sp>
       <p:sp>
         <p:nvSpPr>
-          <p:cNvPr id="27" name="Google Shape;27;p6"/>
+          <p:cNvPr id="35" name="Google Shape;35;p6"/>
           <p:cNvSpPr txBox="1"/>
           <p:nvPr>
             <p:ph idx="12" type="sldNum"/>
@@ -3230,7 +3905,7 @@
         </p:nvSpPr>
         <p:spPr>
           <a:xfrm>
-            <a:off x="8472458" y="4663217"/>
+            <a:off x="8523541" y="4695623"/>
             <a:ext cx="548700" cy="393600"/>
           </a:xfrm>
           <a:prstGeom prst="rect">
@@ -3310,7 +3985,7 @@
   <p:cSld name="ONE_COLUMN_TEXT">
     <p:spTree>
       <p:nvGrpSpPr>
-        <p:cNvPr id="28" name="Shape 28"/>
+        <p:cNvPr id="36" name="Shape 36"/>
         <p:cNvGrpSpPr/>
         <p:nvPr/>
       </p:nvGrpSpPr>
@@ -3324,7 +3999,107 @@
       </p:grpSpPr>
       <p:sp>
         <p:nvSpPr>
-          <p:cNvPr id="29" name="Google Shape;29;p7"/>
+          <p:cNvPr id="37" name="Google Shape;37;p7"/>
+          <p:cNvSpPr txBox="1"/>
+          <p:nvPr/>
+        </p:nvSpPr>
+        <p:spPr>
+          <a:xfrm flipH="1" rot="10800000">
+            <a:off x="3276600" y="25"/>
+            <a:ext cx="5867400" cy="5143500"/>
+          </a:xfrm>
+          <a:prstGeom prst="rect">
+            <a:avLst/>
+          </a:prstGeom>
+          <a:solidFill>
+            <a:schemeClr val="accent4"/>
+          </a:solidFill>
+          <a:ln>
+            <a:noFill/>
+          </a:ln>
+        </p:spPr>
+        <p:txBody>
+          <a:bodyPr anchorCtr="0" anchor="ctr" bIns="91425" lIns="91425" spcFirstLastPara="1" rIns="91425" wrap="square" tIns="91425">
+            <a:noAutofit/>
+          </a:bodyPr>
+          <a:lstStyle/>
+          <a:p>
+            <a:pPr indent="0" lvl="0" marL="0" rtl="0" algn="l">
+              <a:spcBef>
+                <a:spcPts val="0"/>
+              </a:spcBef>
+              <a:spcAft>
+                <a:spcPts val="0"/>
+              </a:spcAft>
+              <a:buNone/>
+            </a:pPr>
+            <a:r>
+              <a:t/>
+            </a:r>
+            <a:endParaRPr/>
+          </a:p>
+        </p:txBody>
+      </p:sp>
+      <p:sp>
+        <p:nvSpPr>
+          <p:cNvPr id="38" name="Google Shape;38;p7"/>
+          <p:cNvSpPr/>
+          <p:nvPr/>
+        </p:nvSpPr>
+        <p:spPr>
+          <a:xfrm rot="-5400000">
+            <a:off x="759150" y="2517450"/>
+            <a:ext cx="5143500" cy="108600"/>
+          </a:xfrm>
+          <a:prstGeom prst="rect">
+            <a:avLst/>
+          </a:prstGeom>
+          <a:gradFill>
+            <a:gsLst>
+              <a:gs pos="0">
+                <a:srgbClr val="F9F9F9"/>
+              </a:gs>
+              <a:gs pos="36000">
+                <a:srgbClr val="F9F9F9"/>
+              </a:gs>
+              <a:gs pos="80000">
+                <a:srgbClr val="DEDEDE"/>
+              </a:gs>
+              <a:gs pos="100000">
+                <a:srgbClr val="999999"/>
+              </a:gs>
+            </a:gsLst>
+            <a:lin ang="16200038" scaled="0"/>
+          </a:gradFill>
+          <a:ln>
+            <a:noFill/>
+          </a:ln>
+        </p:spPr>
+        <p:txBody>
+          <a:bodyPr anchorCtr="0" anchor="ctr" bIns="91425" lIns="91425" spcFirstLastPara="1" rIns="91425" wrap="square" tIns="91425">
+            <a:noAutofit/>
+          </a:bodyPr>
+          <a:lstStyle/>
+          <a:p>
+            <a:pPr indent="0" lvl="0" marL="0" rtl="0" algn="l">
+              <a:spcBef>
+                <a:spcPts val="0"/>
+              </a:spcBef>
+              <a:spcAft>
+                <a:spcPts val="0"/>
+              </a:spcAft>
+              <a:buNone/>
+            </a:pPr>
+            <a:r>
+              <a:t/>
+            </a:r>
+            <a:endParaRPr/>
+          </a:p>
+        </p:txBody>
+      </p:sp>
+      <p:sp>
+        <p:nvSpPr>
+          <p:cNvPr id="39" name="Google Shape;39;p7"/>
           <p:cNvSpPr txBox="1"/>
           <p:nvPr>
             <p:ph type="title"/>
@@ -3332,8 +4107,8 @@
         </p:nvSpPr>
         <p:spPr>
           <a:xfrm>
-            <a:off x="311700" y="555600"/>
-            <a:ext cx="2808000" cy="755700"/>
+            <a:off x="226078" y="357800"/>
+            <a:ext cx="2808000" cy="953400"/>
           </a:xfrm>
           <a:prstGeom prst="rect">
             <a:avLst/>
@@ -3449,7 +4224,7 @@
       </p:sp>
       <p:sp>
         <p:nvSpPr>
-          <p:cNvPr id="30" name="Google Shape;30;p7"/>
+          <p:cNvPr id="40" name="Google Shape;40;p7"/>
           <p:cNvSpPr txBox="1"/>
           <p:nvPr>
             <p:ph idx="1" type="body"/>
@@ -3457,8 +4232,8 @@
         </p:nvSpPr>
         <p:spPr>
           <a:xfrm>
-            <a:off x="311700" y="1389600"/>
-            <a:ext cx="2808000" cy="3179400"/>
+            <a:off x="226075" y="1465800"/>
+            <a:ext cx="2808000" cy="3163500"/>
           </a:xfrm>
           <a:prstGeom prst="rect">
             <a:avLst/>
@@ -3476,9 +4251,16 @@
               <a:spcAft>
                 <a:spcPts val="0"/>
               </a:spcAft>
+              <a:buClr>
+                <a:schemeClr val="lt1"/>
+              </a:buClr>
               <a:buSzPts val="1200"/>
               <a:buChar char="●"/>
-              <a:defRPr sz="1200"/>
+              <a:defRPr sz="1200">
+                <a:solidFill>
+                  <a:schemeClr val="lt1"/>
+                </a:solidFill>
+              </a:defRPr>
             </a:lvl1pPr>
             <a:lvl2pPr indent="-304800" lvl="1" marL="914400">
               <a:spcBef>
@@ -3487,9 +4269,16 @@
               <a:spcAft>
                 <a:spcPts val="0"/>
               </a:spcAft>
+              <a:buClr>
+                <a:schemeClr val="lt1"/>
+              </a:buClr>
               <a:buSzPts val="1200"/>
               <a:buChar char="○"/>
-              <a:defRPr sz="1200"/>
+              <a:defRPr sz="1200">
+                <a:solidFill>
+                  <a:schemeClr val="lt1"/>
+                </a:solidFill>
+              </a:defRPr>
             </a:lvl2pPr>
             <a:lvl3pPr indent="-304800" lvl="2" marL="1371600">
               <a:spcBef>
@@ -3498,9 +4287,16 @@
               <a:spcAft>
                 <a:spcPts val="0"/>
               </a:spcAft>
+              <a:buClr>
+                <a:schemeClr val="lt1"/>
+              </a:buClr>
               <a:buSzPts val="1200"/>
               <a:buChar char="■"/>
-              <a:defRPr sz="1200"/>
+              <a:defRPr sz="1200">
+                <a:solidFill>
+                  <a:schemeClr val="lt1"/>
+                </a:solidFill>
+              </a:defRPr>
             </a:lvl3pPr>
             <a:lvl4pPr indent="-304800" lvl="3" marL="1828800">
               <a:spcBef>
@@ -3509,9 +4305,16 @@
               <a:spcAft>
                 <a:spcPts val="0"/>
               </a:spcAft>
+              <a:buClr>
+                <a:schemeClr val="lt1"/>
+              </a:buClr>
               <a:buSzPts val="1200"/>
               <a:buChar char="●"/>
-              <a:defRPr sz="1200"/>
+              <a:defRPr sz="1200">
+                <a:solidFill>
+                  <a:schemeClr val="lt1"/>
+                </a:solidFill>
+              </a:defRPr>
             </a:lvl4pPr>
             <a:lvl5pPr indent="-304800" lvl="4" marL="2286000">
               <a:spcBef>
@@ -3520,9 +4323,16 @@
               <a:spcAft>
                 <a:spcPts val="0"/>
               </a:spcAft>
+              <a:buClr>
+                <a:schemeClr val="lt1"/>
+              </a:buClr>
               <a:buSzPts val="1200"/>
               <a:buChar char="○"/>
-              <a:defRPr sz="1200"/>
+              <a:defRPr sz="1200">
+                <a:solidFill>
+                  <a:schemeClr val="lt1"/>
+                </a:solidFill>
+              </a:defRPr>
             </a:lvl5pPr>
             <a:lvl6pPr indent="-304800" lvl="5" marL="2743200">
               <a:spcBef>
@@ -3531,9 +4341,16 @@
               <a:spcAft>
                 <a:spcPts val="0"/>
               </a:spcAft>
+              <a:buClr>
+                <a:schemeClr val="lt1"/>
+              </a:buClr>
               <a:buSzPts val="1200"/>
               <a:buChar char="■"/>
-              <a:defRPr sz="1200"/>
+              <a:defRPr sz="1200">
+                <a:solidFill>
+                  <a:schemeClr val="lt1"/>
+                </a:solidFill>
+              </a:defRPr>
             </a:lvl6pPr>
             <a:lvl7pPr indent="-304800" lvl="6" marL="3200400">
               <a:spcBef>
@@ -3542,9 +4359,16 @@
               <a:spcAft>
                 <a:spcPts val="0"/>
               </a:spcAft>
+              <a:buClr>
+                <a:schemeClr val="lt1"/>
+              </a:buClr>
               <a:buSzPts val="1200"/>
               <a:buChar char="●"/>
-              <a:defRPr sz="1200"/>
+              <a:defRPr sz="1200">
+                <a:solidFill>
+                  <a:schemeClr val="lt1"/>
+                </a:solidFill>
+              </a:defRPr>
             </a:lvl7pPr>
             <a:lvl8pPr indent="-304800" lvl="7" marL="3657600">
               <a:spcBef>
@@ -3553,9 +4377,16 @@
               <a:spcAft>
                 <a:spcPts val="0"/>
               </a:spcAft>
+              <a:buClr>
+                <a:schemeClr val="lt1"/>
+              </a:buClr>
               <a:buSzPts val="1200"/>
               <a:buChar char="○"/>
-              <a:defRPr sz="1200"/>
+              <a:defRPr sz="1200">
+                <a:solidFill>
+                  <a:schemeClr val="lt1"/>
+                </a:solidFill>
+              </a:defRPr>
             </a:lvl8pPr>
             <a:lvl9pPr indent="-304800" lvl="8" marL="4114800">
               <a:spcBef>
@@ -3564,9 +4395,16 @@
               <a:spcAft>
                 <a:spcPts val="1600"/>
               </a:spcAft>
+              <a:buClr>
+                <a:schemeClr val="lt1"/>
+              </a:buClr>
               <a:buSzPts val="1200"/>
               <a:buChar char="■"/>
-              <a:defRPr sz="1200"/>
+              <a:defRPr sz="1200">
+                <a:solidFill>
+                  <a:schemeClr val="lt1"/>
+                </a:solidFill>
+              </a:defRPr>
             </a:lvl9pPr>
           </a:lstStyle>
           <a:p/>
@@ -3574,7 +4412,7 @@
       </p:sp>
       <p:sp>
         <p:nvSpPr>
-          <p:cNvPr id="31" name="Google Shape;31;p7"/>
+          <p:cNvPr id="41" name="Google Shape;41;p7"/>
           <p:cNvSpPr txBox="1"/>
           <p:nvPr>
             <p:ph idx="12" type="sldNum"/>
@@ -3582,7 +4420,7 @@
         </p:nvSpPr>
         <p:spPr>
           <a:xfrm>
-            <a:off x="8472458" y="4663217"/>
+            <a:off x="8523541" y="4695623"/>
             <a:ext cx="548700" cy="393600"/>
           </a:xfrm>
           <a:prstGeom prst="rect">
@@ -3662,7 +4500,7 @@
   <p:cSld name="MAIN_POINT">
     <p:spTree>
       <p:nvGrpSpPr>
-        <p:cNvPr id="32" name="Shape 32"/>
+        <p:cNvPr id="42" name="Shape 42"/>
         <p:cNvGrpSpPr/>
         <p:nvPr/>
       </p:nvGrpSpPr>
@@ -3676,7 +4514,7 @@
       </p:grpSpPr>
       <p:sp>
         <p:nvSpPr>
-          <p:cNvPr id="33" name="Google Shape;33;p8"/>
+          <p:cNvPr id="43" name="Google Shape;43;p8"/>
           <p:cNvSpPr txBox="1"/>
           <p:nvPr>
             <p:ph type="title"/>
@@ -3684,8 +4522,8 @@
         </p:nvSpPr>
         <p:spPr>
           <a:xfrm>
-            <a:off x="490250" y="450150"/>
-            <a:ext cx="6367800" cy="4090800"/>
+            <a:off x="490250" y="488250"/>
+            <a:ext cx="6227100" cy="4090800"/>
           </a:xfrm>
           <a:prstGeom prst="rect">
             <a:avLst/>
@@ -3703,9 +4541,9 @@
               <a:spcAft>
                 <a:spcPts val="0"/>
               </a:spcAft>
-              <a:buSzPts val="4800"/>
-              <a:buNone/>
-              <a:defRPr sz="4800"/>
+              <a:buSzPts val="6000"/>
+              <a:buNone/>
+              <a:defRPr sz="6000"/>
             </a:lvl1pPr>
             <a:lvl2pPr lvl="1">
               <a:spcBef>
@@ -3714,9 +4552,9 @@
               <a:spcAft>
                 <a:spcPts val="0"/>
               </a:spcAft>
-              <a:buSzPts val="4800"/>
-              <a:buNone/>
-              <a:defRPr sz="4800"/>
+              <a:buSzPts val="6000"/>
+              <a:buNone/>
+              <a:defRPr sz="6000"/>
             </a:lvl2pPr>
             <a:lvl3pPr lvl="2">
               <a:spcBef>
@@ -3725,9 +4563,9 @@
               <a:spcAft>
                 <a:spcPts val="0"/>
               </a:spcAft>
-              <a:buSzPts val="4800"/>
-              <a:buNone/>
-              <a:defRPr sz="4800"/>
+              <a:buSzPts val="6000"/>
+              <a:buNone/>
+              <a:defRPr sz="6000"/>
             </a:lvl3pPr>
             <a:lvl4pPr lvl="3">
               <a:spcBef>
@@ -3736,9 +4574,9 @@
               <a:spcAft>
                 <a:spcPts val="0"/>
               </a:spcAft>
-              <a:buSzPts val="4800"/>
-              <a:buNone/>
-              <a:defRPr sz="4800"/>
+              <a:buSzPts val="6000"/>
+              <a:buNone/>
+              <a:defRPr sz="6000"/>
             </a:lvl4pPr>
             <a:lvl5pPr lvl="4">
               <a:spcBef>
@@ -3747,9 +4585,9 @@
               <a:spcAft>
                 <a:spcPts val="0"/>
               </a:spcAft>
-              <a:buSzPts val="4800"/>
-              <a:buNone/>
-              <a:defRPr sz="4800"/>
+              <a:buSzPts val="6000"/>
+              <a:buNone/>
+              <a:defRPr sz="6000"/>
             </a:lvl5pPr>
             <a:lvl6pPr lvl="5">
               <a:spcBef>
@@ -3758,9 +4596,9 @@
               <a:spcAft>
                 <a:spcPts val="0"/>
               </a:spcAft>
-              <a:buSzPts val="4800"/>
-              <a:buNone/>
-              <a:defRPr sz="4800"/>
+              <a:buSzPts val="6000"/>
+              <a:buNone/>
+              <a:defRPr sz="6000"/>
             </a:lvl6pPr>
             <a:lvl7pPr lvl="6">
               <a:spcBef>
@@ -3769,9 +4607,9 @@
               <a:spcAft>
                 <a:spcPts val="0"/>
               </a:spcAft>
-              <a:buSzPts val="4800"/>
-              <a:buNone/>
-              <a:defRPr sz="4800"/>
+              <a:buSzPts val="6000"/>
+              <a:buNone/>
+              <a:defRPr sz="6000"/>
             </a:lvl7pPr>
             <a:lvl8pPr lvl="7">
               <a:spcBef>
@@ -3780,9 +4618,9 @@
               <a:spcAft>
                 <a:spcPts val="0"/>
               </a:spcAft>
-              <a:buSzPts val="4800"/>
-              <a:buNone/>
-              <a:defRPr sz="4800"/>
+              <a:buSzPts val="6000"/>
+              <a:buNone/>
+              <a:defRPr sz="6000"/>
             </a:lvl8pPr>
             <a:lvl9pPr lvl="8">
               <a:spcBef>
@@ -3791,9 +4629,9 @@
               <a:spcAft>
                 <a:spcPts val="0"/>
               </a:spcAft>
-              <a:buSzPts val="4800"/>
-              <a:buNone/>
-              <a:defRPr sz="4800"/>
+              <a:buSzPts val="6000"/>
+              <a:buNone/>
+              <a:defRPr sz="6000"/>
             </a:lvl9pPr>
           </a:lstStyle>
           <a:p/>
@@ -3801,7 +4639,7 @@
       </p:sp>
       <p:sp>
         <p:nvSpPr>
-          <p:cNvPr id="34" name="Google Shape;34;p8"/>
+          <p:cNvPr id="44" name="Google Shape;44;p8"/>
           <p:cNvSpPr txBox="1"/>
           <p:nvPr>
             <p:ph idx="12" type="sldNum"/>
@@ -3809,7 +4647,7 @@
         </p:nvSpPr>
         <p:spPr>
           <a:xfrm>
-            <a:off x="8472458" y="4663217"/>
+            <a:off x="8523541" y="4695623"/>
             <a:ext cx="548700" cy="393600"/>
           </a:xfrm>
           <a:prstGeom prst="rect">
@@ -3823,39 +4661,75 @@
           <a:lstStyle>
             <a:lvl1pPr lvl="0">
               <a:buNone/>
-              <a:defRPr/>
+              <a:defRPr>
+                <a:solidFill>
+                  <a:schemeClr val="lt1"/>
+                </a:solidFill>
+              </a:defRPr>
             </a:lvl1pPr>
             <a:lvl2pPr lvl="1">
               <a:buNone/>
-              <a:defRPr/>
+              <a:defRPr>
+                <a:solidFill>
+                  <a:schemeClr val="lt1"/>
+                </a:solidFill>
+              </a:defRPr>
             </a:lvl2pPr>
             <a:lvl3pPr lvl="2">
               <a:buNone/>
-              <a:defRPr/>
+              <a:defRPr>
+                <a:solidFill>
+                  <a:schemeClr val="lt1"/>
+                </a:solidFill>
+              </a:defRPr>
             </a:lvl3pPr>
             <a:lvl4pPr lvl="3">
               <a:buNone/>
-              <a:defRPr/>
+              <a:defRPr>
+                <a:solidFill>
+                  <a:schemeClr val="lt1"/>
+                </a:solidFill>
+              </a:defRPr>
             </a:lvl4pPr>
             <a:lvl5pPr lvl="4">
               <a:buNone/>
-              <a:defRPr/>
+              <a:defRPr>
+                <a:solidFill>
+                  <a:schemeClr val="lt1"/>
+                </a:solidFill>
+              </a:defRPr>
             </a:lvl5pPr>
             <a:lvl6pPr lvl="5">
               <a:buNone/>
-              <a:defRPr/>
+              <a:defRPr>
+                <a:solidFill>
+                  <a:schemeClr val="lt1"/>
+                </a:solidFill>
+              </a:defRPr>
             </a:lvl6pPr>
             <a:lvl7pPr lvl="6">
               <a:buNone/>
-              <a:defRPr/>
+              <a:defRPr>
+                <a:solidFill>
+                  <a:schemeClr val="lt1"/>
+                </a:solidFill>
+              </a:defRPr>
             </a:lvl7pPr>
             <a:lvl8pPr lvl="7">
               <a:buNone/>
-              <a:defRPr/>
+              <a:defRPr>
+                <a:solidFill>
+                  <a:schemeClr val="lt1"/>
+                </a:solidFill>
+              </a:defRPr>
             </a:lvl8pPr>
             <a:lvl9pPr lvl="8">
               <a:buNone/>
-              <a:defRPr/>
+              <a:defRPr>
+                <a:solidFill>
+                  <a:schemeClr val="lt1"/>
+                </a:solidFill>
+              </a:defRPr>
             </a:lvl9pPr>
           </a:lstStyle>
           <a:p>
@@ -3889,7 +4763,7 @@
   <p:cSld name="SECTION_TITLE_AND_DESCRIPTION">
     <p:spTree>
       <p:nvGrpSpPr>
-        <p:cNvPr id="35" name="Shape 35"/>
+        <p:cNvPr id="45" name="Shape 45"/>
         <p:cNvGrpSpPr/>
         <p:nvPr/>
       </p:nvGrpSpPr>
@@ -3903,20 +4777,20 @@
       </p:grpSpPr>
       <p:sp>
         <p:nvSpPr>
-          <p:cNvPr id="36" name="Google Shape;36;p9"/>
+          <p:cNvPr id="46" name="Google Shape;46;p9"/>
           <p:cNvSpPr/>
           <p:nvPr/>
         </p:nvSpPr>
         <p:spPr>
-          <a:xfrm>
-            <a:off x="4572000" y="-125"/>
+          <a:xfrm flipH="1">
+            <a:off x="0" y="0"/>
             <a:ext cx="4572000" cy="5143500"/>
           </a:xfrm>
           <a:prstGeom prst="rect">
             <a:avLst/>
           </a:prstGeom>
           <a:solidFill>
-            <a:schemeClr val="lt2"/>
+            <a:schemeClr val="accent4"/>
           </a:solidFill>
           <a:ln>
             <a:noFill/>
@@ -3946,7 +4820,64 @@
       </p:sp>
       <p:sp>
         <p:nvSpPr>
-          <p:cNvPr id="37" name="Google Shape;37;p9"/>
+          <p:cNvPr id="47" name="Google Shape;47;p9"/>
+          <p:cNvSpPr/>
+          <p:nvPr/>
+        </p:nvSpPr>
+        <p:spPr>
+          <a:xfrm rot="5400000">
+            <a:off x="1946425" y="2517750"/>
+            <a:ext cx="5142900" cy="108600"/>
+          </a:xfrm>
+          <a:prstGeom prst="rect">
+            <a:avLst/>
+          </a:prstGeom>
+          <a:gradFill>
+            <a:gsLst>
+              <a:gs pos="0">
+                <a:srgbClr val="F9F9F9"/>
+              </a:gs>
+              <a:gs pos="36000">
+                <a:srgbClr val="F9F9F9"/>
+              </a:gs>
+              <a:gs pos="80000">
+                <a:srgbClr val="DEDEDE"/>
+              </a:gs>
+              <a:gs pos="100000">
+                <a:srgbClr val="999999"/>
+              </a:gs>
+            </a:gsLst>
+            <a:lin ang="16200038" scaled="0"/>
+          </a:gradFill>
+          <a:ln>
+            <a:noFill/>
+          </a:ln>
+        </p:spPr>
+        <p:txBody>
+          <a:bodyPr anchorCtr="0" anchor="ctr" bIns="91425" lIns="91425" spcFirstLastPara="1" rIns="91425" wrap="square" tIns="91425">
+            <a:noAutofit/>
+          </a:bodyPr>
+          <a:lstStyle/>
+          <a:p>
+            <a:pPr indent="0" lvl="0" marL="0" rtl="0" algn="l">
+              <a:spcBef>
+                <a:spcPts val="0"/>
+              </a:spcBef>
+              <a:spcAft>
+                <a:spcPts val="0"/>
+              </a:spcAft>
+              <a:buNone/>
+            </a:pPr>
+            <a:r>
+              <a:t/>
+            </a:r>
+            <a:endParaRPr/>
+          </a:p>
+        </p:txBody>
+      </p:sp>
+      <p:sp>
+        <p:nvSpPr>
+          <p:cNvPr id="48" name="Google Shape;48;p9"/>
           <p:cNvSpPr txBox="1"/>
           <p:nvPr>
             <p:ph type="title"/>
@@ -3973,9 +4904,16 @@
               <a:spcAft>
                 <a:spcPts val="0"/>
               </a:spcAft>
+              <a:buClr>
+                <a:schemeClr val="dk2"/>
+              </a:buClr>
               <a:buSzPts val="4200"/>
               <a:buNone/>
-              <a:defRPr sz="4200"/>
+              <a:defRPr sz="4200">
+                <a:solidFill>
+                  <a:schemeClr val="dk2"/>
+                </a:solidFill>
+              </a:defRPr>
             </a:lvl1pPr>
             <a:lvl2pPr lvl="1" algn="ctr">
               <a:spcBef>
@@ -3984,9 +4922,16 @@
               <a:spcAft>
                 <a:spcPts val="0"/>
               </a:spcAft>
+              <a:buClr>
+                <a:schemeClr val="dk2"/>
+              </a:buClr>
               <a:buSzPts val="4200"/>
               <a:buNone/>
-              <a:defRPr sz="4200"/>
+              <a:defRPr sz="4200">
+                <a:solidFill>
+                  <a:schemeClr val="dk2"/>
+                </a:solidFill>
+              </a:defRPr>
             </a:lvl2pPr>
             <a:lvl3pPr lvl="2" algn="ctr">
               <a:spcBef>
@@ -3995,9 +4940,16 @@
               <a:spcAft>
                 <a:spcPts val="0"/>
               </a:spcAft>
+              <a:buClr>
+                <a:schemeClr val="dk2"/>
+              </a:buClr>
               <a:buSzPts val="4200"/>
               <a:buNone/>
-              <a:defRPr sz="4200"/>
+              <a:defRPr sz="4200">
+                <a:solidFill>
+                  <a:schemeClr val="dk2"/>
+                </a:solidFill>
+              </a:defRPr>
             </a:lvl3pPr>
             <a:lvl4pPr lvl="3" algn="ctr">
               <a:spcBef>
@@ -4006,9 +4958,16 @@
               <a:spcAft>
                 <a:spcPts val="0"/>
               </a:spcAft>
+              <a:buClr>
+                <a:schemeClr val="dk2"/>
+              </a:buClr>
               <a:buSzPts val="4200"/>
               <a:buNone/>
-              <a:defRPr sz="4200"/>
+              <a:defRPr sz="4200">
+                <a:solidFill>
+                  <a:schemeClr val="dk2"/>
+                </a:solidFill>
+              </a:defRPr>
             </a:lvl4pPr>
             <a:lvl5pPr lvl="4" algn="ctr">
               <a:spcBef>
@@ -4017,9 +4976,16 @@
               <a:spcAft>
                 <a:spcPts val="0"/>
               </a:spcAft>
+              <a:buClr>
+                <a:schemeClr val="dk2"/>
+              </a:buClr>
               <a:buSzPts val="4200"/>
               <a:buNone/>
-              <a:defRPr sz="4200"/>
+              <a:defRPr sz="4200">
+                <a:solidFill>
+                  <a:schemeClr val="dk2"/>
+                </a:solidFill>
+              </a:defRPr>
             </a:lvl5pPr>
             <a:lvl6pPr lvl="5" algn="ctr">
               <a:spcBef>
@@ -4028,9 +4994,16 @@
               <a:spcAft>
                 <a:spcPts val="0"/>
               </a:spcAft>
+              <a:buClr>
+                <a:schemeClr val="dk2"/>
+              </a:buClr>
               <a:buSzPts val="4200"/>
               <a:buNone/>
-              <a:defRPr sz="4200"/>
+              <a:defRPr sz="4200">
+                <a:solidFill>
+                  <a:schemeClr val="dk2"/>
+                </a:solidFill>
+              </a:defRPr>
             </a:lvl6pPr>
             <a:lvl7pPr lvl="6" algn="ctr">
               <a:spcBef>
@@ -4039,9 +5012,16 @@
               <a:spcAft>
                 <a:spcPts val="0"/>
               </a:spcAft>
+              <a:buClr>
+                <a:schemeClr val="dk2"/>
+              </a:buClr>
               <a:buSzPts val="4200"/>
               <a:buNone/>
-              <a:defRPr sz="4200"/>
+              <a:defRPr sz="4200">
+                <a:solidFill>
+                  <a:schemeClr val="dk2"/>
+                </a:solidFill>
+              </a:defRPr>
             </a:lvl7pPr>
             <a:lvl8pPr lvl="7" algn="ctr">
               <a:spcBef>
@@ -4050,9 +5030,16 @@
               <a:spcAft>
                 <a:spcPts val="0"/>
               </a:spcAft>
+              <a:buClr>
+                <a:schemeClr val="dk2"/>
+              </a:buClr>
               <a:buSzPts val="4200"/>
               <a:buNone/>
-              <a:defRPr sz="4200"/>
+              <a:defRPr sz="4200">
+                <a:solidFill>
+                  <a:schemeClr val="dk2"/>
+                </a:solidFill>
+              </a:defRPr>
             </a:lvl8pPr>
             <a:lvl9pPr lvl="8" algn="ctr">
               <a:spcBef>
@@ -4061,9 +5048,16 @@
               <a:spcAft>
                 <a:spcPts val="0"/>
               </a:spcAft>
+              <a:buClr>
+                <a:schemeClr val="dk2"/>
+              </a:buClr>
               <a:buSzPts val="4200"/>
               <a:buNone/>
-              <a:defRPr sz="4200"/>
+              <a:defRPr sz="4200">
+                <a:solidFill>
+                  <a:schemeClr val="dk2"/>
+                </a:solidFill>
+              </a:defRPr>
             </a:lvl9pPr>
           </a:lstStyle>
           <a:p/>
@@ -4071,7 +5065,7 @@
       </p:sp>
       <p:sp>
         <p:nvSpPr>
-          <p:cNvPr id="38" name="Google Shape;38;p9"/>
+          <p:cNvPr id="49" name="Google Shape;49;p9"/>
           <p:cNvSpPr txBox="1"/>
           <p:nvPr>
             <p:ph idx="1" type="subTitle"/>
@@ -4079,7 +5073,7 @@
         </p:nvSpPr>
         <p:spPr>
           <a:xfrm>
-            <a:off x="265500" y="2803075"/>
+            <a:off x="265500" y="2779467"/>
             <a:ext cx="4045200" cy="1235100"/>
           </a:xfrm>
           <a:prstGeom prst="rect">
@@ -4223,7 +5217,7 @@
       </p:sp>
       <p:sp>
         <p:nvSpPr>
-          <p:cNvPr id="39" name="Google Shape;39;p9"/>
+          <p:cNvPr id="50" name="Google Shape;50;p9"/>
           <p:cNvSpPr txBox="1"/>
           <p:nvPr>
             <p:ph idx="2" type="body"/>
@@ -4231,7 +5225,7 @@
         </p:nvSpPr>
         <p:spPr>
           <a:xfrm>
-            <a:off x="4939500" y="724075"/>
+            <a:off x="4939500" y="724200"/>
             <a:ext cx="3837000" cy="3695100"/>
           </a:xfrm>
           <a:prstGeom prst="rect">
@@ -4250,9 +5244,16 @@
               <a:spcAft>
                 <a:spcPts val="0"/>
               </a:spcAft>
+              <a:buClr>
+                <a:schemeClr val="lt1"/>
+              </a:buClr>
               <a:buSzPts val="1800"/>
               <a:buChar char="●"/>
-              <a:defRPr/>
+              <a:defRPr>
+                <a:solidFill>
+                  <a:schemeClr val="lt1"/>
+                </a:solidFill>
+              </a:defRPr>
             </a:lvl1pPr>
             <a:lvl2pPr indent="-317500" lvl="1" marL="914400">
               <a:spcBef>
@@ -4261,9 +5262,16 @@
               <a:spcAft>
                 <a:spcPts val="0"/>
               </a:spcAft>
+              <a:buClr>
+                <a:schemeClr val="lt1"/>
+              </a:buClr>
               <a:buSzPts val="1400"/>
               <a:buChar char="○"/>
-              <a:defRPr/>
+              <a:defRPr>
+                <a:solidFill>
+                  <a:schemeClr val="lt1"/>
+                </a:solidFill>
+              </a:defRPr>
             </a:lvl2pPr>
             <a:lvl3pPr indent="-317500" lvl="2" marL="1371600">
               <a:spcBef>
@@ -4272,9 +5280,16 @@
               <a:spcAft>
                 <a:spcPts val="0"/>
               </a:spcAft>
+              <a:buClr>
+                <a:schemeClr val="lt1"/>
+              </a:buClr>
               <a:buSzPts val="1400"/>
               <a:buChar char="■"/>
-              <a:defRPr/>
+              <a:defRPr>
+                <a:solidFill>
+                  <a:schemeClr val="lt1"/>
+                </a:solidFill>
+              </a:defRPr>
             </a:lvl3pPr>
             <a:lvl4pPr indent="-317500" lvl="3" marL="1828800">
               <a:spcBef>
@@ -4283,9 +5298,16 @@
               <a:spcAft>
                 <a:spcPts val="0"/>
               </a:spcAft>
+              <a:buClr>
+                <a:schemeClr val="lt1"/>
+              </a:buClr>
               <a:buSzPts val="1400"/>
               <a:buChar char="●"/>
-              <a:defRPr/>
+              <a:defRPr>
+                <a:solidFill>
+                  <a:schemeClr val="lt1"/>
+                </a:solidFill>
+              </a:defRPr>
             </a:lvl4pPr>
             <a:lvl5pPr indent="-317500" lvl="4" marL="2286000">
               <a:spcBef>
@@ -4294,9 +5316,16 @@
               <a:spcAft>
                 <a:spcPts val="0"/>
               </a:spcAft>
+              <a:buClr>
+                <a:schemeClr val="lt1"/>
+              </a:buClr>
               <a:buSzPts val="1400"/>
               <a:buChar char="○"/>
-              <a:defRPr/>
+              <a:defRPr>
+                <a:solidFill>
+                  <a:schemeClr val="lt1"/>
+                </a:solidFill>
+              </a:defRPr>
             </a:lvl5pPr>
             <a:lvl6pPr indent="-317500" lvl="5" marL="2743200">
               <a:spcBef>
@@ -4305,9 +5334,16 @@
               <a:spcAft>
                 <a:spcPts val="0"/>
               </a:spcAft>
+              <a:buClr>
+                <a:schemeClr val="lt1"/>
+              </a:buClr>
               <a:buSzPts val="1400"/>
               <a:buChar char="■"/>
-              <a:defRPr/>
+              <a:defRPr>
+                <a:solidFill>
+                  <a:schemeClr val="lt1"/>
+                </a:solidFill>
+              </a:defRPr>
             </a:lvl6pPr>
             <a:lvl7pPr indent="-317500" lvl="6" marL="3200400">
               <a:spcBef>
@@ -4316,9 +5352,16 @@
               <a:spcAft>
                 <a:spcPts val="0"/>
               </a:spcAft>
+              <a:buClr>
+                <a:schemeClr val="lt1"/>
+              </a:buClr>
               <a:buSzPts val="1400"/>
               <a:buChar char="●"/>
-              <a:defRPr/>
+              <a:defRPr>
+                <a:solidFill>
+                  <a:schemeClr val="lt1"/>
+                </a:solidFill>
+              </a:defRPr>
             </a:lvl7pPr>
             <a:lvl8pPr indent="-317500" lvl="7" marL="3657600">
               <a:spcBef>
@@ -4327,9 +5370,16 @@
               <a:spcAft>
                 <a:spcPts val="0"/>
               </a:spcAft>
+              <a:buClr>
+                <a:schemeClr val="lt1"/>
+              </a:buClr>
               <a:buSzPts val="1400"/>
               <a:buChar char="○"/>
-              <a:defRPr/>
+              <a:defRPr>
+                <a:solidFill>
+                  <a:schemeClr val="lt1"/>
+                </a:solidFill>
+              </a:defRPr>
             </a:lvl8pPr>
             <a:lvl9pPr indent="-317500" lvl="8" marL="4114800">
               <a:spcBef>
@@ -4338,9 +5388,16 @@
               <a:spcAft>
                 <a:spcPts val="1600"/>
               </a:spcAft>
+              <a:buClr>
+                <a:schemeClr val="lt1"/>
+              </a:buClr>
               <a:buSzPts val="1400"/>
               <a:buChar char="■"/>
-              <a:defRPr/>
+              <a:defRPr>
+                <a:solidFill>
+                  <a:schemeClr val="lt1"/>
+                </a:solidFill>
+              </a:defRPr>
             </a:lvl9pPr>
           </a:lstStyle>
           <a:p/>
@@ -4348,7 +5405,7 @@
       </p:sp>
       <p:sp>
         <p:nvSpPr>
-          <p:cNvPr id="40" name="Google Shape;40;p9"/>
+          <p:cNvPr id="51" name="Google Shape;51;p9"/>
           <p:cNvSpPr txBox="1"/>
           <p:nvPr>
             <p:ph idx="12" type="sldNum"/>
@@ -4356,7 +5413,7 @@
         </p:nvSpPr>
         <p:spPr>
           <a:xfrm>
-            <a:off x="8472458" y="4663217"/>
+            <a:off x="8523541" y="4695623"/>
             <a:ext cx="548700" cy="393600"/>
           </a:xfrm>
           <a:prstGeom prst="rect">
@@ -4370,39 +5427,75 @@
           <a:lstStyle>
             <a:lvl1pPr lvl="0">
               <a:buNone/>
-              <a:defRPr/>
+              <a:defRPr>
+                <a:solidFill>
+                  <a:schemeClr val="lt1"/>
+                </a:solidFill>
+              </a:defRPr>
             </a:lvl1pPr>
             <a:lvl2pPr lvl="1">
               <a:buNone/>
-              <a:defRPr/>
+              <a:defRPr>
+                <a:solidFill>
+                  <a:schemeClr val="lt1"/>
+                </a:solidFill>
+              </a:defRPr>
             </a:lvl2pPr>
             <a:lvl3pPr lvl="2">
               <a:buNone/>
-              <a:defRPr/>
+              <a:defRPr>
+                <a:solidFill>
+                  <a:schemeClr val="lt1"/>
+                </a:solidFill>
+              </a:defRPr>
             </a:lvl3pPr>
             <a:lvl4pPr lvl="3">
               <a:buNone/>
-              <a:defRPr/>
+              <a:defRPr>
+                <a:solidFill>
+                  <a:schemeClr val="lt1"/>
+                </a:solidFill>
+              </a:defRPr>
             </a:lvl4pPr>
             <a:lvl5pPr lvl="4">
               <a:buNone/>
-              <a:defRPr/>
+              <a:defRPr>
+                <a:solidFill>
+                  <a:schemeClr val="lt1"/>
+                </a:solidFill>
+              </a:defRPr>
             </a:lvl5pPr>
             <a:lvl6pPr lvl="5">
               <a:buNone/>
-              <a:defRPr/>
+              <a:defRPr>
+                <a:solidFill>
+                  <a:schemeClr val="lt1"/>
+                </a:solidFill>
+              </a:defRPr>
             </a:lvl6pPr>
             <a:lvl7pPr lvl="6">
               <a:buNone/>
-              <a:defRPr/>
+              <a:defRPr>
+                <a:solidFill>
+                  <a:schemeClr val="lt1"/>
+                </a:solidFill>
+              </a:defRPr>
             </a:lvl7pPr>
             <a:lvl8pPr lvl="7">
               <a:buNone/>
-              <a:defRPr/>
+              <a:defRPr>
+                <a:solidFill>
+                  <a:schemeClr val="lt1"/>
+                </a:solidFill>
+              </a:defRPr>
             </a:lvl8pPr>
             <a:lvl9pPr lvl="8">
               <a:buNone/>
-              <a:defRPr/>
+              <a:defRPr>
+                <a:solidFill>
+                  <a:schemeClr val="lt1"/>
+                </a:solidFill>
+              </a:defRPr>
             </a:lvl9pPr>
           </a:lstStyle>
           <a:p>
@@ -4436,7 +5529,7 @@
   <p:cSld name="CAPTION_ONLY">
     <p:spTree>
       <p:nvGrpSpPr>
-        <p:cNvPr id="41" name="Shape 41"/>
+        <p:cNvPr id="52" name="Shape 52"/>
         <p:cNvGrpSpPr/>
         <p:nvPr/>
       </p:nvGrpSpPr>
@@ -4450,7 +5543,107 @@
       </p:grpSpPr>
       <p:sp>
         <p:nvSpPr>
-          <p:cNvPr id="42" name="Google Shape;42;p10"/>
+          <p:cNvPr id="53" name="Google Shape;53;p10"/>
+          <p:cNvSpPr txBox="1"/>
+          <p:nvPr/>
+        </p:nvSpPr>
+        <p:spPr>
+          <a:xfrm flipH="1" rot="10800000">
+            <a:off x="0" y="0"/>
+            <a:ext cx="9144000" cy="4695900"/>
+          </a:xfrm>
+          <a:prstGeom prst="rect">
+            <a:avLst/>
+          </a:prstGeom>
+          <a:solidFill>
+            <a:schemeClr val="accent4"/>
+          </a:solidFill>
+          <a:ln>
+            <a:noFill/>
+          </a:ln>
+        </p:spPr>
+        <p:txBody>
+          <a:bodyPr anchorCtr="0" anchor="ctr" bIns="91425" lIns="91425" spcFirstLastPara="1" rIns="91425" wrap="square" tIns="91425">
+            <a:noAutofit/>
+          </a:bodyPr>
+          <a:lstStyle/>
+          <a:p>
+            <a:pPr indent="0" lvl="0" marL="0" rtl="0" algn="l">
+              <a:spcBef>
+                <a:spcPts val="0"/>
+              </a:spcBef>
+              <a:spcAft>
+                <a:spcPts val="0"/>
+              </a:spcAft>
+              <a:buNone/>
+            </a:pPr>
+            <a:r>
+              <a:t/>
+            </a:r>
+            <a:endParaRPr/>
+          </a:p>
+        </p:txBody>
+      </p:sp>
+      <p:sp>
+        <p:nvSpPr>
+          <p:cNvPr id="54" name="Google Shape;54;p10"/>
+          <p:cNvSpPr/>
+          <p:nvPr/>
+        </p:nvSpPr>
+        <p:spPr>
+          <a:xfrm flipH="1" rot="10800000">
+            <a:off x="0" y="4622725"/>
+            <a:ext cx="9144000" cy="74100"/>
+          </a:xfrm>
+          <a:prstGeom prst="rect">
+            <a:avLst/>
+          </a:prstGeom>
+          <a:gradFill>
+            <a:gsLst>
+              <a:gs pos="0">
+                <a:srgbClr val="F9F9F9"/>
+              </a:gs>
+              <a:gs pos="36000">
+                <a:srgbClr val="F9F9F9"/>
+              </a:gs>
+              <a:gs pos="80000">
+                <a:srgbClr val="DEDEDE"/>
+              </a:gs>
+              <a:gs pos="100000">
+                <a:srgbClr val="999999"/>
+              </a:gs>
+            </a:gsLst>
+            <a:lin ang="16200038" scaled="0"/>
+          </a:gradFill>
+          <a:ln>
+            <a:noFill/>
+          </a:ln>
+        </p:spPr>
+        <p:txBody>
+          <a:bodyPr anchorCtr="0" anchor="ctr" bIns="91425" lIns="91425" spcFirstLastPara="1" rIns="91425" wrap="square" tIns="91425">
+            <a:noAutofit/>
+          </a:bodyPr>
+          <a:lstStyle/>
+          <a:p>
+            <a:pPr indent="0" lvl="0" marL="0" rtl="0" algn="l">
+              <a:spcBef>
+                <a:spcPts val="0"/>
+              </a:spcBef>
+              <a:spcAft>
+                <a:spcPts val="0"/>
+              </a:spcAft>
+              <a:buNone/>
+            </a:pPr>
+            <a:r>
+              <a:t/>
+            </a:r>
+            <a:endParaRPr/>
+          </a:p>
+        </p:txBody>
+      </p:sp>
+      <p:sp>
+        <p:nvSpPr>
+          <p:cNvPr id="55" name="Google Shape;55;p10"/>
           <p:cNvSpPr txBox="1"/>
           <p:nvPr>
             <p:ph idx="1" type="body"/>
@@ -4458,8 +5651,8 @@
         </p:nvSpPr>
         <p:spPr>
           <a:xfrm>
-            <a:off x="311700" y="4230575"/>
-            <a:ext cx="5998800" cy="605100"/>
+            <a:off x="57150" y="4696825"/>
+            <a:ext cx="8382000" cy="446700"/>
           </a:xfrm>
           <a:prstGeom prst="rect">
             <a:avLst/>
@@ -4480,9 +5673,16 @@
               <a:spcAft>
                 <a:spcPts val="0"/>
               </a:spcAft>
-              <a:buSzPts val="1800"/>
-              <a:buNone/>
-              <a:defRPr/>
+              <a:buClr>
+                <a:schemeClr val="lt1"/>
+              </a:buClr>
+              <a:buSzPts val="1200"/>
+              <a:buNone/>
+              <a:defRPr sz="1200">
+                <a:solidFill>
+                  <a:schemeClr val="lt1"/>
+                </a:solidFill>
+              </a:defRPr>
             </a:lvl1pPr>
           </a:lstStyle>
           <a:p/>
@@ -4490,7 +5690,7 @@
       </p:sp>
       <p:sp>
         <p:nvSpPr>
-          <p:cNvPr id="43" name="Google Shape;43;p10"/>
+          <p:cNvPr id="56" name="Google Shape;56;p10"/>
           <p:cNvSpPr txBox="1"/>
           <p:nvPr>
             <p:ph idx="12" type="sldNum"/>
@@ -4498,7 +5698,7 @@
         </p:nvSpPr>
         <p:spPr>
           <a:xfrm>
-            <a:off x="8472458" y="4663217"/>
+            <a:off x="8523541" y="4695623"/>
             <a:ext cx="548700" cy="393600"/>
           </a:xfrm>
           <a:prstGeom prst="rect">
@@ -4512,39 +5712,75 @@
           <a:lstStyle>
             <a:lvl1pPr lvl="0">
               <a:buNone/>
-              <a:defRPr/>
+              <a:defRPr>
+                <a:solidFill>
+                  <a:schemeClr val="lt1"/>
+                </a:solidFill>
+              </a:defRPr>
             </a:lvl1pPr>
             <a:lvl2pPr lvl="1">
               <a:buNone/>
-              <a:defRPr/>
+              <a:defRPr>
+                <a:solidFill>
+                  <a:schemeClr val="lt1"/>
+                </a:solidFill>
+              </a:defRPr>
             </a:lvl2pPr>
             <a:lvl3pPr lvl="2">
               <a:buNone/>
-              <a:defRPr/>
+              <a:defRPr>
+                <a:solidFill>
+                  <a:schemeClr val="lt1"/>
+                </a:solidFill>
+              </a:defRPr>
             </a:lvl3pPr>
             <a:lvl4pPr lvl="3">
               <a:buNone/>
-              <a:defRPr/>
+              <a:defRPr>
+                <a:solidFill>
+                  <a:schemeClr val="lt1"/>
+                </a:solidFill>
+              </a:defRPr>
             </a:lvl4pPr>
             <a:lvl5pPr lvl="4">
               <a:buNone/>
-              <a:defRPr/>
+              <a:defRPr>
+                <a:solidFill>
+                  <a:schemeClr val="lt1"/>
+                </a:solidFill>
+              </a:defRPr>
             </a:lvl5pPr>
             <a:lvl6pPr lvl="5">
               <a:buNone/>
-              <a:defRPr/>
+              <a:defRPr>
+                <a:solidFill>
+                  <a:schemeClr val="lt1"/>
+                </a:solidFill>
+              </a:defRPr>
             </a:lvl6pPr>
             <a:lvl7pPr lvl="6">
               <a:buNone/>
-              <a:defRPr/>
+              <a:defRPr>
+                <a:solidFill>
+                  <a:schemeClr val="lt1"/>
+                </a:solidFill>
+              </a:defRPr>
             </a:lvl7pPr>
             <a:lvl8pPr lvl="7">
               <a:buNone/>
-              <a:defRPr/>
+              <a:defRPr>
+                <a:solidFill>
+                  <a:schemeClr val="lt1"/>
+                </a:solidFill>
+              </a:defRPr>
             </a:lvl8pPr>
             <a:lvl9pPr lvl="8">
               <a:buNone/>
-              <a:defRPr/>
+              <a:defRPr>
+                <a:solidFill>
+                  <a:schemeClr val="lt1"/>
+                </a:solidFill>
+              </a:defRPr>
             </a:lvl9pPr>
           </a:lstStyle>
           <a:p>
@@ -4575,11 +5811,11 @@
 
 <file path=ppt/slideMasters/slideMaster1.xml><?xml version="1.0" encoding="utf-8"?>
 <p:sldMaster xmlns:a="http://schemas.openxmlformats.org/drawingml/2006/main" xmlns:r="http://schemas.openxmlformats.org/officeDocument/2006/relationships" xmlns:mc="http://schemas.openxmlformats.org/markup-compatibility/2006" xmlns:mv="urn:schemas-microsoft-com:mac:vml" xmlns:p="http://schemas.openxmlformats.org/presentationml/2006/main" xmlns:c="http://schemas.openxmlformats.org/drawingml/2006/chart" xmlns:dgm="http://schemas.openxmlformats.org/drawingml/2006/diagram" xmlns:o="urn:schemas-microsoft-com:office:office" xmlns:v="urn:schemas-microsoft-com:vml" xmlns:pvml="urn:schemas-microsoft-com:office:powerpoint" xmlns:com="http://schemas.openxmlformats.org/drawingml/2006/compatibility" xmlns:p14="http://schemas.microsoft.com/office/powerpoint/2010/main" xmlns:p15="http://schemas.microsoft.com/office/powerpoint/2012/main">
-  <p:cSld name="simple-light-2">
+  <p:cSld name="material">
     <p:bg>
       <p:bgPr>
         <a:solidFill>
-          <a:schemeClr val="lt1"/>
+          <a:schemeClr val="dk1"/>
         </a:solidFill>
       </p:bgPr>
     </p:bg>
@@ -4607,8 +5843,8 @@
         </p:nvSpPr>
         <p:spPr>
           <a:xfrm>
-            <a:off x="311700" y="445025"/>
-            <a:ext cx="8520600" cy="572700"/>
+            <a:off x="471900" y="738725"/>
+            <a:ext cx="8222100" cy="767700"/>
           </a:xfrm>
           <a:prstGeom prst="rect">
             <a:avLst/>
@@ -4619,7 +5855,7 @@
           </a:ln>
         </p:spPr>
         <p:txBody>
-          <a:bodyPr anchorCtr="0" anchor="t" bIns="91425" lIns="91425" spcFirstLastPara="1" rIns="91425" wrap="square" tIns="91425">
+          <a:bodyPr anchorCtr="0" anchor="b" bIns="91425" lIns="91425" spcFirstLastPara="1" rIns="91425" wrap="square" tIns="91425">
             <a:noAutofit/>
           </a:bodyPr>
           <a:lstStyle>
@@ -4631,14 +5867,19 @@
                 <a:spcPts val="0"/>
               </a:spcAft>
               <a:buClr>
-                <a:schemeClr val="dk1"/>
+                <a:schemeClr val="lt1"/>
               </a:buClr>
-              <a:buSzPts val="2800"/>
-              <a:buNone/>
-              <a:defRPr sz="2800">
-                <a:solidFill>
-                  <a:schemeClr val="dk1"/>
-                </a:solidFill>
+              <a:buSzPts val="3200"/>
+              <a:buFont typeface="Roboto"/>
+              <a:buNone/>
+              <a:defRPr sz="3200">
+                <a:solidFill>
+                  <a:schemeClr val="lt1"/>
+                </a:solidFill>
+                <a:latin typeface="Roboto"/>
+                <a:ea typeface="Roboto"/>
+                <a:cs typeface="Roboto"/>
+                <a:sym typeface="Roboto"/>
               </a:defRPr>
             </a:lvl1pPr>
             <a:lvl2pPr lvl="1">
@@ -4649,14 +5890,19 @@
                 <a:spcPts val="0"/>
               </a:spcAft>
               <a:buClr>
-                <a:schemeClr val="dk1"/>
+                <a:schemeClr val="lt1"/>
               </a:buClr>
-              <a:buSzPts val="2800"/>
-              <a:buNone/>
-              <a:defRPr sz="2800">
-                <a:solidFill>
-                  <a:schemeClr val="dk1"/>
-                </a:solidFill>
+              <a:buSzPts val="3200"/>
+              <a:buFont typeface="Roboto"/>
+              <a:buNone/>
+              <a:defRPr sz="3200">
+                <a:solidFill>
+                  <a:schemeClr val="lt1"/>
+                </a:solidFill>
+                <a:latin typeface="Roboto"/>
+                <a:ea typeface="Roboto"/>
+                <a:cs typeface="Roboto"/>
+                <a:sym typeface="Roboto"/>
               </a:defRPr>
             </a:lvl2pPr>
             <a:lvl3pPr lvl="2">
@@ -4667,14 +5913,19 @@
                 <a:spcPts val="0"/>
               </a:spcAft>
               <a:buClr>
-                <a:schemeClr val="dk1"/>
+                <a:schemeClr val="lt1"/>
               </a:buClr>
-              <a:buSzPts val="2800"/>
-              <a:buNone/>
-              <a:defRPr sz="2800">
-                <a:solidFill>
-                  <a:schemeClr val="dk1"/>
-                </a:solidFill>
+              <a:buSzPts val="3200"/>
+              <a:buFont typeface="Roboto"/>
+              <a:buNone/>
+              <a:defRPr sz="3200">
+                <a:solidFill>
+                  <a:schemeClr val="lt1"/>
+                </a:solidFill>
+                <a:latin typeface="Roboto"/>
+                <a:ea typeface="Roboto"/>
+                <a:cs typeface="Roboto"/>
+                <a:sym typeface="Roboto"/>
               </a:defRPr>
             </a:lvl3pPr>
             <a:lvl4pPr lvl="3">
@@ -4685,14 +5936,19 @@
                 <a:spcPts val="0"/>
               </a:spcAft>
               <a:buClr>
-                <a:schemeClr val="dk1"/>
+                <a:schemeClr val="lt1"/>
               </a:buClr>
-              <a:buSzPts val="2800"/>
-              <a:buNone/>
-              <a:defRPr sz="2800">
-                <a:solidFill>
-                  <a:schemeClr val="dk1"/>
-                </a:solidFill>
+              <a:buSzPts val="3200"/>
+              <a:buFont typeface="Roboto"/>
+              <a:buNone/>
+              <a:defRPr sz="3200">
+                <a:solidFill>
+                  <a:schemeClr val="lt1"/>
+                </a:solidFill>
+                <a:latin typeface="Roboto"/>
+                <a:ea typeface="Roboto"/>
+                <a:cs typeface="Roboto"/>
+                <a:sym typeface="Roboto"/>
               </a:defRPr>
             </a:lvl4pPr>
             <a:lvl5pPr lvl="4">
@@ -4703,14 +5959,19 @@
                 <a:spcPts val="0"/>
               </a:spcAft>
               <a:buClr>
-                <a:schemeClr val="dk1"/>
+                <a:schemeClr val="lt1"/>
               </a:buClr>
-              <a:buSzPts val="2800"/>
-              <a:buNone/>
-              <a:defRPr sz="2800">
-                <a:solidFill>
-                  <a:schemeClr val="dk1"/>
-                </a:solidFill>
+              <a:buSzPts val="3200"/>
+              <a:buFont typeface="Roboto"/>
+              <a:buNone/>
+              <a:defRPr sz="3200">
+                <a:solidFill>
+                  <a:schemeClr val="lt1"/>
+                </a:solidFill>
+                <a:latin typeface="Roboto"/>
+                <a:ea typeface="Roboto"/>
+                <a:cs typeface="Roboto"/>
+                <a:sym typeface="Roboto"/>
               </a:defRPr>
             </a:lvl5pPr>
             <a:lvl6pPr lvl="5">
@@ -4721,14 +5982,19 @@
                 <a:spcPts val="0"/>
               </a:spcAft>
               <a:buClr>
-                <a:schemeClr val="dk1"/>
+                <a:schemeClr val="lt1"/>
               </a:buClr>
-              <a:buSzPts val="2800"/>
-              <a:buNone/>
-              <a:defRPr sz="2800">
-                <a:solidFill>
-                  <a:schemeClr val="dk1"/>
-                </a:solidFill>
+              <a:buSzPts val="3200"/>
+              <a:buFont typeface="Roboto"/>
+              <a:buNone/>
+              <a:defRPr sz="3200">
+                <a:solidFill>
+                  <a:schemeClr val="lt1"/>
+                </a:solidFill>
+                <a:latin typeface="Roboto"/>
+                <a:ea typeface="Roboto"/>
+                <a:cs typeface="Roboto"/>
+                <a:sym typeface="Roboto"/>
               </a:defRPr>
             </a:lvl6pPr>
             <a:lvl7pPr lvl="6">
@@ -4739,14 +6005,19 @@
                 <a:spcPts val="0"/>
               </a:spcAft>
               <a:buClr>
-                <a:schemeClr val="dk1"/>
+                <a:schemeClr val="lt1"/>
               </a:buClr>
-              <a:buSzPts val="2800"/>
-              <a:buNone/>
-              <a:defRPr sz="2800">
-                <a:solidFill>
-                  <a:schemeClr val="dk1"/>
-                </a:solidFill>
+              <a:buSzPts val="3200"/>
+              <a:buFont typeface="Roboto"/>
+              <a:buNone/>
+              <a:defRPr sz="3200">
+                <a:solidFill>
+                  <a:schemeClr val="lt1"/>
+                </a:solidFill>
+                <a:latin typeface="Roboto"/>
+                <a:ea typeface="Roboto"/>
+                <a:cs typeface="Roboto"/>
+                <a:sym typeface="Roboto"/>
               </a:defRPr>
             </a:lvl7pPr>
             <a:lvl8pPr lvl="7">
@@ -4757,14 +6028,19 @@
                 <a:spcPts val="0"/>
               </a:spcAft>
               <a:buClr>
-                <a:schemeClr val="dk1"/>
+                <a:schemeClr val="lt1"/>
               </a:buClr>
-              <a:buSzPts val="2800"/>
-              <a:buNone/>
-              <a:defRPr sz="2800">
-                <a:solidFill>
-                  <a:schemeClr val="dk1"/>
-                </a:solidFill>
+              <a:buSzPts val="3200"/>
+              <a:buFont typeface="Roboto"/>
+              <a:buNone/>
+              <a:defRPr sz="3200">
+                <a:solidFill>
+                  <a:schemeClr val="lt1"/>
+                </a:solidFill>
+                <a:latin typeface="Roboto"/>
+                <a:ea typeface="Roboto"/>
+                <a:cs typeface="Roboto"/>
+                <a:sym typeface="Roboto"/>
               </a:defRPr>
             </a:lvl8pPr>
             <a:lvl9pPr lvl="8">
@@ -4775,14 +6051,19 @@
                 <a:spcPts val="0"/>
               </a:spcAft>
               <a:buClr>
-                <a:schemeClr val="dk1"/>
+                <a:schemeClr val="lt1"/>
               </a:buClr>
-              <a:buSzPts val="2800"/>
-              <a:buNone/>
-              <a:defRPr sz="2800">
-                <a:solidFill>
-                  <a:schemeClr val="dk1"/>
-                </a:solidFill>
+              <a:buSzPts val="3200"/>
+              <a:buFont typeface="Roboto"/>
+              <a:buNone/>
+              <a:defRPr sz="3200">
+                <a:solidFill>
+                  <a:schemeClr val="lt1"/>
+                </a:solidFill>
+                <a:latin typeface="Roboto"/>
+                <a:ea typeface="Roboto"/>
+                <a:cs typeface="Roboto"/>
+                <a:sym typeface="Roboto"/>
               </a:defRPr>
             </a:lvl9pPr>
           </a:lstStyle>
@@ -4799,8 +6080,8 @@
         </p:nvSpPr>
         <p:spPr>
           <a:xfrm>
-            <a:off x="311700" y="1152475"/>
-            <a:ext cx="8520600" cy="3416400"/>
+            <a:off x="471900" y="1919075"/>
+            <a:ext cx="8222100" cy="2710200"/>
           </a:xfrm>
           <a:prstGeom prst="rect">
             <a:avLst/>
@@ -4826,14 +6107,19 @@
                 <a:spcPts val="0"/>
               </a:spcAft>
               <a:buClr>
-                <a:schemeClr val="dk2"/>
+                <a:schemeClr val="lt2"/>
               </a:buClr>
               <a:buSzPts val="1800"/>
+              <a:buFont typeface="Roboto"/>
               <a:buChar char="●"/>
               <a:defRPr sz="1800">
                 <a:solidFill>
-                  <a:schemeClr val="dk2"/>
-                </a:solidFill>
+                  <a:schemeClr val="lt2"/>
+                </a:solidFill>
+                <a:latin typeface="Roboto"/>
+                <a:ea typeface="Roboto"/>
+                <a:cs typeface="Roboto"/>
+                <a:sym typeface="Roboto"/>
               </a:defRPr>
             </a:lvl1pPr>
             <a:lvl2pPr indent="-317500" lvl="1" marL="914400">
@@ -4847,14 +6133,19 @@
                 <a:spcPts val="0"/>
               </a:spcAft>
               <a:buClr>
-                <a:schemeClr val="dk2"/>
+                <a:schemeClr val="lt2"/>
               </a:buClr>
               <a:buSzPts val="1400"/>
+              <a:buFont typeface="Roboto"/>
               <a:buChar char="○"/>
               <a:defRPr>
                 <a:solidFill>
-                  <a:schemeClr val="dk2"/>
-                </a:solidFill>
+                  <a:schemeClr val="lt2"/>
+                </a:solidFill>
+                <a:latin typeface="Roboto"/>
+                <a:ea typeface="Roboto"/>
+                <a:cs typeface="Roboto"/>
+                <a:sym typeface="Roboto"/>
               </a:defRPr>
             </a:lvl2pPr>
             <a:lvl3pPr indent="-317500" lvl="2" marL="1371600">
@@ -4868,14 +6159,19 @@
                 <a:spcPts val="0"/>
               </a:spcAft>
               <a:buClr>
-                <a:schemeClr val="dk2"/>
+                <a:schemeClr val="lt2"/>
               </a:buClr>
               <a:buSzPts val="1400"/>
+              <a:buFont typeface="Roboto"/>
               <a:buChar char="■"/>
               <a:defRPr>
                 <a:solidFill>
-                  <a:schemeClr val="dk2"/>
-                </a:solidFill>
+                  <a:schemeClr val="lt2"/>
+                </a:solidFill>
+                <a:latin typeface="Roboto"/>
+                <a:ea typeface="Roboto"/>
+                <a:cs typeface="Roboto"/>
+                <a:sym typeface="Roboto"/>
               </a:defRPr>
             </a:lvl3pPr>
             <a:lvl4pPr indent="-317500" lvl="3" marL="1828800">
@@ -4889,14 +6185,19 @@
                 <a:spcPts val="0"/>
               </a:spcAft>
               <a:buClr>
-                <a:schemeClr val="dk2"/>
+                <a:schemeClr val="lt2"/>
               </a:buClr>
               <a:buSzPts val="1400"/>
+              <a:buFont typeface="Roboto"/>
               <a:buChar char="●"/>
               <a:defRPr>
                 <a:solidFill>
-                  <a:schemeClr val="dk2"/>
-                </a:solidFill>
+                  <a:schemeClr val="lt2"/>
+                </a:solidFill>
+                <a:latin typeface="Roboto"/>
+                <a:ea typeface="Roboto"/>
+                <a:cs typeface="Roboto"/>
+                <a:sym typeface="Roboto"/>
               </a:defRPr>
             </a:lvl4pPr>
             <a:lvl5pPr indent="-317500" lvl="4" marL="2286000">
@@ -4910,14 +6211,19 @@
                 <a:spcPts val="0"/>
               </a:spcAft>
               <a:buClr>
-                <a:schemeClr val="dk2"/>
+                <a:schemeClr val="lt2"/>
               </a:buClr>
               <a:buSzPts val="1400"/>
+              <a:buFont typeface="Roboto"/>
               <a:buChar char="○"/>
               <a:defRPr>
                 <a:solidFill>
-                  <a:schemeClr val="dk2"/>
-                </a:solidFill>
+                  <a:schemeClr val="lt2"/>
+                </a:solidFill>
+                <a:latin typeface="Roboto"/>
+                <a:ea typeface="Roboto"/>
+                <a:cs typeface="Roboto"/>
+                <a:sym typeface="Roboto"/>
               </a:defRPr>
             </a:lvl5pPr>
             <a:lvl6pPr indent="-317500" lvl="5" marL="2743200">
@@ -4931,14 +6237,19 @@
                 <a:spcPts val="0"/>
               </a:spcAft>
               <a:buClr>
-                <a:schemeClr val="dk2"/>
+                <a:schemeClr val="lt2"/>
               </a:buClr>
               <a:buSzPts val="1400"/>
+              <a:buFont typeface="Roboto"/>
               <a:buChar char="■"/>
               <a:defRPr>
                 <a:solidFill>
-                  <a:schemeClr val="dk2"/>
-                </a:solidFill>
+                  <a:schemeClr val="lt2"/>
+                </a:solidFill>
+                <a:latin typeface="Roboto"/>
+                <a:ea typeface="Roboto"/>
+                <a:cs typeface="Roboto"/>
+                <a:sym typeface="Roboto"/>
               </a:defRPr>
             </a:lvl6pPr>
             <a:lvl7pPr indent="-317500" lvl="6" marL="3200400">
@@ -4952,14 +6263,19 @@
                 <a:spcPts val="0"/>
               </a:spcAft>
               <a:buClr>
-                <a:schemeClr val="dk2"/>
+                <a:schemeClr val="lt2"/>
               </a:buClr>
               <a:buSzPts val="1400"/>
+              <a:buFont typeface="Roboto"/>
               <a:buChar char="●"/>
               <a:defRPr>
                 <a:solidFill>
-                  <a:schemeClr val="dk2"/>
-                </a:solidFill>
+                  <a:schemeClr val="lt2"/>
+                </a:solidFill>
+                <a:latin typeface="Roboto"/>
+                <a:ea typeface="Roboto"/>
+                <a:cs typeface="Roboto"/>
+                <a:sym typeface="Roboto"/>
               </a:defRPr>
             </a:lvl7pPr>
             <a:lvl8pPr indent="-317500" lvl="7" marL="3657600">
@@ -4973,14 +6289,19 @@
                 <a:spcPts val="0"/>
               </a:spcAft>
               <a:buClr>
-                <a:schemeClr val="dk2"/>
+                <a:schemeClr val="lt2"/>
               </a:buClr>
               <a:buSzPts val="1400"/>
+              <a:buFont typeface="Roboto"/>
               <a:buChar char="○"/>
               <a:defRPr>
                 <a:solidFill>
-                  <a:schemeClr val="dk2"/>
-                </a:solidFill>
+                  <a:schemeClr val="lt2"/>
+                </a:solidFill>
+                <a:latin typeface="Roboto"/>
+                <a:ea typeface="Roboto"/>
+                <a:cs typeface="Roboto"/>
+                <a:sym typeface="Roboto"/>
               </a:defRPr>
             </a:lvl8pPr>
             <a:lvl9pPr indent="-317500" lvl="8" marL="4114800">
@@ -4994,14 +6315,19 @@
                 <a:spcPts val="1600"/>
               </a:spcAft>
               <a:buClr>
-                <a:schemeClr val="dk2"/>
+                <a:schemeClr val="lt2"/>
               </a:buClr>
               <a:buSzPts val="1400"/>
+              <a:buFont typeface="Roboto"/>
               <a:buChar char="■"/>
               <a:defRPr>
                 <a:solidFill>
-                  <a:schemeClr val="dk2"/>
-                </a:solidFill>
+                  <a:schemeClr val="lt2"/>
+                </a:solidFill>
+                <a:latin typeface="Roboto"/>
+                <a:ea typeface="Roboto"/>
+                <a:cs typeface="Roboto"/>
+                <a:sym typeface="Roboto"/>
               </a:defRPr>
             </a:lvl9pPr>
           </a:lstStyle>
@@ -5018,7 +6344,7 @@
         </p:nvSpPr>
         <p:spPr>
           <a:xfrm>
-            <a:off x="8472458" y="4663217"/>
+            <a:off x="8523541" y="4695623"/>
             <a:ext cx="548700" cy="393600"/>
           </a:xfrm>
           <a:prstGeom prst="rect">
@@ -5038,72 +6364,108 @@
               <a:buNone/>
               <a:defRPr sz="1000">
                 <a:solidFill>
-                  <a:schemeClr val="dk2"/>
-                </a:solidFill>
+                  <a:schemeClr val="lt2"/>
+                </a:solidFill>
+                <a:latin typeface="Roboto"/>
+                <a:ea typeface="Roboto"/>
+                <a:cs typeface="Roboto"/>
+                <a:sym typeface="Roboto"/>
               </a:defRPr>
             </a:lvl1pPr>
             <a:lvl2pPr lvl="1" algn="r">
               <a:buNone/>
               <a:defRPr sz="1000">
                 <a:solidFill>
-                  <a:schemeClr val="dk2"/>
-                </a:solidFill>
+                  <a:schemeClr val="lt2"/>
+                </a:solidFill>
+                <a:latin typeface="Roboto"/>
+                <a:ea typeface="Roboto"/>
+                <a:cs typeface="Roboto"/>
+                <a:sym typeface="Roboto"/>
               </a:defRPr>
             </a:lvl2pPr>
             <a:lvl3pPr lvl="2" algn="r">
               <a:buNone/>
               <a:defRPr sz="1000">
                 <a:solidFill>
-                  <a:schemeClr val="dk2"/>
-                </a:solidFill>
+                  <a:schemeClr val="lt2"/>
+                </a:solidFill>
+                <a:latin typeface="Roboto"/>
+                <a:ea typeface="Roboto"/>
+                <a:cs typeface="Roboto"/>
+                <a:sym typeface="Roboto"/>
               </a:defRPr>
             </a:lvl3pPr>
             <a:lvl4pPr lvl="3" algn="r">
               <a:buNone/>
               <a:defRPr sz="1000">
                 <a:solidFill>
-                  <a:schemeClr val="dk2"/>
-                </a:solidFill>
+                  <a:schemeClr val="lt2"/>
+                </a:solidFill>
+                <a:latin typeface="Roboto"/>
+                <a:ea typeface="Roboto"/>
+                <a:cs typeface="Roboto"/>
+                <a:sym typeface="Roboto"/>
               </a:defRPr>
             </a:lvl4pPr>
             <a:lvl5pPr lvl="4" algn="r">
               <a:buNone/>
               <a:defRPr sz="1000">
                 <a:solidFill>
-                  <a:schemeClr val="dk2"/>
-                </a:solidFill>
+                  <a:schemeClr val="lt2"/>
+                </a:solidFill>
+                <a:latin typeface="Roboto"/>
+                <a:ea typeface="Roboto"/>
+                <a:cs typeface="Roboto"/>
+                <a:sym typeface="Roboto"/>
               </a:defRPr>
             </a:lvl5pPr>
             <a:lvl6pPr lvl="5" algn="r">
               <a:buNone/>
               <a:defRPr sz="1000">
                 <a:solidFill>
-                  <a:schemeClr val="dk2"/>
-                </a:solidFill>
+                  <a:schemeClr val="lt2"/>
+                </a:solidFill>
+                <a:latin typeface="Roboto"/>
+                <a:ea typeface="Roboto"/>
+                <a:cs typeface="Roboto"/>
+                <a:sym typeface="Roboto"/>
               </a:defRPr>
             </a:lvl6pPr>
             <a:lvl7pPr lvl="6" algn="r">
               <a:buNone/>
               <a:defRPr sz="1000">
                 <a:solidFill>
-                  <a:schemeClr val="dk2"/>
-                </a:solidFill>
+                  <a:schemeClr val="lt2"/>
+                </a:solidFill>
+                <a:latin typeface="Roboto"/>
+                <a:ea typeface="Roboto"/>
+                <a:cs typeface="Roboto"/>
+                <a:sym typeface="Roboto"/>
               </a:defRPr>
             </a:lvl7pPr>
             <a:lvl8pPr lvl="7" algn="r">
               <a:buNone/>
               <a:defRPr sz="1000">
                 <a:solidFill>
-                  <a:schemeClr val="dk2"/>
-                </a:solidFill>
+                  <a:schemeClr val="lt2"/>
+                </a:solidFill>
+                <a:latin typeface="Roboto"/>
+                <a:ea typeface="Roboto"/>
+                <a:cs typeface="Roboto"/>
+                <a:sym typeface="Roboto"/>
               </a:defRPr>
             </a:lvl8pPr>
             <a:lvl9pPr lvl="8" algn="r">
               <a:buNone/>
               <a:defRPr sz="1000">
                 <a:solidFill>
-                  <a:schemeClr val="dk2"/>
-                </a:solidFill>
+                  <a:schemeClr val="lt2"/>
+                </a:solidFill>
+                <a:latin typeface="Roboto"/>
+                <a:ea typeface="Roboto"/>
+                <a:cs typeface="Roboto"/>
+                <a:sym typeface="Roboto"/>
               </a:defRPr>
             </a:lvl9pPr>
           </a:lstStyle>
@@ -5839,7 +7201,7 @@
   <p:cSld>
     <p:spTree>
       <p:nvGrpSpPr>
-        <p:cNvPr id="53" name="Shape 53"/>
+        <p:cNvPr id="66" name="Shape 66"/>
         <p:cNvGrpSpPr/>
         <p:nvPr/>
       </p:nvGrpSpPr>
@@ -5853,7 +7215,7 @@
       </p:grpSpPr>
       <p:sp>
         <p:nvSpPr>
-          <p:cNvPr id="54" name="Google Shape;54;p13"/>
+          <p:cNvPr id="67" name="Google Shape;67;p13"/>
           <p:cNvSpPr txBox="1"/>
           <p:nvPr>
             <p:ph type="ctrTitle"/>
@@ -5874,7 +7236,7 @@
           </a:bodyPr>
           <a:lstStyle/>
           <a:p>
-            <a:pPr indent="0" lvl="0" marL="0" rtl="0" algn="ctr">
+            <a:pPr indent="0" lvl="0" marL="0" rtl="0" algn="l">
               <a:spcBef>
                 <a:spcPts val="0"/>
               </a:spcBef>
@@ -5889,7 +7251,7 @@
             <a:endParaRPr/>
           </a:p>
           <a:p>
-            <a:pPr indent="0" lvl="0" marL="0" rtl="0" algn="ctr">
+            <a:pPr indent="0" lvl="0" marL="0" rtl="0" algn="l">
               <a:spcBef>
                 <a:spcPts val="0"/>
               </a:spcBef>
@@ -5904,7 +7266,7 @@
             <a:endParaRPr/>
           </a:p>
           <a:p>
-            <a:pPr indent="0" lvl="0" marL="0" rtl="0" algn="ctr">
+            <a:pPr indent="0" lvl="0" marL="0" rtl="0" algn="l">
               <a:spcBef>
                 <a:spcPts val="0"/>
               </a:spcBef>
@@ -5949,7 +7311,7 @@
   <p:cSld>
     <p:spTree>
       <p:nvGrpSpPr>
-        <p:cNvPr id="58" name="Shape 58"/>
+        <p:cNvPr id="71" name="Shape 71"/>
         <p:cNvGrpSpPr/>
         <p:nvPr/>
       </p:nvGrpSpPr>
@@ -5963,7 +7325,7 @@
       </p:grpSpPr>
       <p:sp>
         <p:nvSpPr>
-          <p:cNvPr id="59" name="Google Shape;59;p14"/>
+          <p:cNvPr id="72" name="Google Shape;72;p14"/>
           <p:cNvSpPr txBox="1"/>
           <p:nvPr>
             <p:ph idx="1" type="body"/>
@@ -5971,8 +7333,8 @@
         </p:nvSpPr>
         <p:spPr>
           <a:xfrm>
-            <a:off x="311700" y="1152475"/>
-            <a:ext cx="8520600" cy="3416400"/>
+            <a:off x="471900" y="1919075"/>
+            <a:ext cx="8222100" cy="2710200"/>
           </a:xfrm>
           <a:prstGeom prst="rect">
             <a:avLst/>
@@ -6065,7 +7427,7 @@
   <p:cSld>
     <p:spTree>
       <p:nvGrpSpPr>
-        <p:cNvPr id="63" name="Shape 63"/>
+        <p:cNvPr id="76" name="Shape 76"/>
         <p:cNvGrpSpPr/>
         <p:nvPr/>
       </p:nvGrpSpPr>
@@ -6079,7 +7441,7 @@
       </p:grpSpPr>
       <p:pic>
         <p:nvPicPr>
-          <p:cNvPr id="64" name="Google Shape;64;p15"/>
+          <p:cNvPr id="77" name="Google Shape;77;p15"/>
           <p:cNvPicPr preferRelativeResize="0"/>
           <p:nvPr/>
         </p:nvPicPr>
@@ -6093,8 +7455,8 @@
         </p:blipFill>
         <p:spPr>
           <a:xfrm>
-            <a:off x="122025" y="1687700"/>
-            <a:ext cx="4298174" cy="3355348"/>
+            <a:off x="122025" y="1737950"/>
+            <a:ext cx="4298174" cy="3305099"/>
           </a:xfrm>
           <a:prstGeom prst="rect">
             <a:avLst/>
@@ -6107,7 +7469,7 @@
       </p:pic>
       <p:pic>
         <p:nvPicPr>
-          <p:cNvPr id="65" name="Google Shape;65;p15"/>
+          <p:cNvPr id="78" name="Google Shape;78;p15"/>
           <p:cNvPicPr preferRelativeResize="0"/>
           <p:nvPr/>
         </p:nvPicPr>
@@ -6121,8 +7483,8 @@
         </p:blipFill>
         <p:spPr>
           <a:xfrm>
-            <a:off x="4512325" y="1687700"/>
-            <a:ext cx="4419000" cy="3355350"/>
+            <a:off x="4512325" y="1788175"/>
+            <a:ext cx="4419000" cy="3254874"/>
           </a:xfrm>
           <a:prstGeom prst="rect">
             <a:avLst/>
@@ -6135,7 +7497,7 @@
       </p:pic>
       <p:sp>
         <p:nvSpPr>
-          <p:cNvPr id="66" name="Google Shape;66;p15"/>
+          <p:cNvPr id="79" name="Google Shape;79;p15"/>
           <p:cNvSpPr txBox="1"/>
           <p:nvPr/>
         </p:nvSpPr>
@@ -6168,10 +7530,18 @@
               <a:buNone/>
             </a:pPr>
             <a:r>
-              <a:rPr lang="en"/>
+              <a:rPr lang="en" sz="1800">
+                <a:solidFill>
+                  <a:srgbClr val="FFFFFF"/>
+                </a:solidFill>
+              </a:rPr>
               <a:t>Here are two example images from the dataset, obtained from kaggle. Left is a non-pneumonic patient and right is pneumonic. Differentiating these by eye is impossible for me as someone completely untrained in medicine. Fortunately, the dataset is pre-labeled.</a:t>
             </a:r>
-            <a:endParaRPr/>
+            <a:endParaRPr sz="1800">
+              <a:solidFill>
+                <a:srgbClr val="FFFFFF"/>
+              </a:solidFill>
+            </a:endParaRPr>
           </a:p>
         </p:txBody>
       </p:sp>
@@ -6188,7 +7558,7 @@
   <p:cSld>
     <p:spTree>
       <p:nvGrpSpPr>
-        <p:cNvPr id="70" name="Shape 70"/>
+        <p:cNvPr id="83" name="Shape 83"/>
         <p:cNvGrpSpPr/>
         <p:nvPr/>
       </p:nvGrpSpPr>
@@ -6202,7 +7572,7 @@
       </p:grpSpPr>
       <p:sp>
         <p:nvSpPr>
-          <p:cNvPr id="71" name="Google Shape;71;p16"/>
+          <p:cNvPr id="84" name="Google Shape;84;p16"/>
           <p:cNvSpPr txBox="1"/>
           <p:nvPr>
             <p:ph type="title"/>
@@ -6210,8 +7580,48 @@
         </p:nvSpPr>
         <p:spPr>
           <a:xfrm>
-            <a:off x="311700" y="445025"/>
-            <a:ext cx="8520600" cy="572700"/>
+            <a:off x="471900" y="738725"/>
+            <a:ext cx="8222100" cy="767700"/>
+          </a:xfrm>
+          <a:prstGeom prst="rect">
+            <a:avLst/>
+          </a:prstGeom>
+        </p:spPr>
+        <p:txBody>
+          <a:bodyPr anchorCtr="0" anchor="b" bIns="91425" lIns="91425" spcFirstLastPara="1" rIns="91425" wrap="square" tIns="91425">
+            <a:noAutofit/>
+          </a:bodyPr>
+          <a:lstStyle/>
+          <a:p>
+            <a:pPr indent="0" lvl="0" marL="0" rtl="0" algn="l">
+              <a:spcBef>
+                <a:spcPts val="0"/>
+              </a:spcBef>
+              <a:spcAft>
+                <a:spcPts val="0"/>
+              </a:spcAft>
+              <a:buNone/>
+            </a:pPr>
+            <a:r>
+              <a:rPr lang="en"/>
+              <a:t>Convolutional Neural Network</a:t>
+            </a:r>
+            <a:endParaRPr/>
+          </a:p>
+        </p:txBody>
+      </p:sp>
+      <p:sp>
+        <p:nvSpPr>
+          <p:cNvPr id="85" name="Google Shape;85;p16"/>
+          <p:cNvSpPr txBox="1"/>
+          <p:nvPr>
+            <p:ph idx="1" type="body"/>
+          </p:nvPr>
+        </p:nvSpPr>
+        <p:spPr>
+          <a:xfrm>
+            <a:off x="471900" y="1919075"/>
+            <a:ext cx="8222100" cy="2710200"/>
           </a:xfrm>
           <a:prstGeom prst="rect">
             <a:avLst/>
@@ -6228,46 +7638,6 @@
                 <a:spcPts val="0"/>
               </a:spcBef>
               <a:spcAft>
-                <a:spcPts val="0"/>
-              </a:spcAft>
-              <a:buNone/>
-            </a:pPr>
-            <a:r>
-              <a:rPr lang="en"/>
-              <a:t>Convolutional Neural Network</a:t>
-            </a:r>
-            <a:endParaRPr/>
-          </a:p>
-        </p:txBody>
-      </p:sp>
-      <p:sp>
-        <p:nvSpPr>
-          <p:cNvPr id="72" name="Google Shape;72;p16"/>
-          <p:cNvSpPr txBox="1"/>
-          <p:nvPr>
-            <p:ph idx="1" type="body"/>
-          </p:nvPr>
-        </p:nvSpPr>
-        <p:spPr>
-          <a:xfrm>
-            <a:off x="311700" y="1152475"/>
-            <a:ext cx="8520600" cy="3416400"/>
-          </a:xfrm>
-          <a:prstGeom prst="rect">
-            <a:avLst/>
-          </a:prstGeom>
-        </p:spPr>
-        <p:txBody>
-          <a:bodyPr anchorCtr="0" anchor="t" bIns="91425" lIns="91425" spcFirstLastPara="1" rIns="91425" wrap="square" tIns="91425">
-            <a:noAutofit/>
-          </a:bodyPr>
-          <a:lstStyle/>
-          <a:p>
-            <a:pPr indent="0" lvl="0" marL="0" rtl="0" algn="l">
-              <a:spcBef>
-                <a:spcPts val="0"/>
-              </a:spcBef>
-              <a:spcAft>
                 <a:spcPts val="1600"/>
               </a:spcAft>
               <a:buNone/>
@@ -6275,12 +7645,16 @@
             <a:r>
               <a:rPr lang="en" sz="2800">
                 <a:solidFill>
-                  <a:schemeClr val="dk1"/>
+                  <a:srgbClr val="000000"/>
                 </a:solidFill>
               </a:rPr>
               <a:t>The CNN I built consisted of six layers. The first convolutional, the second a flattening layer and the rest dense ReLu activation layers with teh final one being a single node as this is a binary classifcation problem.</a:t>
             </a:r>
-            <a:endParaRPr/>
+            <a:endParaRPr>
+              <a:solidFill>
+                <a:srgbClr val="000000"/>
+              </a:solidFill>
+            </a:endParaRPr>
           </a:p>
         </p:txBody>
       </p:sp>
@@ -6297,7 +7671,7 @@
   <p:cSld>
     <p:spTree>
       <p:nvGrpSpPr>
-        <p:cNvPr id="76" name="Shape 76"/>
+        <p:cNvPr id="89" name="Shape 89"/>
         <p:cNvGrpSpPr/>
         <p:nvPr/>
       </p:nvGrpSpPr>
@@ -6311,7 +7685,7 @@
       </p:grpSpPr>
       <p:sp>
         <p:nvSpPr>
-          <p:cNvPr id="77" name="Google Shape;77;p17"/>
+          <p:cNvPr id="90" name="Google Shape;90;p17"/>
           <p:cNvSpPr txBox="1"/>
           <p:nvPr>
             <p:ph type="title"/>
@@ -6319,8 +7693,48 @@
         </p:nvSpPr>
         <p:spPr>
           <a:xfrm>
-            <a:off x="311700" y="445025"/>
-            <a:ext cx="8520600" cy="572700"/>
+            <a:off x="471900" y="738725"/>
+            <a:ext cx="8222100" cy="767700"/>
+          </a:xfrm>
+          <a:prstGeom prst="rect">
+            <a:avLst/>
+          </a:prstGeom>
+        </p:spPr>
+        <p:txBody>
+          <a:bodyPr anchorCtr="0" anchor="b" bIns="91425" lIns="91425" spcFirstLastPara="1" rIns="91425" wrap="square" tIns="91425">
+            <a:noAutofit/>
+          </a:bodyPr>
+          <a:lstStyle/>
+          <a:p>
+            <a:pPr indent="0" lvl="0" marL="0" rtl="0" algn="l">
+              <a:spcBef>
+                <a:spcPts val="0"/>
+              </a:spcBef>
+              <a:spcAft>
+                <a:spcPts val="0"/>
+              </a:spcAft>
+              <a:buNone/>
+            </a:pPr>
+            <a:r>
+              <a:rPr lang="en"/>
+              <a:t>Results and Conclusion</a:t>
+            </a:r>
+            <a:endParaRPr/>
+          </a:p>
+        </p:txBody>
+      </p:sp>
+      <p:sp>
+        <p:nvSpPr>
+          <p:cNvPr id="91" name="Google Shape;91;p17"/>
+          <p:cNvSpPr txBox="1"/>
+          <p:nvPr>
+            <p:ph idx="1" type="body"/>
+          </p:nvPr>
+        </p:nvSpPr>
+        <p:spPr>
+          <a:xfrm>
+            <a:off x="471900" y="1919075"/>
+            <a:ext cx="8222100" cy="2710200"/>
           </a:xfrm>
           <a:prstGeom prst="rect">
             <a:avLst/>
@@ -6342,8 +7756,121 @@
               <a:buNone/>
             </a:pPr>
             <a:r>
+              <a:rPr lang="en">
+                <a:solidFill>
+                  <a:srgbClr val="000000"/>
+                </a:solidFill>
+              </a:rPr>
+              <a:t>After iterating over 10 epochs in training and validation, the weights from the best performing epoch were used in on the testing data. The accuracy on the test data was 83%. I believe that this is satisfactory given the limitations, although high level </a:t>
+            </a:r>
+            <a:r>
+              <a:rPr lang="en">
+                <a:solidFill>
+                  <a:srgbClr val="000000"/>
+                </a:solidFill>
+              </a:rPr>
+              <a:t>professional</a:t>
+            </a:r>
+            <a:r>
+              <a:rPr lang="en">
+                <a:solidFill>
+                  <a:srgbClr val="000000"/>
+                </a:solidFill>
+              </a:rPr>
+              <a:t> models trained on much larger datasets have accuracies of approximately 99% on similar classification problems.</a:t>
+            </a:r>
+            <a:endParaRPr>
+              <a:solidFill>
+                <a:srgbClr val="000000"/>
+              </a:solidFill>
+            </a:endParaRPr>
+          </a:p>
+          <a:p>
+            <a:pPr indent="0" lvl="0" marL="0" rtl="0" algn="l">
+              <a:spcBef>
+                <a:spcPts val="1600"/>
+              </a:spcBef>
+              <a:spcAft>
+                <a:spcPts val="1600"/>
+              </a:spcAft>
+              <a:buNone/>
+            </a:pPr>
+            <a:r>
+              <a:rPr lang="en">
+                <a:solidFill>
+                  <a:srgbClr val="000000"/>
+                </a:solidFill>
+              </a:rPr>
+              <a:t>The main limiting factor was available RAM. This limited the size of the convoluted images and thus resolution, losing details early on.</a:t>
+            </a:r>
+            <a:endParaRPr>
+              <a:solidFill>
+                <a:srgbClr val="000000"/>
+              </a:solidFill>
+            </a:endParaRPr>
+          </a:p>
+        </p:txBody>
+      </p:sp>
+    </p:spTree>
+  </p:cSld>
+  <p:clrMapOvr>
+    <a:masterClrMapping/>
+  </p:clrMapOvr>
+</p:sld>
+</file>
+
+<file path=ppt/slides/slide6.xml><?xml version="1.0" encoding="utf-8"?>
+<p:sld xmlns:a="http://schemas.openxmlformats.org/drawingml/2006/main" xmlns:r="http://schemas.openxmlformats.org/officeDocument/2006/relationships" xmlns:mc="http://schemas.openxmlformats.org/markup-compatibility/2006" xmlns:mv="urn:schemas-microsoft-com:mac:vml" xmlns:p="http://schemas.openxmlformats.org/presentationml/2006/main" xmlns:c="http://schemas.openxmlformats.org/drawingml/2006/chart" xmlns:dgm="http://schemas.openxmlformats.org/drawingml/2006/diagram" xmlns:o="urn:schemas-microsoft-com:office:office" xmlns:v="urn:schemas-microsoft-com:vml" xmlns:pvml="urn:schemas-microsoft-com:office:powerpoint" xmlns:com="http://schemas.openxmlformats.org/drawingml/2006/compatibility" xmlns:p14="http://schemas.microsoft.com/office/powerpoint/2010/main" xmlns:p15="http://schemas.microsoft.com/office/powerpoint/2012/main">
+  <p:cSld>
+    <p:spTree>
+      <p:nvGrpSpPr>
+        <p:cNvPr id="95" name="Shape 95"/>
+        <p:cNvGrpSpPr/>
+        <p:nvPr/>
+      </p:nvGrpSpPr>
+      <p:grpSpPr>
+        <a:xfrm>
+          <a:off x="0" y="0"/>
+          <a:ext cx="0" cy="0"/>
+          <a:chOff x="0" y="0"/>
+          <a:chExt cx="0" cy="0"/>
+        </a:xfrm>
+      </p:grpSpPr>
+      <p:sp>
+        <p:nvSpPr>
+          <p:cNvPr id="96" name="Google Shape;96;p18"/>
+          <p:cNvSpPr txBox="1"/>
+          <p:nvPr>
+            <p:ph type="title"/>
+          </p:nvPr>
+        </p:nvSpPr>
+        <p:spPr>
+          <a:xfrm>
+            <a:off x="471900" y="738725"/>
+            <a:ext cx="8222100" cy="767700"/>
+          </a:xfrm>
+          <a:prstGeom prst="rect">
+            <a:avLst/>
+          </a:prstGeom>
+        </p:spPr>
+        <p:txBody>
+          <a:bodyPr anchorCtr="0" anchor="b" bIns="91425" lIns="91425" spcFirstLastPara="1" rIns="91425" wrap="square" tIns="91425">
+            <a:noAutofit/>
+          </a:bodyPr>
+          <a:lstStyle/>
+          <a:p>
+            <a:pPr indent="0" lvl="0" marL="0" rtl="0" algn="l">
+              <a:spcBef>
+                <a:spcPts val="0"/>
+              </a:spcBef>
+              <a:spcAft>
+                <a:spcPts val="0"/>
+              </a:spcAft>
+              <a:buNone/>
+            </a:pPr>
+            <a:r>
               <a:rPr lang="en"/>
-              <a:t>Results and Conclusion</a:t>
+              <a:t>Improving the Model and Future Works</a:t>
             </a:r>
             <a:endParaRPr/>
           </a:p>
@@ -6351,7 +7878,7 @@
       </p:sp>
       <p:sp>
         <p:nvSpPr>
-          <p:cNvPr id="78" name="Google Shape;78;p17"/>
+          <p:cNvPr id="97" name="Google Shape;97;p18"/>
           <p:cNvSpPr txBox="1"/>
           <p:nvPr>
             <p:ph idx="1" type="body"/>
@@ -6359,8 +7886,8 @@
         </p:nvSpPr>
         <p:spPr>
           <a:xfrm>
-            <a:off x="311700" y="1152475"/>
-            <a:ext cx="8520600" cy="3416400"/>
+            <a:off x="471900" y="1919075"/>
+            <a:ext cx="8222100" cy="2710200"/>
           </a:xfrm>
           <a:prstGeom prst="rect">
             <a:avLst/>
@@ -6372,9 +7899,9 @@
           </a:bodyPr>
           <a:lstStyle/>
           <a:p>
-            <a:pPr indent="0" lvl="0" marL="0" rtl="0" algn="l">
-              <a:spcBef>
-                <a:spcPts val="0"/>
+            <a:pPr indent="0" lvl="0" marL="0" rtl="0" algn="just">
+              <a:spcBef>
+                <a:spcPts val="1100"/>
               </a:spcBef>
               <a:spcAft>
                 <a:spcPts val="0"/>
@@ -6382,23 +7909,37 @@
               <a:buNone/>
             </a:pPr>
             <a:r>
-              <a:rPr lang="en"/>
-              <a:t>After iterating over 10 epochs in training and validation, the weights from the best performing epoch were used in on the testing data. The accuracy on the test data was 83%. I believe that this is satisfactory given the limitations, although high level </a:t>
+              <a:rPr lang="en">
+                <a:solidFill>
+                  <a:srgbClr val="000000"/>
+                </a:solidFill>
+                <a:highlight>
+                  <a:srgbClr val="FFFFFF"/>
+                </a:highlight>
+                <a:latin typeface="Arial"/>
+                <a:ea typeface="Arial"/>
+                <a:cs typeface="Arial"/>
+                <a:sym typeface="Arial"/>
+              </a:rPr>
+              <a:t>The model overfits, to improve is this in future two things to try to use are regularization and dropouts. Systematic hyper-parameter optimization could also be done, with the hyper-parameters being earning rate, Number of epochs, Batch size and Weight initialization. Finally, using image interpolation techniques could be used to enlarge smaller images so that the standard image size input into the model can be bigger.</a:t>
             </a:r>
-            <a:r>
-              <a:rPr lang="en"/>
-              <a:t>professional</a:t>
-            </a:r>
-            <a:r>
-              <a:rPr lang="en"/>
-              <a:t> models trained on much larger datasets have accuracies of approximately 99% on similar classification problems.</a:t>
-            </a:r>
-            <a:endParaRPr/>
+            <a:endParaRPr>
+              <a:solidFill>
+                <a:srgbClr val="000000"/>
+              </a:solidFill>
+              <a:highlight>
+                <a:srgbClr val="FFFFFF"/>
+              </a:highlight>
+              <a:latin typeface="Arial"/>
+              <a:ea typeface="Arial"/>
+              <a:cs typeface="Arial"/>
+              <a:sym typeface="Arial"/>
+            </a:endParaRPr>
           </a:p>
           <a:p>
             <a:pPr indent="0" lvl="0" marL="0" rtl="0" algn="l">
               <a:spcBef>
-                <a:spcPts val="1600"/>
+                <a:spcPts val="0"/>
               </a:spcBef>
               <a:spcAft>
                 <a:spcPts val="1600"/>
@@ -6406,8 +7947,7 @@
               <a:buNone/>
             </a:pPr>
             <a:r>
-              <a:rPr lang="en"/>
-              <a:t>The main limiting factor was available RAM. This limited the size of the convoluted images and thus resolution, losing details early on.</a:t>
+              <a:t/>
             </a:r>
             <a:endParaRPr/>
           </a:p>
@@ -6422,6 +7962,285 @@
 </file>
 
 <file path=ppt/theme/theme1.xml><?xml version="1.0" encoding="utf-8"?>
+<a:theme xmlns:a="http://schemas.openxmlformats.org/drawingml/2006/main" xmlns:r="http://schemas.openxmlformats.org/officeDocument/2006/relationships" name="Material">
+  <a:themeElements>
+    <a:clrScheme name="Material">
+      <a:dk1>
+        <a:srgbClr val="4285F4"/>
+      </a:dk1>
+      <a:lt1>
+        <a:srgbClr val="FFFFFF"/>
+      </a:lt1>
+      <a:dk2>
+        <a:srgbClr val="424242"/>
+      </a:dk2>
+      <a:lt2>
+        <a:srgbClr val="737373"/>
+      </a:lt2>
+      <a:accent1>
+        <a:srgbClr val="0277BD"/>
+      </a:accent1>
+      <a:accent2>
+        <a:srgbClr val="0F9D58"/>
+      </a:accent2>
+      <a:accent3>
+        <a:srgbClr val="DB4437"/>
+      </a:accent3>
+      <a:accent4>
+        <a:srgbClr val="FAFAFA"/>
+      </a:accent4>
+      <a:accent5>
+        <a:srgbClr val="4FC3F7"/>
+      </a:accent5>
+      <a:accent6>
+        <a:srgbClr val="F4B400"/>
+      </a:accent6>
+      <a:hlink>
+        <a:srgbClr val="4FC3F7"/>
+      </a:hlink>
+      <a:folHlink>
+        <a:srgbClr val="4FC3F7"/>
+      </a:folHlink>
+    </a:clrScheme>
+    <a:fontScheme name="Office">
+      <a:majorFont>
+        <a:latin typeface="Arial"/>
+        <a:ea typeface=""/>
+        <a:cs typeface=""/>
+        <a:font script="Jpan" typeface="ＭＳ Ｐゴシック"/>
+        <a:font script="Hang" typeface="맑은 고딕"/>
+        <a:font script="Hans" typeface="宋体"/>
+        <a:font script="Hant" typeface="新細明體"/>
+        <a:font script="Arab" typeface="Times New Roman"/>
+        <a:font script="Hebr" typeface="Times New Roman"/>
+        <a:font script="Thai" typeface="Angsana New"/>
+        <a:font script="Ethi" typeface="Nyala"/>
+        <a:font script="Beng" typeface="Vrinda"/>
+        <a:font script="Gujr" typeface="Shruti"/>
+        <a:font script="Khmr" typeface="MoolBoran"/>
+        <a:font script="Knda" typeface="Tunga"/>
+        <a:font script="Guru" typeface="Raavi"/>
+        <a:font script="Cans" typeface="Euphemia"/>
+        <a:font script="Cher" typeface="Plantagenet Cherokee"/>
+        <a:font script="Yiii" typeface="Microsoft Yi Baiti"/>
+        <a:font script="Tibt" typeface="Microsoft Himalaya"/>
+        <a:font script="Thaa" typeface="MV Boli"/>
+        <a:font script="Deva" typeface="Mangal"/>
+        <a:font script="Telu" typeface="Gautami"/>
+        <a:font script="Taml" typeface="Latha"/>
+        <a:font script="Syrc" typeface="Estrangelo Edessa"/>
+        <a:font script="Orya" typeface="Kalinga"/>
+        <a:font script="Mlym" typeface="Kartika"/>
+        <a:font script="Laoo" typeface="DokChampa"/>
+        <a:font script="Sinh" typeface="Iskoola Pota"/>
+        <a:font script="Mong" typeface="Mongolian Baiti"/>
+        <a:font script="Viet" typeface="Times New Roman"/>
+        <a:font script="Uigh" typeface="Microsoft Uighur"/>
+        <a:font script="Geor" typeface="Sylfaen"/>
+      </a:majorFont>
+      <a:minorFont>
+        <a:latin typeface="Arial"/>
+        <a:ea typeface=""/>
+        <a:cs typeface=""/>
+        <a:font script="Jpan" typeface="ＭＳ Ｐゴシック"/>
+        <a:font script="Hang" typeface="맑은 고딕"/>
+        <a:font script="Hans" typeface="宋体"/>
+        <a:font script="Hant" typeface="新細明體"/>
+        <a:font script="Arab" typeface="Arial"/>
+        <a:font script="Hebr" typeface="Arial"/>
+        <a:font script="Thai" typeface="Cordia New"/>
+        <a:font script="Ethi" typeface="Nyala"/>
+        <a:font script="Beng" typeface="Vrinda"/>
+        <a:font script="Gujr" typeface="Shruti"/>
+        <a:font script="Khmr" typeface="DaunPenh"/>
+        <a:font script="Knda" typeface="Tunga"/>
+        <a:font script="Guru" typeface="Raavi"/>
+        <a:font script="Cans" typeface="Euphemia"/>
+        <a:font script="Cher" typeface="Plantagenet Cherokee"/>
+        <a:font script="Yiii" typeface="Microsoft Yi Baiti"/>
+        <a:font script="Tibt" typeface="Microsoft Himalaya"/>
+        <a:font script="Thaa" typeface="MV Boli"/>
+        <a:font script="Deva" typeface="Mangal"/>
+        <a:font script="Telu" typeface="Gautami"/>
+        <a:font script="Taml" typeface="Latha"/>
+        <a:font script="Syrc" typeface="Estrangelo Edessa"/>
+        <a:font script="Orya" typeface="Kalinga"/>
+        <a:font script="Mlym" typeface="Kartika"/>
+        <a:font script="Laoo" typeface="DokChampa"/>
+        <a:font script="Sinh" typeface="Iskoola Pota"/>
+        <a:font script="Mong" typeface="Mongolian Baiti"/>
+        <a:font script="Viet" typeface="Arial"/>
+        <a:font script="Uigh" typeface="Microsoft Uighur"/>
+        <a:font script="Geor" typeface="Sylfaen"/>
+      </a:minorFont>
+    </a:fontScheme>
+    <a:fmtScheme name="Office">
+      <a:fillStyleLst>
+        <a:solidFill>
+          <a:schemeClr val="phClr"/>
+        </a:solidFill>
+        <a:gradFill rotWithShape="1">
+          <a:gsLst>
+            <a:gs pos="0">
+              <a:schemeClr val="phClr">
+                <a:tint val="50000"/>
+                <a:satMod val="300000"/>
+              </a:schemeClr>
+            </a:gs>
+            <a:gs pos="35000">
+              <a:schemeClr val="phClr">
+                <a:tint val="37000"/>
+                <a:satMod val="300000"/>
+              </a:schemeClr>
+            </a:gs>
+            <a:gs pos="100000">
+              <a:schemeClr val="phClr">
+                <a:tint val="15000"/>
+                <a:satMod val="350000"/>
+              </a:schemeClr>
+            </a:gs>
+          </a:gsLst>
+          <a:lin ang="16200000" scaled="1"/>
+        </a:gradFill>
+        <a:gradFill rotWithShape="1">
+          <a:gsLst>
+            <a:gs pos="0">
+              <a:schemeClr val="phClr">
+                <a:tint val="100000"/>
+                <a:shade val="100000"/>
+                <a:satMod val="130000"/>
+              </a:schemeClr>
+            </a:gs>
+            <a:gs pos="100000">
+              <a:schemeClr val="phClr">
+                <a:tint val="50000"/>
+                <a:shade val="100000"/>
+                <a:satMod val="350000"/>
+              </a:schemeClr>
+            </a:gs>
+          </a:gsLst>
+          <a:lin ang="16200000" scaled="0"/>
+        </a:gradFill>
+      </a:fillStyleLst>
+      <a:lnStyleLst>
+        <a:ln w="9525" cap="flat" cmpd="sng" algn="ctr">
+          <a:solidFill>
+            <a:schemeClr val="phClr">
+              <a:shade val="95000"/>
+              <a:satMod val="105000"/>
+            </a:schemeClr>
+          </a:solidFill>
+          <a:prstDash val="solid"/>
+        </a:ln>
+        <a:ln w="25400" cap="flat" cmpd="sng" algn="ctr">
+          <a:solidFill>
+            <a:schemeClr val="phClr"/>
+          </a:solidFill>
+          <a:prstDash val="solid"/>
+        </a:ln>
+        <a:ln w="38100" cap="flat" cmpd="sng" algn="ctr">
+          <a:solidFill>
+            <a:schemeClr val="phClr"/>
+          </a:solidFill>
+          <a:prstDash val="solid"/>
+        </a:ln>
+      </a:lnStyleLst>
+      <a:effectStyleLst>
+        <a:effectStyle>
+          <a:effectLst>
+            <a:outerShdw blurRad="40000" dist="20000" dir="5400000" rotWithShape="0">
+              <a:srgbClr val="000000">
+                <a:alpha val="38000"/>
+              </a:srgbClr>
+            </a:outerShdw>
+          </a:effectLst>
+        </a:effectStyle>
+        <a:effectStyle>
+          <a:effectLst>
+            <a:outerShdw blurRad="40000" dist="23000" dir="5400000" rotWithShape="0">
+              <a:srgbClr val="000000">
+                <a:alpha val="35000"/>
+              </a:srgbClr>
+            </a:outerShdw>
+          </a:effectLst>
+        </a:effectStyle>
+        <a:effectStyle>
+          <a:effectLst>
+            <a:outerShdw blurRad="40000" dist="23000" dir="5400000" rotWithShape="0">
+              <a:srgbClr val="000000">
+                <a:alpha val="35000"/>
+              </a:srgbClr>
+            </a:outerShdw>
+          </a:effectLst>
+          <a:scene3d>
+            <a:camera prst="orthographicFront">
+              <a:rot lat="0" lon="0" rev="0"/>
+            </a:camera>
+            <a:lightRig rig="threePt" dir="t">
+              <a:rot lat="0" lon="0" rev="1200000"/>
+            </a:lightRig>
+          </a:scene3d>
+          <a:sp3d>
+            <a:bevelT w="63500" h="25400"/>
+          </a:sp3d>
+        </a:effectStyle>
+      </a:effectStyleLst>
+      <a:bgFillStyleLst>
+        <a:solidFill>
+          <a:schemeClr val="phClr"/>
+        </a:solidFill>
+        <a:gradFill rotWithShape="1">
+          <a:gsLst>
+            <a:gs pos="0">
+              <a:schemeClr val="phClr">
+                <a:tint val="40000"/>
+                <a:satMod val="350000"/>
+              </a:schemeClr>
+            </a:gs>
+            <a:gs pos="40000">
+              <a:schemeClr val="phClr">
+                <a:tint val="45000"/>
+                <a:shade val="99000"/>
+                <a:satMod val="350000"/>
+              </a:schemeClr>
+            </a:gs>
+            <a:gs pos="100000">
+              <a:schemeClr val="phClr">
+                <a:shade val="20000"/>
+                <a:satMod val="255000"/>
+              </a:schemeClr>
+            </a:gs>
+          </a:gsLst>
+          <a:path path="circle">
+            <a:fillToRect l="50000" t="-80000" r="50000" b="180000"/>
+          </a:path>
+        </a:gradFill>
+        <a:gradFill rotWithShape="1">
+          <a:gsLst>
+            <a:gs pos="0">
+              <a:schemeClr val="phClr">
+                <a:tint val="80000"/>
+                <a:satMod val="300000"/>
+              </a:schemeClr>
+            </a:gs>
+            <a:gs pos="100000">
+              <a:schemeClr val="phClr">
+                <a:shade val="30000"/>
+                <a:satMod val="200000"/>
+              </a:schemeClr>
+            </a:gs>
+          </a:gsLst>
+          <a:path path="circle">
+            <a:fillToRect l="50000" t="50000" r="50000" b="50000"/>
+          </a:path>
+        </a:gradFill>
+      </a:bgFillStyleLst>
+    </a:fmtScheme>
+  </a:themeElements>
+</a:theme>
+</file>
+
+<file path=ppt/theme/theme2.xml><?xml version="1.0" encoding="utf-8"?>
 <a:theme xmlns:a="http://schemas.openxmlformats.org/drawingml/2006/main" xmlns:r="http://schemas.openxmlformats.org/officeDocument/2006/relationships">
   <a:themeElements>
     <a:clrScheme name="Default">
@@ -6698,283 +8517,4 @@
     </a:fmtScheme>
   </a:themeElements>
 </a:theme>
-</file>
-
-<file path=ppt/theme/theme2.xml><?xml version="1.0" encoding="utf-8"?>
-<a:theme xmlns:a="http://schemas.openxmlformats.org/drawingml/2006/main" xmlns:r="http://schemas.openxmlformats.org/officeDocument/2006/relationships" name="Simple Light">
-  <a:themeElements>
-    <a:clrScheme name="Simple Light">
-      <a:dk1>
-        <a:srgbClr val="000000"/>
-      </a:dk1>
-      <a:lt1>
-        <a:srgbClr val="FFFFFF"/>
-      </a:lt1>
-      <a:dk2>
-        <a:srgbClr val="595959"/>
-      </a:dk2>
-      <a:lt2>
-        <a:srgbClr val="EEEEEE"/>
-      </a:lt2>
-      <a:accent1>
-        <a:srgbClr val="FFAB40"/>
-      </a:accent1>
-      <a:accent2>
-        <a:srgbClr val="212121"/>
-      </a:accent2>
-      <a:accent3>
-        <a:srgbClr val="78909C"/>
-      </a:accent3>
-      <a:accent4>
-        <a:srgbClr val="FFAB40"/>
-      </a:accent4>
-      <a:accent5>
-        <a:srgbClr val="0097A7"/>
-      </a:accent5>
-      <a:accent6>
-        <a:srgbClr val="EEFF41"/>
-      </a:accent6>
-      <a:hlink>
-        <a:srgbClr val="0097A7"/>
-      </a:hlink>
-      <a:folHlink>
-        <a:srgbClr val="0097A7"/>
-      </a:folHlink>
-    </a:clrScheme>
-    <a:fontScheme name="Office">
-      <a:majorFont>
-        <a:latin typeface="Arial"/>
-        <a:ea typeface=""/>
-        <a:cs typeface=""/>
-        <a:font script="Jpan" typeface="ＭＳ Ｐゴシック"/>
-        <a:font script="Hang" typeface="맑은 고딕"/>
-        <a:font script="Hans" typeface="宋体"/>
-        <a:font script="Hant" typeface="新細明體"/>
-        <a:font script="Arab" typeface="Times New Roman"/>
-        <a:font script="Hebr" typeface="Times New Roman"/>
-        <a:font script="Thai" typeface="Angsana New"/>
-        <a:font script="Ethi" typeface="Nyala"/>
-        <a:font script="Beng" typeface="Vrinda"/>
-        <a:font script="Gujr" typeface="Shruti"/>
-        <a:font script="Khmr" typeface="MoolBoran"/>
-        <a:font script="Knda" typeface="Tunga"/>
-        <a:font script="Guru" typeface="Raavi"/>
-        <a:font script="Cans" typeface="Euphemia"/>
-        <a:font script="Cher" typeface="Plantagenet Cherokee"/>
-        <a:font script="Yiii" typeface="Microsoft Yi Baiti"/>
-        <a:font script="Tibt" typeface="Microsoft Himalaya"/>
-        <a:font script="Thaa" typeface="MV Boli"/>
-        <a:font script="Deva" typeface="Mangal"/>
-        <a:font script="Telu" typeface="Gautami"/>
-        <a:font script="Taml" typeface="Latha"/>
-        <a:font script="Syrc" typeface="Estrangelo Edessa"/>
-        <a:font script="Orya" typeface="Kalinga"/>
-        <a:font script="Mlym" typeface="Kartika"/>
-        <a:font script="Laoo" typeface="DokChampa"/>
-        <a:font script="Sinh" typeface="Iskoola Pota"/>
-        <a:font script="Mong" typeface="Mongolian Baiti"/>
-        <a:font script="Viet" typeface="Times New Roman"/>
-        <a:font script="Uigh" typeface="Microsoft Uighur"/>
-        <a:font script="Geor" typeface="Sylfaen"/>
-      </a:majorFont>
-      <a:minorFont>
-        <a:latin typeface="Arial"/>
-        <a:ea typeface=""/>
-        <a:cs typeface=""/>
-        <a:font script="Jpan" typeface="ＭＳ Ｐゴシック"/>
-        <a:font script="Hang" typeface="맑은 고딕"/>
-        <a:font script="Hans" typeface="宋体"/>
-        <a:font script="Hant" typeface="新細明體"/>
-        <a:font script="Arab" typeface="Arial"/>
-        <a:font script="Hebr" typeface="Arial"/>
-        <a:font script="Thai" typeface="Cordia New"/>
-        <a:font script="Ethi" typeface="Nyala"/>
-        <a:font script="Beng" typeface="Vrinda"/>
-        <a:font script="Gujr" typeface="Shruti"/>
-        <a:font script="Khmr" typeface="DaunPenh"/>
-        <a:font script="Knda" typeface="Tunga"/>
-        <a:font script="Guru" typeface="Raavi"/>
-        <a:font script="Cans" typeface="Euphemia"/>
-        <a:font script="Cher" typeface="Plantagenet Cherokee"/>
-        <a:font script="Yiii" typeface="Microsoft Yi Baiti"/>
-        <a:font script="Tibt" typeface="Microsoft Himalaya"/>
-        <a:font script="Thaa" typeface="MV Boli"/>
-        <a:font script="Deva" typeface="Mangal"/>
-        <a:font script="Telu" typeface="Gautami"/>
-        <a:font script="Taml" typeface="Latha"/>
-        <a:font script="Syrc" typeface="Estrangelo Edessa"/>
-        <a:font script="Orya" typeface="Kalinga"/>
-        <a:font script="Mlym" typeface="Kartika"/>
-        <a:font script="Laoo" typeface="DokChampa"/>
-        <a:font script="Sinh" typeface="Iskoola Pota"/>
-        <a:font script="Mong" typeface="Mongolian Baiti"/>
-        <a:font script="Viet" typeface="Arial"/>
-        <a:font script="Uigh" typeface="Microsoft Uighur"/>
-        <a:font script="Geor" typeface="Sylfaen"/>
-      </a:minorFont>
-    </a:fontScheme>
-    <a:fmtScheme name="Office">
-      <a:fillStyleLst>
-        <a:solidFill>
-          <a:schemeClr val="phClr"/>
-        </a:solidFill>
-        <a:gradFill rotWithShape="1">
-          <a:gsLst>
-            <a:gs pos="0">
-              <a:schemeClr val="phClr">
-                <a:tint val="50000"/>
-                <a:satMod val="300000"/>
-              </a:schemeClr>
-            </a:gs>
-            <a:gs pos="35000">
-              <a:schemeClr val="phClr">
-                <a:tint val="37000"/>
-                <a:satMod val="300000"/>
-              </a:schemeClr>
-            </a:gs>
-            <a:gs pos="100000">
-              <a:schemeClr val="phClr">
-                <a:tint val="15000"/>
-                <a:satMod val="350000"/>
-              </a:schemeClr>
-            </a:gs>
-          </a:gsLst>
-          <a:lin ang="16200000" scaled="1"/>
-        </a:gradFill>
-        <a:gradFill rotWithShape="1">
-          <a:gsLst>
-            <a:gs pos="0">
-              <a:schemeClr val="phClr">
-                <a:tint val="100000"/>
-                <a:shade val="100000"/>
-                <a:satMod val="130000"/>
-              </a:schemeClr>
-            </a:gs>
-            <a:gs pos="100000">
-              <a:schemeClr val="phClr">
-                <a:tint val="50000"/>
-                <a:shade val="100000"/>
-                <a:satMod val="350000"/>
-              </a:schemeClr>
-            </a:gs>
-          </a:gsLst>
-          <a:lin ang="16200000" scaled="0"/>
-        </a:gradFill>
-      </a:fillStyleLst>
-      <a:lnStyleLst>
-        <a:ln w="9525" cap="flat" cmpd="sng" algn="ctr">
-          <a:solidFill>
-            <a:schemeClr val="phClr">
-              <a:shade val="95000"/>
-              <a:satMod val="105000"/>
-            </a:schemeClr>
-          </a:solidFill>
-          <a:prstDash val="solid"/>
-        </a:ln>
-        <a:ln w="25400" cap="flat" cmpd="sng" algn="ctr">
-          <a:solidFill>
-            <a:schemeClr val="phClr"/>
-          </a:solidFill>
-          <a:prstDash val="solid"/>
-        </a:ln>
-        <a:ln w="38100" cap="flat" cmpd="sng" algn="ctr">
-          <a:solidFill>
-            <a:schemeClr val="phClr"/>
-          </a:solidFill>
-          <a:prstDash val="solid"/>
-        </a:ln>
-      </a:lnStyleLst>
-      <a:effectStyleLst>
-        <a:effectStyle>
-          <a:effectLst>
-            <a:outerShdw blurRad="40000" dist="20000" dir="5400000" rotWithShape="0">
-              <a:srgbClr val="000000">
-                <a:alpha val="38000"/>
-              </a:srgbClr>
-            </a:outerShdw>
-          </a:effectLst>
-        </a:effectStyle>
-        <a:effectStyle>
-          <a:effectLst>
-            <a:outerShdw blurRad="40000" dist="23000" dir="5400000" rotWithShape="0">
-              <a:srgbClr val="000000">
-                <a:alpha val="35000"/>
-              </a:srgbClr>
-            </a:outerShdw>
-          </a:effectLst>
-        </a:effectStyle>
-        <a:effectStyle>
-          <a:effectLst>
-            <a:outerShdw blurRad="40000" dist="23000" dir="5400000" rotWithShape="0">
-              <a:srgbClr val="000000">
-                <a:alpha val="35000"/>
-              </a:srgbClr>
-            </a:outerShdw>
-          </a:effectLst>
-          <a:scene3d>
-            <a:camera prst="orthographicFront">
-              <a:rot lat="0" lon="0" rev="0"/>
-            </a:camera>
-            <a:lightRig rig="threePt" dir="t">
-              <a:rot lat="0" lon="0" rev="1200000"/>
-            </a:lightRig>
-          </a:scene3d>
-          <a:sp3d>
-            <a:bevelT w="63500" h="25400"/>
-          </a:sp3d>
-        </a:effectStyle>
-      </a:effectStyleLst>
-      <a:bgFillStyleLst>
-        <a:solidFill>
-          <a:schemeClr val="phClr"/>
-        </a:solidFill>
-        <a:gradFill rotWithShape="1">
-          <a:gsLst>
-            <a:gs pos="0">
-              <a:schemeClr val="phClr">
-                <a:tint val="40000"/>
-                <a:satMod val="350000"/>
-              </a:schemeClr>
-            </a:gs>
-            <a:gs pos="40000">
-              <a:schemeClr val="phClr">
-                <a:tint val="45000"/>
-                <a:shade val="99000"/>
-                <a:satMod val="350000"/>
-              </a:schemeClr>
-            </a:gs>
-            <a:gs pos="100000">
-              <a:schemeClr val="phClr">
-                <a:shade val="20000"/>
-                <a:satMod val="255000"/>
-              </a:schemeClr>
-            </a:gs>
-          </a:gsLst>
-          <a:path path="circle">
-            <a:fillToRect l="50000" t="-80000" r="50000" b="180000"/>
-          </a:path>
-        </a:gradFill>
-        <a:gradFill rotWithShape="1">
-          <a:gsLst>
-            <a:gs pos="0">
-              <a:schemeClr val="phClr">
-                <a:tint val="80000"/>
-                <a:satMod val="300000"/>
-              </a:schemeClr>
-            </a:gs>
-            <a:gs pos="100000">
-              <a:schemeClr val="phClr">
-                <a:shade val="30000"/>
-                <a:satMod val="200000"/>
-              </a:schemeClr>
-            </a:gs>
-          </a:gsLst>
-          <a:path path="circle">
-            <a:fillToRect l="50000" t="50000" r="50000" b="50000"/>
-          </a:path>
-        </a:gradFill>
-      </a:bgFillStyleLst>
-    </a:fmtScheme>
-  </a:themeElements>
-</a:theme>
 </file>
--- a/Capstone 2 Deck.pptx
+++ b/Capstone 2 Deck.pptx
@@ -903,7 +903,7 @@
   <p:cSld>
     <p:spTree>
       <p:nvGrpSpPr>
-        <p:cNvPr id="73" name="Shape 73"/>
+        <p:cNvPr id="74" name="Shape 74"/>
         <p:cNvGrpSpPr/>
         <p:nvPr/>
       </p:nvGrpSpPr>
@@ -917,7 +917,7 @@
       </p:grpSpPr>
       <p:sp>
         <p:nvSpPr>
-          <p:cNvPr id="74" name="Google Shape;74;g8381ce48f8_0_7:notes"/>
+          <p:cNvPr id="75" name="Google Shape;75;g8381ce48f8_0_7:notes"/>
           <p:cNvSpPr/>
           <p:nvPr>
             <p:ph idx="2" type="sldImg"/>
@@ -952,7 +952,7 @@
       </p:sp>
       <p:sp>
         <p:nvSpPr>
-          <p:cNvPr id="75" name="Google Shape;75;g8381ce48f8_0_7:notes"/>
+          <p:cNvPr id="76" name="Google Shape;76;g8381ce48f8_0_7:notes"/>
           <p:cNvSpPr txBox="1"/>
           <p:nvPr>
             <p:ph idx="1" type="body"/>
@@ -1002,7 +1002,7 @@
   <p:cSld>
     <p:spTree>
       <p:nvGrpSpPr>
-        <p:cNvPr id="80" name="Shape 80"/>
+        <p:cNvPr id="81" name="Shape 81"/>
         <p:cNvGrpSpPr/>
         <p:nvPr/>
       </p:nvGrpSpPr>
@@ -1016,7 +1016,7 @@
       </p:grpSpPr>
       <p:sp>
         <p:nvSpPr>
-          <p:cNvPr id="81" name="Google Shape;81;g8381ce48f8_1_2:notes"/>
+          <p:cNvPr id="82" name="Google Shape;82;g8381ce48f8_1_2:notes"/>
           <p:cNvSpPr/>
           <p:nvPr>
             <p:ph idx="2" type="sldImg"/>
@@ -1051,7 +1051,7 @@
       </p:sp>
       <p:sp>
         <p:nvSpPr>
-          <p:cNvPr id="82" name="Google Shape;82;g8381ce48f8_1_2:notes"/>
+          <p:cNvPr id="83" name="Google Shape;83;g8381ce48f8_1_2:notes"/>
           <p:cNvSpPr txBox="1"/>
           <p:nvPr>
             <p:ph idx="1" type="body"/>
@@ -1101,7 +1101,7 @@
   <p:cSld>
     <p:spTree>
       <p:nvGrpSpPr>
-        <p:cNvPr id="86" name="Shape 86"/>
+        <p:cNvPr id="87" name="Shape 87"/>
         <p:cNvGrpSpPr/>
         <p:nvPr/>
       </p:nvGrpSpPr>
@@ -1115,7 +1115,7 @@
       </p:grpSpPr>
       <p:sp>
         <p:nvSpPr>
-          <p:cNvPr id="87" name="Google Shape;87;g8381ce48f8_1_7:notes"/>
+          <p:cNvPr id="88" name="Google Shape;88;g8381ce48f8_1_7:notes"/>
           <p:cNvSpPr/>
           <p:nvPr>
             <p:ph idx="2" type="sldImg"/>
@@ -1150,7 +1150,7 @@
       </p:sp>
       <p:sp>
         <p:nvSpPr>
-          <p:cNvPr id="88" name="Google Shape;88;g8381ce48f8_1_7:notes"/>
+          <p:cNvPr id="89" name="Google Shape;89;g8381ce48f8_1_7:notes"/>
           <p:cNvSpPr txBox="1"/>
           <p:nvPr>
             <p:ph idx="1" type="body"/>
@@ -1200,7 +1200,7 @@
   <p:cSld>
     <p:spTree>
       <p:nvGrpSpPr>
-        <p:cNvPr id="92" name="Shape 92"/>
+        <p:cNvPr id="93" name="Shape 93"/>
         <p:cNvGrpSpPr/>
         <p:nvPr/>
       </p:nvGrpSpPr>
@@ -1214,7 +1214,7 @@
       </p:grpSpPr>
       <p:sp>
         <p:nvSpPr>
-          <p:cNvPr id="93" name="Google Shape;93;g83a838e1b2_0_352:notes"/>
+          <p:cNvPr id="94" name="Google Shape;94;g83a838e1b2_0_352:notes"/>
           <p:cNvSpPr/>
           <p:nvPr>
             <p:ph idx="2" type="sldImg"/>
@@ -1249,7 +1249,7 @@
       </p:sp>
       <p:sp>
         <p:nvSpPr>
-          <p:cNvPr id="94" name="Google Shape;94;g83a838e1b2_0_352:notes"/>
+          <p:cNvPr id="95" name="Google Shape;95;g83a838e1b2_0_352:notes"/>
           <p:cNvSpPr txBox="1"/>
           <p:nvPr>
             <p:ph idx="1" type="body"/>
@@ -7356,10 +7356,18 @@
               <a:buNone/>
             </a:pPr>
             <a:r>
-              <a:rPr lang="en"/>
+              <a:rPr lang="en">
+                <a:solidFill>
+                  <a:srgbClr val="000000"/>
+                </a:solidFill>
+              </a:rPr>
               <a:t>Medical image recognition is an established field where data science techniques and especially deep learning with neural networks, are useful. Automating image recognition of diagnostic material can save valuable physician time and improve outcomes for patients.</a:t>
             </a:r>
-            <a:endParaRPr/>
+            <a:endParaRPr>
+              <a:solidFill>
+                <a:srgbClr val="000000"/>
+              </a:solidFill>
+            </a:endParaRPr>
           </a:p>
           <a:p>
             <a:pPr indent="0" lvl="0" marL="0" rtl="0" algn="l">
@@ -7372,10 +7380,18 @@
               <a:buNone/>
             </a:pPr>
             <a:r>
-              <a:rPr lang="en"/>
+              <a:rPr lang="en">
+                <a:solidFill>
+                  <a:srgbClr val="000000"/>
+                </a:solidFill>
+              </a:rPr>
               <a:t>In this specific case, the problem is to correctly classify whether patients are pneumonic, based on a single x-ray image. To do so I have built a convolutional neural network.</a:t>
             </a:r>
-            <a:endParaRPr/>
+            <a:endParaRPr>
+              <a:solidFill>
+                <a:srgbClr val="000000"/>
+              </a:solidFill>
+            </a:endParaRPr>
           </a:p>
           <a:p>
             <a:pPr indent="0" lvl="0" marL="0" rtl="0" algn="l">
@@ -7411,6 +7427,64 @@
               <a:t/>
             </a:r>
             <a:endParaRPr/>
+          </a:p>
+        </p:txBody>
+      </p:sp>
+      <p:sp>
+        <p:nvSpPr>
+          <p:cNvPr id="73" name="Google Shape;73;p14"/>
+          <p:cNvSpPr txBox="1"/>
+          <p:nvPr/>
+        </p:nvSpPr>
+        <p:spPr>
+          <a:xfrm>
+            <a:off x="521000" y="926925"/>
+            <a:ext cx="7948200" cy="669300"/>
+          </a:xfrm>
+          <a:prstGeom prst="rect">
+            <a:avLst/>
+          </a:prstGeom>
+          <a:noFill/>
+          <a:ln>
+            <a:noFill/>
+          </a:ln>
+        </p:spPr>
+        <p:txBody>
+          <a:bodyPr anchorCtr="0" anchor="t" bIns="91425" lIns="91425" spcFirstLastPara="1" rIns="91425" wrap="square" tIns="91425">
+            <a:noAutofit/>
+          </a:bodyPr>
+          <a:lstStyle/>
+          <a:p>
+            <a:pPr indent="0" lvl="0" marL="0" rtl="0" algn="l">
+              <a:spcBef>
+                <a:spcPts val="0"/>
+              </a:spcBef>
+              <a:spcAft>
+                <a:spcPts val="0"/>
+              </a:spcAft>
+              <a:buNone/>
+            </a:pPr>
+            <a:r>
+              <a:rPr lang="en" sz="3200">
+                <a:solidFill>
+                  <a:schemeClr val="lt1"/>
+                </a:solidFill>
+                <a:latin typeface="Roboto"/>
+                <a:ea typeface="Roboto"/>
+                <a:cs typeface="Roboto"/>
+                <a:sym typeface="Roboto"/>
+              </a:rPr>
+              <a:t>Th Data</a:t>
+            </a:r>
+            <a:endParaRPr>
+              <a:solidFill>
+                <a:srgbClr val="FFFFFF"/>
+              </a:solidFill>
+              <a:latin typeface="Roboto"/>
+              <a:ea typeface="Roboto"/>
+              <a:cs typeface="Roboto"/>
+              <a:sym typeface="Roboto"/>
+            </a:endParaRPr>
           </a:p>
         </p:txBody>
       </p:sp>
@@ -7427,7 +7501,7 @@
   <p:cSld>
     <p:spTree>
       <p:nvGrpSpPr>
-        <p:cNvPr id="76" name="Shape 76"/>
+        <p:cNvPr id="77" name="Shape 77"/>
         <p:cNvGrpSpPr/>
         <p:nvPr/>
       </p:nvGrpSpPr>
@@ -7441,7 +7515,7 @@
       </p:grpSpPr>
       <p:pic>
         <p:nvPicPr>
-          <p:cNvPr id="77" name="Google Shape;77;p15"/>
+          <p:cNvPr id="78" name="Google Shape;78;p15"/>
           <p:cNvPicPr preferRelativeResize="0"/>
           <p:nvPr/>
         </p:nvPicPr>
@@ -7469,7 +7543,7 @@
       </p:pic>
       <p:pic>
         <p:nvPicPr>
-          <p:cNvPr id="78" name="Google Shape;78;p15"/>
+          <p:cNvPr id="79" name="Google Shape;79;p15"/>
           <p:cNvPicPr preferRelativeResize="0"/>
           <p:nvPr/>
         </p:nvPicPr>
@@ -7497,7 +7571,7 @@
       </p:pic>
       <p:sp>
         <p:nvSpPr>
-          <p:cNvPr id="79" name="Google Shape;79;p15"/>
+          <p:cNvPr id="80" name="Google Shape;80;p15"/>
           <p:cNvSpPr txBox="1"/>
           <p:nvPr/>
         </p:nvSpPr>
@@ -7558,7 +7632,7 @@
   <p:cSld>
     <p:spTree>
       <p:nvGrpSpPr>
-        <p:cNvPr id="83" name="Shape 83"/>
+        <p:cNvPr id="84" name="Shape 84"/>
         <p:cNvGrpSpPr/>
         <p:nvPr/>
       </p:nvGrpSpPr>
@@ -7572,7 +7646,7 @@
       </p:grpSpPr>
       <p:sp>
         <p:nvSpPr>
-          <p:cNvPr id="84" name="Google Shape;84;p16"/>
+          <p:cNvPr id="85" name="Google Shape;85;p16"/>
           <p:cNvSpPr txBox="1"/>
           <p:nvPr>
             <p:ph type="title"/>
@@ -7612,7 +7686,7 @@
       </p:sp>
       <p:sp>
         <p:nvSpPr>
-          <p:cNvPr id="85" name="Google Shape;85;p16"/>
+          <p:cNvPr id="86" name="Google Shape;86;p16"/>
           <p:cNvSpPr txBox="1"/>
           <p:nvPr>
             <p:ph idx="1" type="body"/>
@@ -7621,7 +7695,7 @@
         <p:spPr>
           <a:xfrm>
             <a:off x="471900" y="1919075"/>
-            <a:ext cx="8222100" cy="2710200"/>
+            <a:ext cx="8222100" cy="2877300"/>
           </a:xfrm>
           <a:prstGeom prst="rect">
             <a:avLst/>
@@ -7638,19 +7712,131 @@
                 <a:spcPts val="0"/>
               </a:spcBef>
               <a:spcAft>
-                <a:spcPts val="1600"/>
+                <a:spcPts val="0"/>
               </a:spcAft>
               <a:buNone/>
             </a:pPr>
             <a:r>
-              <a:rPr lang="en" sz="2800">
+              <a:rPr lang="en" sz="2400">
                 <a:solidFill>
                   <a:srgbClr val="000000"/>
                 </a:solidFill>
               </a:rPr>
-              <a:t>The CNN I built consisted of six layers. The first convolutional, the second a flattening layer and the rest dense ReLu activation layers with teh final one being a single node as this is a binary classifcation problem.</a:t>
+              <a:t>The CNN I built consisted of six layers. </a:t>
             </a:r>
-            <a:endParaRPr>
+            <a:endParaRPr sz="2400">
+              <a:solidFill>
+                <a:srgbClr val="000000"/>
+              </a:solidFill>
+            </a:endParaRPr>
+          </a:p>
+          <a:p>
+            <a:pPr indent="-381000" lvl="0" marL="457200" rtl="0" algn="l">
+              <a:spcBef>
+                <a:spcPts val="1600"/>
+              </a:spcBef>
+              <a:spcAft>
+                <a:spcPts val="0"/>
+              </a:spcAft>
+              <a:buClr>
+                <a:srgbClr val="000000"/>
+              </a:buClr>
+              <a:buSzPts val="2400"/>
+              <a:buChar char="-"/>
+            </a:pPr>
+            <a:r>
+              <a:rPr lang="en" sz="2400">
+                <a:solidFill>
+                  <a:srgbClr val="000000"/>
+                </a:solidFill>
+              </a:rPr>
+              <a:t>The first convolutional</a:t>
+            </a:r>
+            <a:endParaRPr sz="2400">
+              <a:solidFill>
+                <a:srgbClr val="000000"/>
+              </a:solidFill>
+            </a:endParaRPr>
+          </a:p>
+          <a:p>
+            <a:pPr indent="-381000" lvl="0" marL="457200" rtl="0" algn="l">
+              <a:spcBef>
+                <a:spcPts val="0"/>
+              </a:spcBef>
+              <a:spcAft>
+                <a:spcPts val="0"/>
+              </a:spcAft>
+              <a:buClr>
+                <a:srgbClr val="000000"/>
+              </a:buClr>
+              <a:buSzPts val="2400"/>
+              <a:buChar char="-"/>
+            </a:pPr>
+            <a:r>
+              <a:rPr lang="en" sz="2400">
+                <a:solidFill>
+                  <a:srgbClr val="000000"/>
+                </a:solidFill>
+              </a:rPr>
+              <a:t>The second a flattening layer </a:t>
+            </a:r>
+            <a:endParaRPr sz="2400">
+              <a:solidFill>
+                <a:srgbClr val="000000"/>
+              </a:solidFill>
+            </a:endParaRPr>
+          </a:p>
+          <a:p>
+            <a:pPr indent="-381000" lvl="0" marL="457200" rtl="0" algn="l">
+              <a:spcBef>
+                <a:spcPts val="0"/>
+              </a:spcBef>
+              <a:spcAft>
+                <a:spcPts val="0"/>
+              </a:spcAft>
+              <a:buClr>
+                <a:srgbClr val="000000"/>
+              </a:buClr>
+              <a:buSzPts val="2400"/>
+              <a:buChar char="-"/>
+            </a:pPr>
+            <a:r>
+              <a:rPr lang="en" sz="2400">
+                <a:solidFill>
+                  <a:srgbClr val="000000"/>
+                </a:solidFill>
+              </a:rPr>
+              <a:t>The rest dense ReLu activation layers </a:t>
+            </a:r>
+            <a:endParaRPr sz="2400">
+              <a:solidFill>
+                <a:srgbClr val="000000"/>
+              </a:solidFill>
+            </a:endParaRPr>
+          </a:p>
+          <a:p>
+            <a:pPr indent="-381000" lvl="0" marL="457200" rtl="0" algn="l">
+              <a:spcBef>
+                <a:spcPts val="0"/>
+              </a:spcBef>
+              <a:spcAft>
+                <a:spcPts val="0"/>
+              </a:spcAft>
+              <a:buClr>
+                <a:srgbClr val="000000"/>
+              </a:buClr>
+              <a:buSzPts val="2400"/>
+              <a:buChar char="-"/>
+            </a:pPr>
+            <a:r>
+              <a:rPr lang="en" sz="2400">
+                <a:solidFill>
+                  <a:srgbClr val="000000"/>
+                </a:solidFill>
+              </a:rPr>
+              <a:t>The final one being a single node as this is a binary classification problem.</a:t>
+            </a:r>
+            <a:endParaRPr sz="2400">
               <a:solidFill>
                 <a:srgbClr val="000000"/>
               </a:solidFill>
@@ -7671,7 +7857,7 @@
   <p:cSld>
     <p:spTree>
       <p:nvGrpSpPr>
-        <p:cNvPr id="89" name="Shape 89"/>
+        <p:cNvPr id="90" name="Shape 90"/>
         <p:cNvGrpSpPr/>
         <p:nvPr/>
       </p:nvGrpSpPr>
@@ -7685,7 +7871,7 @@
       </p:grpSpPr>
       <p:sp>
         <p:nvSpPr>
-          <p:cNvPr id="90" name="Google Shape;90;p17"/>
+          <p:cNvPr id="91" name="Google Shape;91;p17"/>
           <p:cNvSpPr txBox="1"/>
           <p:nvPr>
             <p:ph type="title"/>
@@ -7725,7 +7911,7 @@
       </p:sp>
       <p:sp>
         <p:nvSpPr>
-          <p:cNvPr id="91" name="Google Shape;91;p17"/>
+          <p:cNvPr id="92" name="Google Shape;92;p17"/>
           <p:cNvSpPr txBox="1"/>
           <p:nvPr>
             <p:ph idx="1" type="body"/>
@@ -7824,7 +8010,7 @@
   <p:cSld>
     <p:spTree>
       <p:nvGrpSpPr>
-        <p:cNvPr id="95" name="Shape 95"/>
+        <p:cNvPr id="96" name="Shape 96"/>
         <p:cNvGrpSpPr/>
         <p:nvPr/>
       </p:nvGrpSpPr>
@@ -7838,7 +8024,7 @@
       </p:grpSpPr>
       <p:sp>
         <p:nvSpPr>
-          <p:cNvPr id="96" name="Google Shape;96;p18"/>
+          <p:cNvPr id="97" name="Google Shape;97;p18"/>
           <p:cNvSpPr txBox="1"/>
           <p:nvPr>
             <p:ph type="title"/>
@@ -7878,7 +8064,7 @@
       </p:sp>
       <p:sp>
         <p:nvSpPr>
-          <p:cNvPr id="97" name="Google Shape;97;p18"/>
+          <p:cNvPr id="98" name="Google Shape;98;p18"/>
           <p:cNvSpPr txBox="1"/>
           <p:nvPr>
             <p:ph idx="1" type="body"/>
@@ -7886,8 +8072,8 @@
         </p:nvSpPr>
         <p:spPr>
           <a:xfrm>
-            <a:off x="471900" y="1919075"/>
-            <a:ext cx="8222100" cy="2710200"/>
+            <a:off x="471900" y="1742325"/>
+            <a:ext cx="8222100" cy="3325200"/>
           </a:xfrm>
           <a:prstGeom prst="rect">
             <a:avLst/>
@@ -7909,31 +8095,184 @@
               <a:buNone/>
             </a:pPr>
             <a:r>
-              <a:rPr lang="en">
+              <a:rPr lang="en" sz="1500">
                 <a:solidFill>
                   <a:srgbClr val="000000"/>
                 </a:solidFill>
                 <a:highlight>
                   <a:srgbClr val="FFFFFF"/>
                 </a:highlight>
-                <a:latin typeface="Arial"/>
-                <a:ea typeface="Arial"/>
-                <a:cs typeface="Arial"/>
-                <a:sym typeface="Arial"/>
               </a:rPr>
-              <a:t>The model overfits, to improve is this in future two things to try to use are regularization and dropouts. Systematic hyper-parameter optimization could also be done, with the hyper-parameters being earning rate, Number of epochs, Batch size and Weight initialization. Finally, using image interpolation techniques could be used to enlarge smaller images so that the standard image size input into the model can be bigger.</a:t>
+              <a:t>The model overfits, to improve is this in future two things to try to use are regularization and dropouts. Systematic hyper-parameter optimization could also be done, with the hyper-parameters being </a:t>
             </a:r>
-            <a:endParaRPr>
+            <a:endParaRPr sz="1500">
               <a:solidFill>
                 <a:srgbClr val="000000"/>
               </a:solidFill>
               <a:highlight>
                 <a:srgbClr val="FFFFFF"/>
               </a:highlight>
-              <a:latin typeface="Arial"/>
-              <a:ea typeface="Arial"/>
-              <a:cs typeface="Arial"/>
-              <a:sym typeface="Arial"/>
+            </a:endParaRPr>
+          </a:p>
+          <a:p>
+            <a:pPr indent="0" lvl="0" marL="0" rtl="0" algn="just">
+              <a:spcBef>
+                <a:spcPts val="1100"/>
+              </a:spcBef>
+              <a:spcAft>
+                <a:spcPts val="0"/>
+              </a:spcAft>
+              <a:buNone/>
+            </a:pPr>
+            <a:r>
+              <a:rPr lang="en" sz="1500">
+                <a:solidFill>
+                  <a:srgbClr val="000000"/>
+                </a:solidFill>
+                <a:highlight>
+                  <a:srgbClr val="FFFFFF"/>
+                </a:highlight>
+              </a:rPr>
+              <a:t>- L</a:t>
+            </a:r>
+            <a:r>
+              <a:rPr lang="en" sz="1500">
+                <a:solidFill>
+                  <a:srgbClr val="000000"/>
+                </a:solidFill>
+                <a:highlight>
+                  <a:srgbClr val="FFFFFF"/>
+                </a:highlight>
+              </a:rPr>
+              <a:t>earning rate</a:t>
+            </a:r>
+            <a:endParaRPr sz="1500">
+              <a:solidFill>
+                <a:srgbClr val="000000"/>
+              </a:solidFill>
+              <a:highlight>
+                <a:srgbClr val="FFFFFF"/>
+              </a:highlight>
+            </a:endParaRPr>
+          </a:p>
+          <a:p>
+            <a:pPr indent="0" lvl="0" marL="0" rtl="0" algn="just">
+              <a:spcBef>
+                <a:spcPts val="1100"/>
+              </a:spcBef>
+              <a:spcAft>
+                <a:spcPts val="0"/>
+              </a:spcAft>
+              <a:buNone/>
+            </a:pPr>
+            <a:r>
+              <a:rPr lang="en" sz="1500">
+                <a:solidFill>
+                  <a:srgbClr val="000000"/>
+                </a:solidFill>
+                <a:highlight>
+                  <a:srgbClr val="FFFFFF"/>
+                </a:highlight>
+              </a:rPr>
+              <a:t>- Number of epochs</a:t>
+            </a:r>
+            <a:endParaRPr sz="1500">
+              <a:solidFill>
+                <a:srgbClr val="000000"/>
+              </a:solidFill>
+              <a:highlight>
+                <a:srgbClr val="FFFFFF"/>
+              </a:highlight>
+            </a:endParaRPr>
+          </a:p>
+          <a:p>
+            <a:pPr indent="0" lvl="0" marL="0" rtl="0" algn="just">
+              <a:spcBef>
+                <a:spcPts val="1100"/>
+              </a:spcBef>
+              <a:spcAft>
+                <a:spcPts val="0"/>
+              </a:spcAft>
+              <a:buNone/>
+            </a:pPr>
+            <a:r>
+              <a:rPr lang="en" sz="1500">
+                <a:solidFill>
+                  <a:srgbClr val="000000"/>
+                </a:solidFill>
+                <a:highlight>
+                  <a:srgbClr val="FFFFFF"/>
+                </a:highlight>
+              </a:rPr>
+              <a:t> -Batch size </a:t>
+            </a:r>
+            <a:endParaRPr sz="1500">
+              <a:solidFill>
+                <a:srgbClr val="000000"/>
+              </a:solidFill>
+              <a:highlight>
+                <a:srgbClr val="FFFFFF"/>
+              </a:highlight>
+            </a:endParaRPr>
+          </a:p>
+          <a:p>
+            <a:pPr indent="0" lvl="0" marL="0" rtl="0" algn="just">
+              <a:spcBef>
+                <a:spcPts val="1100"/>
+              </a:spcBef>
+              <a:spcAft>
+                <a:spcPts val="0"/>
+              </a:spcAft>
+              <a:buNone/>
+            </a:pPr>
+            <a:r>
+              <a:rPr lang="en" sz="1500">
+                <a:solidFill>
+                  <a:srgbClr val="000000"/>
+                </a:solidFill>
+                <a:highlight>
+                  <a:srgbClr val="FFFFFF"/>
+                </a:highlight>
+              </a:rPr>
+              <a:t>- Weight initialization.</a:t>
+            </a:r>
+            <a:endParaRPr sz="1500">
+              <a:solidFill>
+                <a:srgbClr val="000000"/>
+              </a:solidFill>
+              <a:highlight>
+                <a:srgbClr val="FFFFFF"/>
+              </a:highlight>
+            </a:endParaRPr>
+          </a:p>
+          <a:p>
+            <a:pPr indent="0" lvl="0" marL="0" rtl="0" algn="just">
+              <a:spcBef>
+                <a:spcPts val="1100"/>
+              </a:spcBef>
+              <a:spcAft>
+                <a:spcPts val="0"/>
+              </a:spcAft>
+              <a:buNone/>
+            </a:pPr>
+            <a:r>
+              <a:rPr lang="en" sz="1500">
+                <a:solidFill>
+                  <a:srgbClr val="000000"/>
+                </a:solidFill>
+                <a:highlight>
+                  <a:srgbClr val="FFFFFF"/>
+                </a:highlight>
+              </a:rPr>
+              <a:t>Finally, using image interpolation techniques could be used to enlarge smaller images so that the standard image size input into the model can be bigger.</a:t>
+            </a:r>
+            <a:endParaRPr sz="1500">
+              <a:solidFill>
+                <a:srgbClr val="000000"/>
+              </a:solidFill>
+              <a:highlight>
+                <a:srgbClr val="FFFFFF"/>
+              </a:highlight>
             </a:endParaRPr>
           </a:p>
           <a:p>
